--- a/data_analyst_capstone_project/Final-Capstone-Story.pptx
+++ b/data_analyst_capstone_project/Final-Capstone-Story.pptx
@@ -5,7 +5,7 @@
     <p:sldMasterId id="2147483660" r:id="rId4"/>
   </p:sldMasterIdLst>
   <p:notesMasterIdLst>
-    <p:notesMasterId r:id="rId25"/>
+    <p:notesMasterId r:id="rId26"/>
   </p:notesMasterIdLst>
   <p:sldIdLst>
     <p:sldId id="256" r:id="rId5"/>
@@ -26,8 +26,9 @@
     <p:sldId id="273" r:id="rId20"/>
     <p:sldId id="274" r:id="rId21"/>
     <p:sldId id="275" r:id="rId22"/>
-    <p:sldId id="276" r:id="rId23"/>
-    <p:sldId id="277" r:id="rId24"/>
+    <p:sldId id="280" r:id="rId23"/>
+    <p:sldId id="276" r:id="rId24"/>
+    <p:sldId id="277" r:id="rId25"/>
   </p:sldIdLst>
   <p:sldSz cx="12192000" cy="6858000"/>
   <p:notesSz cx="6858000" cy="1857375"/>
@@ -166,6 +167,1718 @@
     <p1510:client id="{224CC9B6-A6C2-46C7-BBB9-C6A60C5C4540}" v="35" dt="2020-10-29T00:07:35.914"/>
   </p1510:revLst>
 </p1510:revInfo>
+</file>
+
+<file path=ppt/charts/chart1.xml><?xml version="1.0" encoding="utf-8"?>
+<c:chartSpace xmlns:c="http://schemas.openxmlformats.org/drawingml/2006/chart" xmlns:a="http://schemas.openxmlformats.org/drawingml/2006/main" xmlns:r="http://schemas.openxmlformats.org/officeDocument/2006/relationships" xmlns:c16r2="http://schemas.microsoft.com/office/drawing/2015/06/chart">
+  <c:date1904 val="0"/>
+  <c:lang val="en-US"/>
+  <c:roundedCorners val="0"/>
+  <mc:AlternateContent xmlns:mc="http://schemas.openxmlformats.org/markup-compatibility/2006">
+    <mc:Choice xmlns:c14="http://schemas.microsoft.com/office/drawing/2007/8/2/chart" Requires="c14">
+      <c14:style val="102"/>
+    </mc:Choice>
+    <mc:Fallback>
+      <c:style val="2"/>
+    </mc:Fallback>
+  </mc:AlternateContent>
+  <c:chart>
+    <c:title>
+      <c:overlay val="0"/>
+      <c:spPr>
+        <a:noFill/>
+        <a:ln>
+          <a:noFill/>
+        </a:ln>
+        <a:effectLst/>
+      </c:spPr>
+      <c:txPr>
+        <a:bodyPr rot="0" spcFirstLastPara="1" vertOverflow="ellipsis" vert="horz" wrap="square" anchor="ctr" anchorCtr="1"/>
+        <a:lstStyle/>
+        <a:p>
+          <a:pPr>
+            <a:defRPr sz="1400" b="0" i="0" u="none" strike="noStrike" kern="1200" spc="0" baseline="0">
+              <a:solidFill>
+                <a:schemeClr val="tx1">
+                  <a:lumMod val="65000"/>
+                  <a:lumOff val="35000"/>
+                </a:schemeClr>
+              </a:solidFill>
+              <a:latin typeface="+mn-lt"/>
+              <a:ea typeface="+mn-ea"/>
+              <a:cs typeface="+mn-cs"/>
+            </a:defRPr>
+          </a:pPr>
+          <a:endParaRPr lang="en-US"/>
+        </a:p>
+      </c:txPr>
+    </c:title>
+    <c:autoTitleDeleted val="0"/>
+    <c:plotArea>
+      <c:layout/>
+      <c:barChart>
+        <c:barDir val="col"/>
+        <c:grouping val="stacked"/>
+        <c:varyColors val="0"/>
+        <c:ser>
+          <c:idx val="0"/>
+          <c:order val="0"/>
+          <c:tx>
+            <c:strRef>
+              <c:f>'[job-postings.xlsx]Sheet'!$B$1</c:f>
+              <c:strCache>
+                <c:ptCount val="1"/>
+                <c:pt idx="0">
+                  <c:v>Job Count</c:v>
+                </c:pt>
+              </c:strCache>
+            </c:strRef>
+          </c:tx>
+          <c:spPr>
+            <a:solidFill>
+              <a:schemeClr val="accent1"/>
+            </a:solidFill>
+            <a:ln>
+              <a:noFill/>
+            </a:ln>
+            <a:effectLst/>
+          </c:spPr>
+          <c:invertIfNegative val="0"/>
+          <c:cat>
+            <c:strRef>
+              <c:f>'[job-postings.xlsx]Sheet'!$A$2:$A$8</c:f>
+              <c:strCache>
+                <c:ptCount val="7"/>
+                <c:pt idx="0">
+                  <c:v>Washington DC</c:v>
+                </c:pt>
+                <c:pt idx="1">
+                  <c:v>Detroit</c:v>
+                </c:pt>
+                <c:pt idx="2">
+                  <c:v>Seattle</c:v>
+                </c:pt>
+                <c:pt idx="3">
+                  <c:v>New York</c:v>
+                </c:pt>
+                <c:pt idx="4">
+                  <c:v>Los Angeles</c:v>
+                </c:pt>
+                <c:pt idx="5">
+                  <c:v>San Francisco</c:v>
+                </c:pt>
+                <c:pt idx="6">
+                  <c:v>Austin</c:v>
+                </c:pt>
+              </c:strCache>
+            </c:strRef>
+          </c:cat>
+          <c:val>
+            <c:numRef>
+              <c:f>'[job-postings.xlsx]Sheet'!$B$2:$B$8</c:f>
+              <c:numCache>
+                <c:formatCode>General</c:formatCode>
+                <c:ptCount val="7"/>
+                <c:pt idx="0">
+                  <c:v>5316</c:v>
+                </c:pt>
+                <c:pt idx="1">
+                  <c:v>3945</c:v>
+                </c:pt>
+                <c:pt idx="2">
+                  <c:v>3375</c:v>
+                </c:pt>
+                <c:pt idx="3">
+                  <c:v>3226</c:v>
+                </c:pt>
+                <c:pt idx="4">
+                  <c:v>640</c:v>
+                </c:pt>
+                <c:pt idx="5">
+                  <c:v>435</c:v>
+                </c:pt>
+                <c:pt idx="6">
+                  <c:v>434</c:v>
+                </c:pt>
+              </c:numCache>
+            </c:numRef>
+          </c:val>
+          <c:extLst>
+            <c:ext xmlns:c16="http://schemas.microsoft.com/office/drawing/2014/chart" uri="{C3380CC4-5D6E-409C-BE32-E72D297353CC}">
+              <c16:uniqueId val="{00000000-DED2-4446-A42C-98C76ACCC559}"/>
+            </c:ext>
+          </c:extLst>
+        </c:ser>
+        <c:dLbls>
+          <c:showLegendKey val="0"/>
+          <c:showVal val="0"/>
+          <c:showCatName val="0"/>
+          <c:showSerName val="0"/>
+          <c:showPercent val="0"/>
+          <c:showBubbleSize val="0"/>
+        </c:dLbls>
+        <c:gapWidth val="150"/>
+        <c:overlap val="100"/>
+        <c:axId val="53002847"/>
+        <c:axId val="53003327"/>
+      </c:barChart>
+      <c:catAx>
+        <c:axId val="53002847"/>
+        <c:scaling>
+          <c:orientation val="minMax"/>
+        </c:scaling>
+        <c:delete val="0"/>
+        <c:axPos val="b"/>
+        <c:numFmt formatCode="General" sourceLinked="1"/>
+        <c:majorTickMark val="none"/>
+        <c:minorTickMark val="none"/>
+        <c:tickLblPos val="nextTo"/>
+        <c:spPr>
+          <a:noFill/>
+          <a:ln w="9525" cap="flat" cmpd="sng" algn="ctr">
+            <a:solidFill>
+              <a:schemeClr val="tx1">
+                <a:lumMod val="15000"/>
+                <a:lumOff val="85000"/>
+              </a:schemeClr>
+            </a:solidFill>
+            <a:round/>
+          </a:ln>
+          <a:effectLst/>
+        </c:spPr>
+        <c:txPr>
+          <a:bodyPr rot="-60000000" spcFirstLastPara="1" vertOverflow="ellipsis" vert="horz" wrap="square" anchor="ctr" anchorCtr="1"/>
+          <a:lstStyle/>
+          <a:p>
+            <a:pPr>
+              <a:defRPr sz="900" b="0" i="0" u="none" strike="noStrike" kern="1200" baseline="0">
+                <a:solidFill>
+                  <a:schemeClr val="tx1">
+                    <a:lumMod val="65000"/>
+                    <a:lumOff val="35000"/>
+                  </a:schemeClr>
+                </a:solidFill>
+                <a:latin typeface="+mn-lt"/>
+                <a:ea typeface="+mn-ea"/>
+                <a:cs typeface="+mn-cs"/>
+              </a:defRPr>
+            </a:pPr>
+            <a:endParaRPr lang="en-US"/>
+          </a:p>
+        </c:txPr>
+        <c:crossAx val="53003327"/>
+        <c:crosses val="autoZero"/>
+        <c:auto val="1"/>
+        <c:lblAlgn val="ctr"/>
+        <c:lblOffset val="100"/>
+        <c:noMultiLvlLbl val="0"/>
+      </c:catAx>
+      <c:valAx>
+        <c:axId val="53003327"/>
+        <c:scaling>
+          <c:orientation val="minMax"/>
+        </c:scaling>
+        <c:delete val="0"/>
+        <c:axPos val="l"/>
+        <c:majorGridlines>
+          <c:spPr>
+            <a:ln w="9525" cap="flat" cmpd="sng" algn="ctr">
+              <a:solidFill>
+                <a:schemeClr val="tx1">
+                  <a:lumMod val="15000"/>
+                  <a:lumOff val="85000"/>
+                </a:schemeClr>
+              </a:solidFill>
+              <a:round/>
+            </a:ln>
+            <a:effectLst/>
+          </c:spPr>
+        </c:majorGridlines>
+        <c:numFmt formatCode="General" sourceLinked="1"/>
+        <c:majorTickMark val="none"/>
+        <c:minorTickMark val="none"/>
+        <c:tickLblPos val="nextTo"/>
+        <c:spPr>
+          <a:noFill/>
+          <a:ln>
+            <a:noFill/>
+          </a:ln>
+          <a:effectLst/>
+        </c:spPr>
+        <c:txPr>
+          <a:bodyPr rot="-60000000" spcFirstLastPara="1" vertOverflow="ellipsis" vert="horz" wrap="square" anchor="ctr" anchorCtr="1"/>
+          <a:lstStyle/>
+          <a:p>
+            <a:pPr>
+              <a:defRPr sz="900" b="0" i="0" u="none" strike="noStrike" kern="1200" baseline="0">
+                <a:solidFill>
+                  <a:schemeClr val="tx1">
+                    <a:lumMod val="65000"/>
+                    <a:lumOff val="35000"/>
+                  </a:schemeClr>
+                </a:solidFill>
+                <a:latin typeface="+mn-lt"/>
+                <a:ea typeface="+mn-ea"/>
+                <a:cs typeface="+mn-cs"/>
+              </a:defRPr>
+            </a:pPr>
+            <a:endParaRPr lang="en-US"/>
+          </a:p>
+        </c:txPr>
+        <c:crossAx val="53002847"/>
+        <c:crosses val="autoZero"/>
+        <c:crossBetween val="between"/>
+      </c:valAx>
+      <c:spPr>
+        <a:noFill/>
+        <a:ln>
+          <a:noFill/>
+        </a:ln>
+        <a:effectLst/>
+      </c:spPr>
+    </c:plotArea>
+    <c:plotVisOnly val="1"/>
+    <c:dispBlanksAs val="gap"/>
+    <c:extLst>
+      <c:ext xmlns:c16r3="http://schemas.microsoft.com/office/drawing/2017/03/chart" uri="{56B9EC1D-385E-4148-901F-78D8002777C0}">
+        <c16r3:dataDisplayOptions16>
+          <c16r3:dispNaAsBlank val="1"/>
+        </c16r3:dataDisplayOptions16>
+      </c:ext>
+    </c:extLst>
+    <c:showDLblsOverMax val="0"/>
+  </c:chart>
+  <c:spPr>
+    <a:noFill/>
+    <a:ln>
+      <a:noFill/>
+    </a:ln>
+    <a:effectLst/>
+  </c:spPr>
+  <c:txPr>
+    <a:bodyPr/>
+    <a:lstStyle/>
+    <a:p>
+      <a:pPr>
+        <a:defRPr/>
+      </a:pPr>
+      <a:endParaRPr lang="en-US"/>
+    </a:p>
+  </c:txPr>
+  <c:externalData r:id="rId3">
+    <c:autoUpdate val="0"/>
+  </c:externalData>
+</c:chartSpace>
+</file>
+
+<file path=ppt/charts/chart2.xml><?xml version="1.0" encoding="utf-8"?>
+<c:chartSpace xmlns:c="http://schemas.openxmlformats.org/drawingml/2006/chart" xmlns:a="http://schemas.openxmlformats.org/drawingml/2006/main" xmlns:r="http://schemas.openxmlformats.org/officeDocument/2006/relationships" xmlns:c16r2="http://schemas.microsoft.com/office/drawing/2015/06/chart">
+  <c:date1904 val="0"/>
+  <c:lang val="en-US"/>
+  <c:roundedCorners val="0"/>
+  <mc:AlternateContent xmlns:mc="http://schemas.openxmlformats.org/markup-compatibility/2006">
+    <mc:Choice xmlns:c14="http://schemas.microsoft.com/office/drawing/2007/8/2/chart" Requires="c14">
+      <c14:style val="102"/>
+    </mc:Choice>
+    <mc:Fallback>
+      <c:style val="2"/>
+    </mc:Fallback>
+  </mc:AlternateContent>
+  <c:chart>
+    <c:title>
+      <c:overlay val="0"/>
+      <c:spPr>
+        <a:noFill/>
+        <a:ln>
+          <a:noFill/>
+        </a:ln>
+        <a:effectLst/>
+      </c:spPr>
+      <c:txPr>
+        <a:bodyPr rot="0" spcFirstLastPara="1" vertOverflow="ellipsis" vert="horz" wrap="square" anchor="ctr" anchorCtr="1"/>
+        <a:lstStyle/>
+        <a:p>
+          <a:pPr>
+            <a:defRPr sz="1400" b="0" i="0" u="none" strike="noStrike" kern="1200" spc="0" baseline="0">
+              <a:solidFill>
+                <a:schemeClr val="tx1">
+                  <a:lumMod val="65000"/>
+                  <a:lumOff val="35000"/>
+                </a:schemeClr>
+              </a:solidFill>
+              <a:latin typeface="+mn-lt"/>
+              <a:ea typeface="+mn-ea"/>
+              <a:cs typeface="+mn-cs"/>
+            </a:defRPr>
+          </a:pPr>
+          <a:endParaRPr lang="en-US"/>
+        </a:p>
+      </c:txPr>
+    </c:title>
+    <c:autoTitleDeleted val="0"/>
+    <c:plotArea>
+      <c:layout/>
+      <c:barChart>
+        <c:barDir val="col"/>
+        <c:grouping val="stacked"/>
+        <c:varyColors val="0"/>
+        <c:ser>
+          <c:idx val="0"/>
+          <c:order val="0"/>
+          <c:tx>
+            <c:strRef>
+              <c:f>'[popular-languages.csv]popular-languages'!$B$1</c:f>
+              <c:strCache>
+                <c:ptCount val="1"/>
+                <c:pt idx="0">
+                  <c:v>Annual Average Salary</c:v>
+                </c:pt>
+              </c:strCache>
+            </c:strRef>
+          </c:tx>
+          <c:spPr>
+            <a:solidFill>
+              <a:schemeClr val="accent1"/>
+            </a:solidFill>
+            <a:ln>
+              <a:noFill/>
+            </a:ln>
+            <a:effectLst/>
+          </c:spPr>
+          <c:invertIfNegative val="0"/>
+          <c:cat>
+            <c:strRef>
+              <c:f>'[popular-languages.csv]popular-languages'!$A$2:$A$11</c:f>
+              <c:strCache>
+                <c:ptCount val="10"/>
+                <c:pt idx="0">
+                  <c:v>Swift</c:v>
+                </c:pt>
+                <c:pt idx="1">
+                  <c:v>Python</c:v>
+                </c:pt>
+                <c:pt idx="2">
+                  <c:v>C++</c:v>
+                </c:pt>
+                <c:pt idx="3">
+                  <c:v>Javascript</c:v>
+                </c:pt>
+                <c:pt idx="4">
+                  <c:v>Java</c:v>
+                </c:pt>
+                <c:pt idx="5">
+                  <c:v>Go</c:v>
+                </c:pt>
+                <c:pt idx="6">
+                  <c:v>R</c:v>
+                </c:pt>
+                <c:pt idx="7">
+                  <c:v>C#</c:v>
+                </c:pt>
+                <c:pt idx="8">
+                  <c:v>SQL</c:v>
+                </c:pt>
+                <c:pt idx="9">
+                  <c:v>PHP</c:v>
+                </c:pt>
+              </c:strCache>
+            </c:strRef>
+          </c:cat>
+          <c:val>
+            <c:numRef>
+              <c:f>'[popular-languages.csv]popular-languages'!$B$2:$B$11</c:f>
+              <c:numCache>
+                <c:formatCode>"$"#,##0_);[Red]\("$"#,##0\)</c:formatCode>
+                <c:ptCount val="10"/>
+                <c:pt idx="0">
+                  <c:v>130801</c:v>
+                </c:pt>
+                <c:pt idx="1">
+                  <c:v>114383</c:v>
+                </c:pt>
+                <c:pt idx="2">
+                  <c:v>113865</c:v>
+                </c:pt>
+                <c:pt idx="3">
+                  <c:v>110981</c:v>
+                </c:pt>
+                <c:pt idx="4">
+                  <c:v>101013</c:v>
+                </c:pt>
+                <c:pt idx="5">
+                  <c:v>94082</c:v>
+                </c:pt>
+                <c:pt idx="6">
+                  <c:v>92037</c:v>
+                </c:pt>
+                <c:pt idx="7">
+                  <c:v>88726</c:v>
+                </c:pt>
+                <c:pt idx="8">
+                  <c:v>84793</c:v>
+                </c:pt>
+                <c:pt idx="9">
+                  <c:v>84727</c:v>
+                </c:pt>
+              </c:numCache>
+            </c:numRef>
+          </c:val>
+          <c:extLst>
+            <c:ext xmlns:c16="http://schemas.microsoft.com/office/drawing/2014/chart" uri="{C3380CC4-5D6E-409C-BE32-E72D297353CC}">
+              <c16:uniqueId val="{00000000-FAEC-45E1-B6F3-6EFA5F7DC835}"/>
+            </c:ext>
+          </c:extLst>
+        </c:ser>
+        <c:dLbls>
+          <c:showLegendKey val="0"/>
+          <c:showVal val="0"/>
+          <c:showCatName val="0"/>
+          <c:showSerName val="0"/>
+          <c:showPercent val="0"/>
+          <c:showBubbleSize val="0"/>
+        </c:dLbls>
+        <c:gapWidth val="150"/>
+        <c:overlap val="100"/>
+        <c:axId val="1505773744"/>
+        <c:axId val="1505148912"/>
+      </c:barChart>
+      <c:catAx>
+        <c:axId val="1505773744"/>
+        <c:scaling>
+          <c:orientation val="minMax"/>
+        </c:scaling>
+        <c:delete val="0"/>
+        <c:axPos val="b"/>
+        <c:numFmt formatCode="General" sourceLinked="1"/>
+        <c:majorTickMark val="none"/>
+        <c:minorTickMark val="none"/>
+        <c:tickLblPos val="nextTo"/>
+        <c:spPr>
+          <a:noFill/>
+          <a:ln w="9525" cap="flat" cmpd="sng" algn="ctr">
+            <a:solidFill>
+              <a:schemeClr val="tx1">
+                <a:lumMod val="15000"/>
+                <a:lumOff val="85000"/>
+              </a:schemeClr>
+            </a:solidFill>
+            <a:round/>
+          </a:ln>
+          <a:effectLst/>
+        </c:spPr>
+        <c:txPr>
+          <a:bodyPr rot="-60000000" spcFirstLastPara="1" vertOverflow="ellipsis" vert="horz" wrap="square" anchor="ctr" anchorCtr="1"/>
+          <a:lstStyle/>
+          <a:p>
+            <a:pPr>
+              <a:defRPr sz="900" b="0" i="0" u="none" strike="noStrike" kern="1200" baseline="0">
+                <a:solidFill>
+                  <a:schemeClr val="tx1">
+                    <a:lumMod val="65000"/>
+                    <a:lumOff val="35000"/>
+                  </a:schemeClr>
+                </a:solidFill>
+                <a:latin typeface="+mn-lt"/>
+                <a:ea typeface="+mn-ea"/>
+                <a:cs typeface="+mn-cs"/>
+              </a:defRPr>
+            </a:pPr>
+            <a:endParaRPr lang="en-US"/>
+          </a:p>
+        </c:txPr>
+        <c:crossAx val="1505148912"/>
+        <c:crosses val="autoZero"/>
+        <c:auto val="1"/>
+        <c:lblAlgn val="ctr"/>
+        <c:lblOffset val="100"/>
+        <c:noMultiLvlLbl val="0"/>
+      </c:catAx>
+      <c:valAx>
+        <c:axId val="1505148912"/>
+        <c:scaling>
+          <c:orientation val="minMax"/>
+        </c:scaling>
+        <c:delete val="0"/>
+        <c:axPos val="l"/>
+        <c:majorGridlines>
+          <c:spPr>
+            <a:ln w="9525" cap="flat" cmpd="sng" algn="ctr">
+              <a:solidFill>
+                <a:schemeClr val="tx1">
+                  <a:lumMod val="15000"/>
+                  <a:lumOff val="85000"/>
+                </a:schemeClr>
+              </a:solidFill>
+              <a:round/>
+            </a:ln>
+            <a:effectLst/>
+          </c:spPr>
+        </c:majorGridlines>
+        <c:numFmt formatCode="&quot;$&quot;#,##0_);[Red]\(&quot;$&quot;#,##0\)" sourceLinked="1"/>
+        <c:majorTickMark val="none"/>
+        <c:minorTickMark val="none"/>
+        <c:tickLblPos val="nextTo"/>
+        <c:spPr>
+          <a:noFill/>
+          <a:ln>
+            <a:noFill/>
+          </a:ln>
+          <a:effectLst/>
+        </c:spPr>
+        <c:txPr>
+          <a:bodyPr rot="-60000000" spcFirstLastPara="1" vertOverflow="ellipsis" vert="horz" wrap="square" anchor="ctr" anchorCtr="1"/>
+          <a:lstStyle/>
+          <a:p>
+            <a:pPr>
+              <a:defRPr sz="900" b="0" i="0" u="none" strike="noStrike" kern="1200" baseline="0">
+                <a:solidFill>
+                  <a:schemeClr val="tx1">
+                    <a:lumMod val="65000"/>
+                    <a:lumOff val="35000"/>
+                  </a:schemeClr>
+                </a:solidFill>
+                <a:latin typeface="+mn-lt"/>
+                <a:ea typeface="+mn-ea"/>
+                <a:cs typeface="+mn-cs"/>
+              </a:defRPr>
+            </a:pPr>
+            <a:endParaRPr lang="en-US"/>
+          </a:p>
+        </c:txPr>
+        <c:crossAx val="1505773744"/>
+        <c:crosses val="autoZero"/>
+        <c:crossBetween val="between"/>
+      </c:valAx>
+      <c:spPr>
+        <a:noFill/>
+        <a:ln>
+          <a:noFill/>
+        </a:ln>
+        <a:effectLst/>
+      </c:spPr>
+    </c:plotArea>
+    <c:plotVisOnly val="1"/>
+    <c:dispBlanksAs val="gap"/>
+    <c:extLst>
+      <c:ext xmlns:c16r3="http://schemas.microsoft.com/office/drawing/2017/03/chart" uri="{56B9EC1D-385E-4148-901F-78D8002777C0}">
+        <c16r3:dataDisplayOptions16>
+          <c16r3:dispNaAsBlank val="1"/>
+        </c16r3:dataDisplayOptions16>
+      </c:ext>
+    </c:extLst>
+    <c:showDLblsOverMax val="0"/>
+  </c:chart>
+  <c:spPr>
+    <a:noFill/>
+    <a:ln>
+      <a:noFill/>
+    </a:ln>
+    <a:effectLst/>
+  </c:spPr>
+  <c:txPr>
+    <a:bodyPr/>
+    <a:lstStyle/>
+    <a:p>
+      <a:pPr>
+        <a:defRPr/>
+      </a:pPr>
+      <a:endParaRPr lang="en-US"/>
+    </a:p>
+  </c:txPr>
+  <c:externalData r:id="rId3">
+    <c:autoUpdate val="0"/>
+  </c:externalData>
+</c:chartSpace>
+</file>
+
+<file path=ppt/charts/colors1.xml><?xml version="1.0" encoding="utf-8"?>
+<cs:colorStyle xmlns:cs="http://schemas.microsoft.com/office/drawing/2012/chartStyle" xmlns:a="http://schemas.openxmlformats.org/drawingml/2006/main" meth="cycle" id="10">
+  <a:schemeClr val="accent1"/>
+  <a:schemeClr val="accent2"/>
+  <a:schemeClr val="accent3"/>
+  <a:schemeClr val="accent4"/>
+  <a:schemeClr val="accent5"/>
+  <a:schemeClr val="accent6"/>
+  <cs:variation/>
+  <cs:variation>
+    <a:lumMod val="60000"/>
+  </cs:variation>
+  <cs:variation>
+    <a:lumMod val="80000"/>
+    <a:lumOff val="20000"/>
+  </cs:variation>
+  <cs:variation>
+    <a:lumMod val="80000"/>
+  </cs:variation>
+  <cs:variation>
+    <a:lumMod val="60000"/>
+    <a:lumOff val="40000"/>
+  </cs:variation>
+  <cs:variation>
+    <a:lumMod val="50000"/>
+  </cs:variation>
+  <cs:variation>
+    <a:lumMod val="70000"/>
+    <a:lumOff val="30000"/>
+  </cs:variation>
+  <cs:variation>
+    <a:lumMod val="70000"/>
+  </cs:variation>
+  <cs:variation>
+    <a:lumMod val="50000"/>
+    <a:lumOff val="50000"/>
+  </cs:variation>
+</cs:colorStyle>
+</file>
+
+<file path=ppt/charts/colors2.xml><?xml version="1.0" encoding="utf-8"?>
+<cs:colorStyle xmlns:cs="http://schemas.microsoft.com/office/drawing/2012/chartStyle" xmlns:a="http://schemas.openxmlformats.org/drawingml/2006/main" meth="cycle" id="10">
+  <a:schemeClr val="accent1"/>
+  <a:schemeClr val="accent2"/>
+  <a:schemeClr val="accent3"/>
+  <a:schemeClr val="accent4"/>
+  <a:schemeClr val="accent5"/>
+  <a:schemeClr val="accent6"/>
+  <cs:variation/>
+  <cs:variation>
+    <a:lumMod val="60000"/>
+  </cs:variation>
+  <cs:variation>
+    <a:lumMod val="80000"/>
+    <a:lumOff val="20000"/>
+  </cs:variation>
+  <cs:variation>
+    <a:lumMod val="80000"/>
+  </cs:variation>
+  <cs:variation>
+    <a:lumMod val="60000"/>
+    <a:lumOff val="40000"/>
+  </cs:variation>
+  <cs:variation>
+    <a:lumMod val="50000"/>
+  </cs:variation>
+  <cs:variation>
+    <a:lumMod val="70000"/>
+    <a:lumOff val="30000"/>
+  </cs:variation>
+  <cs:variation>
+    <a:lumMod val="70000"/>
+  </cs:variation>
+  <cs:variation>
+    <a:lumMod val="50000"/>
+    <a:lumOff val="50000"/>
+  </cs:variation>
+</cs:colorStyle>
+</file>
+
+<file path=ppt/charts/style1.xml><?xml version="1.0" encoding="utf-8"?>
+<cs:chartStyle xmlns:cs="http://schemas.microsoft.com/office/drawing/2012/chartStyle" xmlns:a="http://schemas.openxmlformats.org/drawingml/2006/main" id="297">
+  <cs:axisTitle>
+    <cs:lnRef idx="0"/>
+    <cs:fillRef idx="0"/>
+    <cs:effectRef idx="0"/>
+    <cs:fontRef idx="minor">
+      <a:schemeClr val="tx1">
+        <a:lumMod val="65000"/>
+        <a:lumOff val="35000"/>
+      </a:schemeClr>
+    </cs:fontRef>
+    <cs:defRPr sz="1000" kern="1200"/>
+  </cs:axisTitle>
+  <cs:categoryAxis>
+    <cs:lnRef idx="0"/>
+    <cs:fillRef idx="0"/>
+    <cs:effectRef idx="0"/>
+    <cs:fontRef idx="minor">
+      <a:schemeClr val="tx1">
+        <a:lumMod val="65000"/>
+        <a:lumOff val="35000"/>
+      </a:schemeClr>
+    </cs:fontRef>
+    <cs:spPr>
+      <a:ln w="9525" cap="flat" cmpd="sng" algn="ctr">
+        <a:solidFill>
+          <a:schemeClr val="tx1">
+            <a:lumMod val="15000"/>
+            <a:lumOff val="85000"/>
+          </a:schemeClr>
+        </a:solidFill>
+        <a:round/>
+      </a:ln>
+    </cs:spPr>
+    <cs:defRPr sz="900" kern="1200"/>
+  </cs:categoryAxis>
+  <cs:chartArea mods="allowNoFillOverride allowNoLineOverride">
+    <cs:lnRef idx="0"/>
+    <cs:fillRef idx="0"/>
+    <cs:effectRef idx="0"/>
+    <cs:fontRef idx="minor">
+      <a:schemeClr val="tx1"/>
+    </cs:fontRef>
+    <cs:spPr>
+      <a:solidFill>
+        <a:schemeClr val="bg1"/>
+      </a:solidFill>
+      <a:ln w="9525" cap="flat" cmpd="sng" algn="ctr">
+        <a:solidFill>
+          <a:schemeClr val="tx1">
+            <a:lumMod val="15000"/>
+            <a:lumOff val="85000"/>
+          </a:schemeClr>
+        </a:solidFill>
+        <a:round/>
+      </a:ln>
+    </cs:spPr>
+    <cs:defRPr sz="1000" kern="1200"/>
+  </cs:chartArea>
+  <cs:dataLabel>
+    <cs:lnRef idx="0"/>
+    <cs:fillRef idx="0"/>
+    <cs:effectRef idx="0"/>
+    <cs:fontRef idx="minor">
+      <a:schemeClr val="tx1">
+        <a:lumMod val="75000"/>
+        <a:lumOff val="25000"/>
+      </a:schemeClr>
+    </cs:fontRef>
+    <cs:defRPr sz="900" kern="1200"/>
+  </cs:dataLabel>
+  <cs:dataLabelCallout>
+    <cs:lnRef idx="0"/>
+    <cs:fillRef idx="0"/>
+    <cs:effectRef idx="0"/>
+    <cs:fontRef idx="minor">
+      <a:schemeClr val="dk1">
+        <a:lumMod val="65000"/>
+        <a:lumOff val="35000"/>
+      </a:schemeClr>
+    </cs:fontRef>
+    <cs:spPr>
+      <a:solidFill>
+        <a:schemeClr val="lt1"/>
+      </a:solidFill>
+      <a:ln>
+        <a:solidFill>
+          <a:schemeClr val="dk1">
+            <a:lumMod val="25000"/>
+            <a:lumOff val="75000"/>
+          </a:schemeClr>
+        </a:solidFill>
+      </a:ln>
+    </cs:spPr>
+    <cs:defRPr sz="900" kern="1200"/>
+    <cs:bodyPr rot="0" spcFirstLastPara="1" vertOverflow="clip" horzOverflow="clip" vert="horz" wrap="square" lIns="36576" tIns="18288" rIns="36576" bIns="18288" anchor="ctr" anchorCtr="1">
+      <a:spAutoFit/>
+    </cs:bodyPr>
+  </cs:dataLabelCallout>
+  <cs:dataPoint>
+    <cs:lnRef idx="0"/>
+    <cs:fillRef idx="1">
+      <cs:styleClr val="auto"/>
+    </cs:fillRef>
+    <cs:effectRef idx="0"/>
+    <cs:fontRef idx="minor">
+      <a:schemeClr val="tx1"/>
+    </cs:fontRef>
+  </cs:dataPoint>
+  <cs:dataPoint3D>
+    <cs:lnRef idx="0"/>
+    <cs:fillRef idx="1">
+      <cs:styleClr val="auto"/>
+    </cs:fillRef>
+    <cs:effectRef idx="0"/>
+    <cs:fontRef idx="minor">
+      <a:schemeClr val="tx1"/>
+    </cs:fontRef>
+  </cs:dataPoint3D>
+  <cs:dataPointLine>
+    <cs:lnRef idx="0">
+      <cs:styleClr val="auto"/>
+    </cs:lnRef>
+    <cs:fillRef idx="1"/>
+    <cs:effectRef idx="0"/>
+    <cs:fontRef idx="minor">
+      <a:schemeClr val="tx1"/>
+    </cs:fontRef>
+    <cs:spPr>
+      <a:ln w="28575" cap="rnd">
+        <a:solidFill>
+          <a:schemeClr val="phClr"/>
+        </a:solidFill>
+        <a:round/>
+      </a:ln>
+    </cs:spPr>
+  </cs:dataPointLine>
+  <cs:dataPointMarker>
+    <cs:lnRef idx="0">
+      <cs:styleClr val="auto"/>
+    </cs:lnRef>
+    <cs:fillRef idx="1">
+      <cs:styleClr val="auto"/>
+    </cs:fillRef>
+    <cs:effectRef idx="0"/>
+    <cs:fontRef idx="minor">
+      <a:schemeClr val="tx1"/>
+    </cs:fontRef>
+    <cs:spPr>
+      <a:ln w="9525">
+        <a:solidFill>
+          <a:schemeClr val="phClr"/>
+        </a:solidFill>
+      </a:ln>
+    </cs:spPr>
+  </cs:dataPointMarker>
+  <cs:dataPointMarkerLayout symbol="circle" size="5"/>
+  <cs:dataPointWireframe>
+    <cs:lnRef idx="0">
+      <cs:styleClr val="auto"/>
+    </cs:lnRef>
+    <cs:fillRef idx="1"/>
+    <cs:effectRef idx="0"/>
+    <cs:fontRef idx="minor">
+      <a:schemeClr val="tx1"/>
+    </cs:fontRef>
+    <cs:spPr>
+      <a:ln w="9525" cap="rnd">
+        <a:solidFill>
+          <a:schemeClr val="phClr"/>
+        </a:solidFill>
+        <a:round/>
+      </a:ln>
+    </cs:spPr>
+  </cs:dataPointWireframe>
+  <cs:dataTable>
+    <cs:lnRef idx="0"/>
+    <cs:fillRef idx="0"/>
+    <cs:effectRef idx="0"/>
+    <cs:fontRef idx="minor">
+      <a:schemeClr val="tx1">
+        <a:lumMod val="65000"/>
+        <a:lumOff val="35000"/>
+      </a:schemeClr>
+    </cs:fontRef>
+    <cs:spPr>
+      <a:noFill/>
+      <a:ln w="9525" cap="flat" cmpd="sng" algn="ctr">
+        <a:solidFill>
+          <a:schemeClr val="tx1">
+            <a:lumMod val="15000"/>
+            <a:lumOff val="85000"/>
+          </a:schemeClr>
+        </a:solidFill>
+        <a:round/>
+      </a:ln>
+    </cs:spPr>
+    <cs:defRPr sz="900" kern="1200"/>
+  </cs:dataTable>
+  <cs:downBar>
+    <cs:lnRef idx="0"/>
+    <cs:fillRef idx="0"/>
+    <cs:effectRef idx="0"/>
+    <cs:fontRef idx="minor">
+      <a:schemeClr val="tx1"/>
+    </cs:fontRef>
+    <cs:spPr>
+      <a:solidFill>
+        <a:schemeClr val="dk1">
+          <a:lumMod val="75000"/>
+          <a:lumOff val="25000"/>
+        </a:schemeClr>
+      </a:solidFill>
+      <a:ln w="9525" cap="flat" cmpd="sng" algn="ctr">
+        <a:solidFill>
+          <a:schemeClr val="tx1">
+            <a:lumMod val="65000"/>
+            <a:lumOff val="35000"/>
+          </a:schemeClr>
+        </a:solidFill>
+        <a:round/>
+      </a:ln>
+    </cs:spPr>
+  </cs:downBar>
+  <cs:dropLine>
+    <cs:lnRef idx="0"/>
+    <cs:fillRef idx="0"/>
+    <cs:effectRef idx="0"/>
+    <cs:fontRef idx="minor">
+      <a:schemeClr val="tx1"/>
+    </cs:fontRef>
+    <cs:spPr>
+      <a:ln w="9525" cap="flat" cmpd="sng" algn="ctr">
+        <a:solidFill>
+          <a:schemeClr val="tx1">
+            <a:lumMod val="35000"/>
+            <a:lumOff val="65000"/>
+          </a:schemeClr>
+        </a:solidFill>
+        <a:round/>
+      </a:ln>
+    </cs:spPr>
+  </cs:dropLine>
+  <cs:errorBar>
+    <cs:lnRef idx="0"/>
+    <cs:fillRef idx="0"/>
+    <cs:effectRef idx="0"/>
+    <cs:fontRef idx="minor">
+      <a:schemeClr val="tx1"/>
+    </cs:fontRef>
+    <cs:spPr>
+      <a:ln w="9525" cap="flat" cmpd="sng" algn="ctr">
+        <a:solidFill>
+          <a:schemeClr val="tx1">
+            <a:lumMod val="65000"/>
+            <a:lumOff val="35000"/>
+          </a:schemeClr>
+        </a:solidFill>
+        <a:round/>
+      </a:ln>
+    </cs:spPr>
+  </cs:errorBar>
+  <cs:floor>
+    <cs:lnRef idx="0"/>
+    <cs:fillRef idx="0"/>
+    <cs:effectRef idx="0"/>
+    <cs:fontRef idx="minor">
+      <a:schemeClr val="tx1"/>
+    </cs:fontRef>
+    <cs:spPr>
+      <a:noFill/>
+      <a:ln>
+        <a:noFill/>
+      </a:ln>
+    </cs:spPr>
+  </cs:floor>
+  <cs:gridlineMajor>
+    <cs:lnRef idx="0"/>
+    <cs:fillRef idx="0"/>
+    <cs:effectRef idx="0"/>
+    <cs:fontRef idx="minor">
+      <a:schemeClr val="tx1"/>
+    </cs:fontRef>
+    <cs:spPr>
+      <a:ln w="9525" cap="flat" cmpd="sng" algn="ctr">
+        <a:solidFill>
+          <a:schemeClr val="tx1">
+            <a:lumMod val="15000"/>
+            <a:lumOff val="85000"/>
+          </a:schemeClr>
+        </a:solidFill>
+        <a:round/>
+      </a:ln>
+    </cs:spPr>
+  </cs:gridlineMajor>
+  <cs:gridlineMinor>
+    <cs:lnRef idx="0"/>
+    <cs:fillRef idx="0"/>
+    <cs:effectRef idx="0"/>
+    <cs:fontRef idx="minor">
+      <a:schemeClr val="tx1"/>
+    </cs:fontRef>
+    <cs:spPr>
+      <a:ln w="9525" cap="flat" cmpd="sng" algn="ctr">
+        <a:solidFill>
+          <a:schemeClr val="tx1">
+            <a:lumMod val="5000"/>
+            <a:lumOff val="95000"/>
+          </a:schemeClr>
+        </a:solidFill>
+        <a:round/>
+      </a:ln>
+    </cs:spPr>
+  </cs:gridlineMinor>
+  <cs:hiLoLine>
+    <cs:lnRef idx="0"/>
+    <cs:fillRef idx="0"/>
+    <cs:effectRef idx="0"/>
+    <cs:fontRef idx="minor">
+      <a:schemeClr val="tx1"/>
+    </cs:fontRef>
+    <cs:spPr>
+      <a:ln w="9525" cap="flat" cmpd="sng" algn="ctr">
+        <a:solidFill>
+          <a:schemeClr val="tx1">
+            <a:lumMod val="50000"/>
+            <a:lumOff val="50000"/>
+          </a:schemeClr>
+        </a:solidFill>
+        <a:round/>
+      </a:ln>
+    </cs:spPr>
+  </cs:hiLoLine>
+  <cs:leaderLine>
+    <cs:lnRef idx="0"/>
+    <cs:fillRef idx="0"/>
+    <cs:effectRef idx="0"/>
+    <cs:fontRef idx="minor">
+      <a:schemeClr val="tx1"/>
+    </cs:fontRef>
+    <cs:spPr>
+      <a:ln w="9525" cap="flat" cmpd="sng" algn="ctr">
+        <a:solidFill>
+          <a:schemeClr val="tx1">
+            <a:lumMod val="35000"/>
+            <a:lumOff val="65000"/>
+          </a:schemeClr>
+        </a:solidFill>
+        <a:round/>
+      </a:ln>
+    </cs:spPr>
+  </cs:leaderLine>
+  <cs:legend>
+    <cs:lnRef idx="0"/>
+    <cs:fillRef idx="0"/>
+    <cs:effectRef idx="0"/>
+    <cs:fontRef idx="minor">
+      <a:schemeClr val="tx1">
+        <a:lumMod val="65000"/>
+        <a:lumOff val="35000"/>
+      </a:schemeClr>
+    </cs:fontRef>
+    <cs:defRPr sz="900" kern="1200"/>
+  </cs:legend>
+  <cs:plotArea mods="allowNoFillOverride allowNoLineOverride">
+    <cs:lnRef idx="0"/>
+    <cs:fillRef idx="0"/>
+    <cs:effectRef idx="0"/>
+    <cs:fontRef idx="minor">
+      <a:schemeClr val="tx1"/>
+    </cs:fontRef>
+  </cs:plotArea>
+  <cs:plotArea3D mods="allowNoFillOverride allowNoLineOverride">
+    <cs:lnRef idx="0"/>
+    <cs:fillRef idx="0"/>
+    <cs:effectRef idx="0"/>
+    <cs:fontRef idx="minor">
+      <a:schemeClr val="tx1"/>
+    </cs:fontRef>
+  </cs:plotArea3D>
+  <cs:seriesAxis>
+    <cs:lnRef idx="0"/>
+    <cs:fillRef idx="0"/>
+    <cs:effectRef idx="0"/>
+    <cs:fontRef idx="minor">
+      <a:schemeClr val="tx1">
+        <a:lumMod val="65000"/>
+        <a:lumOff val="35000"/>
+      </a:schemeClr>
+    </cs:fontRef>
+    <cs:defRPr sz="900" kern="1200"/>
+  </cs:seriesAxis>
+  <cs:seriesLine>
+    <cs:lnRef idx="0"/>
+    <cs:fillRef idx="0"/>
+    <cs:effectRef idx="0"/>
+    <cs:fontRef idx="minor">
+      <a:schemeClr val="tx1"/>
+    </cs:fontRef>
+    <cs:spPr>
+      <a:ln w="9525" cap="flat" cmpd="sng" algn="ctr">
+        <a:solidFill>
+          <a:schemeClr val="tx1">
+            <a:lumMod val="35000"/>
+            <a:lumOff val="65000"/>
+          </a:schemeClr>
+        </a:solidFill>
+        <a:round/>
+      </a:ln>
+    </cs:spPr>
+  </cs:seriesLine>
+  <cs:title>
+    <cs:lnRef idx="0"/>
+    <cs:fillRef idx="0"/>
+    <cs:effectRef idx="0"/>
+    <cs:fontRef idx="minor">
+      <a:schemeClr val="tx1">
+        <a:lumMod val="65000"/>
+        <a:lumOff val="35000"/>
+      </a:schemeClr>
+    </cs:fontRef>
+    <cs:defRPr sz="1400" b="0" kern="1200" spc="0" baseline="0"/>
+  </cs:title>
+  <cs:trendline>
+    <cs:lnRef idx="0">
+      <cs:styleClr val="auto"/>
+    </cs:lnRef>
+    <cs:fillRef idx="0"/>
+    <cs:effectRef idx="0"/>
+    <cs:fontRef idx="minor">
+      <a:schemeClr val="tx1"/>
+    </cs:fontRef>
+    <cs:spPr>
+      <a:ln w="19050" cap="rnd">
+        <a:solidFill>
+          <a:schemeClr val="phClr"/>
+        </a:solidFill>
+        <a:prstDash val="sysDot"/>
+      </a:ln>
+    </cs:spPr>
+  </cs:trendline>
+  <cs:trendlineLabel>
+    <cs:lnRef idx="0"/>
+    <cs:fillRef idx="0"/>
+    <cs:effectRef idx="0"/>
+    <cs:fontRef idx="minor">
+      <a:schemeClr val="tx1">
+        <a:lumMod val="65000"/>
+        <a:lumOff val="35000"/>
+      </a:schemeClr>
+    </cs:fontRef>
+    <cs:defRPr sz="900" kern="1200"/>
+  </cs:trendlineLabel>
+  <cs:upBar>
+    <cs:lnRef idx="0"/>
+    <cs:fillRef idx="0"/>
+    <cs:effectRef idx="0"/>
+    <cs:fontRef idx="minor">
+      <a:schemeClr val="tx1"/>
+    </cs:fontRef>
+    <cs:spPr>
+      <a:solidFill>
+        <a:schemeClr val="lt1"/>
+      </a:solidFill>
+      <a:ln w="9525" cap="flat" cmpd="sng" algn="ctr">
+        <a:solidFill>
+          <a:schemeClr val="tx1">
+            <a:lumMod val="65000"/>
+            <a:lumOff val="35000"/>
+          </a:schemeClr>
+        </a:solidFill>
+        <a:round/>
+      </a:ln>
+    </cs:spPr>
+  </cs:upBar>
+  <cs:valueAxis>
+    <cs:lnRef idx="0"/>
+    <cs:fillRef idx="0"/>
+    <cs:effectRef idx="0"/>
+    <cs:fontRef idx="minor">
+      <a:schemeClr val="tx1">
+        <a:lumMod val="65000"/>
+        <a:lumOff val="35000"/>
+      </a:schemeClr>
+    </cs:fontRef>
+    <cs:defRPr sz="900" kern="1200"/>
+  </cs:valueAxis>
+  <cs:wall>
+    <cs:lnRef idx="0"/>
+    <cs:fillRef idx="0"/>
+    <cs:effectRef idx="0"/>
+    <cs:fontRef idx="minor">
+      <a:schemeClr val="tx1"/>
+    </cs:fontRef>
+    <cs:spPr>
+      <a:noFill/>
+      <a:ln>
+        <a:noFill/>
+      </a:ln>
+    </cs:spPr>
+  </cs:wall>
+</cs:chartStyle>
+</file>
+
+<file path=ppt/charts/style2.xml><?xml version="1.0" encoding="utf-8"?>
+<cs:chartStyle xmlns:cs="http://schemas.microsoft.com/office/drawing/2012/chartStyle" xmlns:a="http://schemas.openxmlformats.org/drawingml/2006/main" id="297">
+  <cs:axisTitle>
+    <cs:lnRef idx="0"/>
+    <cs:fillRef idx="0"/>
+    <cs:effectRef idx="0"/>
+    <cs:fontRef idx="minor">
+      <a:schemeClr val="tx1">
+        <a:lumMod val="65000"/>
+        <a:lumOff val="35000"/>
+      </a:schemeClr>
+    </cs:fontRef>
+    <cs:defRPr sz="1000" kern="1200"/>
+  </cs:axisTitle>
+  <cs:categoryAxis>
+    <cs:lnRef idx="0"/>
+    <cs:fillRef idx="0"/>
+    <cs:effectRef idx="0"/>
+    <cs:fontRef idx="minor">
+      <a:schemeClr val="tx1">
+        <a:lumMod val="65000"/>
+        <a:lumOff val="35000"/>
+      </a:schemeClr>
+    </cs:fontRef>
+    <cs:spPr>
+      <a:ln w="9525" cap="flat" cmpd="sng" algn="ctr">
+        <a:solidFill>
+          <a:schemeClr val="tx1">
+            <a:lumMod val="15000"/>
+            <a:lumOff val="85000"/>
+          </a:schemeClr>
+        </a:solidFill>
+        <a:round/>
+      </a:ln>
+    </cs:spPr>
+    <cs:defRPr sz="900" kern="1200"/>
+  </cs:categoryAxis>
+  <cs:chartArea mods="allowNoFillOverride allowNoLineOverride">
+    <cs:lnRef idx="0"/>
+    <cs:fillRef idx="0"/>
+    <cs:effectRef idx="0"/>
+    <cs:fontRef idx="minor">
+      <a:schemeClr val="tx1"/>
+    </cs:fontRef>
+    <cs:spPr>
+      <a:solidFill>
+        <a:schemeClr val="bg1"/>
+      </a:solidFill>
+      <a:ln w="9525" cap="flat" cmpd="sng" algn="ctr">
+        <a:solidFill>
+          <a:schemeClr val="tx1">
+            <a:lumMod val="15000"/>
+            <a:lumOff val="85000"/>
+          </a:schemeClr>
+        </a:solidFill>
+        <a:round/>
+      </a:ln>
+    </cs:spPr>
+    <cs:defRPr sz="1000" kern="1200"/>
+  </cs:chartArea>
+  <cs:dataLabel>
+    <cs:lnRef idx="0"/>
+    <cs:fillRef idx="0"/>
+    <cs:effectRef idx="0"/>
+    <cs:fontRef idx="minor">
+      <a:schemeClr val="tx1">
+        <a:lumMod val="75000"/>
+        <a:lumOff val="25000"/>
+      </a:schemeClr>
+    </cs:fontRef>
+    <cs:defRPr sz="900" kern="1200"/>
+  </cs:dataLabel>
+  <cs:dataLabelCallout>
+    <cs:lnRef idx="0"/>
+    <cs:fillRef idx="0"/>
+    <cs:effectRef idx="0"/>
+    <cs:fontRef idx="minor">
+      <a:schemeClr val="dk1">
+        <a:lumMod val="65000"/>
+        <a:lumOff val="35000"/>
+      </a:schemeClr>
+    </cs:fontRef>
+    <cs:spPr>
+      <a:solidFill>
+        <a:schemeClr val="lt1"/>
+      </a:solidFill>
+      <a:ln>
+        <a:solidFill>
+          <a:schemeClr val="dk1">
+            <a:lumMod val="25000"/>
+            <a:lumOff val="75000"/>
+          </a:schemeClr>
+        </a:solidFill>
+      </a:ln>
+    </cs:spPr>
+    <cs:defRPr sz="900" kern="1200"/>
+    <cs:bodyPr rot="0" spcFirstLastPara="1" vertOverflow="clip" horzOverflow="clip" vert="horz" wrap="square" lIns="36576" tIns="18288" rIns="36576" bIns="18288" anchor="ctr" anchorCtr="1">
+      <a:spAutoFit/>
+    </cs:bodyPr>
+  </cs:dataLabelCallout>
+  <cs:dataPoint>
+    <cs:lnRef idx="0"/>
+    <cs:fillRef idx="1">
+      <cs:styleClr val="auto"/>
+    </cs:fillRef>
+    <cs:effectRef idx="0"/>
+    <cs:fontRef idx="minor">
+      <a:schemeClr val="tx1"/>
+    </cs:fontRef>
+  </cs:dataPoint>
+  <cs:dataPoint3D>
+    <cs:lnRef idx="0"/>
+    <cs:fillRef idx="1">
+      <cs:styleClr val="auto"/>
+    </cs:fillRef>
+    <cs:effectRef idx="0"/>
+    <cs:fontRef idx="minor">
+      <a:schemeClr val="tx1"/>
+    </cs:fontRef>
+  </cs:dataPoint3D>
+  <cs:dataPointLine>
+    <cs:lnRef idx="0">
+      <cs:styleClr val="auto"/>
+    </cs:lnRef>
+    <cs:fillRef idx="1"/>
+    <cs:effectRef idx="0"/>
+    <cs:fontRef idx="minor">
+      <a:schemeClr val="tx1"/>
+    </cs:fontRef>
+    <cs:spPr>
+      <a:ln w="28575" cap="rnd">
+        <a:solidFill>
+          <a:schemeClr val="phClr"/>
+        </a:solidFill>
+        <a:round/>
+      </a:ln>
+    </cs:spPr>
+  </cs:dataPointLine>
+  <cs:dataPointMarker>
+    <cs:lnRef idx="0">
+      <cs:styleClr val="auto"/>
+    </cs:lnRef>
+    <cs:fillRef idx="1">
+      <cs:styleClr val="auto"/>
+    </cs:fillRef>
+    <cs:effectRef idx="0"/>
+    <cs:fontRef idx="minor">
+      <a:schemeClr val="tx1"/>
+    </cs:fontRef>
+    <cs:spPr>
+      <a:ln w="9525">
+        <a:solidFill>
+          <a:schemeClr val="phClr"/>
+        </a:solidFill>
+      </a:ln>
+    </cs:spPr>
+  </cs:dataPointMarker>
+  <cs:dataPointMarkerLayout symbol="circle" size="5"/>
+  <cs:dataPointWireframe>
+    <cs:lnRef idx="0">
+      <cs:styleClr val="auto"/>
+    </cs:lnRef>
+    <cs:fillRef idx="1"/>
+    <cs:effectRef idx="0"/>
+    <cs:fontRef idx="minor">
+      <a:schemeClr val="tx1"/>
+    </cs:fontRef>
+    <cs:spPr>
+      <a:ln w="9525" cap="rnd">
+        <a:solidFill>
+          <a:schemeClr val="phClr"/>
+        </a:solidFill>
+        <a:round/>
+      </a:ln>
+    </cs:spPr>
+  </cs:dataPointWireframe>
+  <cs:dataTable>
+    <cs:lnRef idx="0"/>
+    <cs:fillRef idx="0"/>
+    <cs:effectRef idx="0"/>
+    <cs:fontRef idx="minor">
+      <a:schemeClr val="tx1">
+        <a:lumMod val="65000"/>
+        <a:lumOff val="35000"/>
+      </a:schemeClr>
+    </cs:fontRef>
+    <cs:spPr>
+      <a:noFill/>
+      <a:ln w="9525" cap="flat" cmpd="sng" algn="ctr">
+        <a:solidFill>
+          <a:schemeClr val="tx1">
+            <a:lumMod val="15000"/>
+            <a:lumOff val="85000"/>
+          </a:schemeClr>
+        </a:solidFill>
+        <a:round/>
+      </a:ln>
+    </cs:spPr>
+    <cs:defRPr sz="900" kern="1200"/>
+  </cs:dataTable>
+  <cs:downBar>
+    <cs:lnRef idx="0"/>
+    <cs:fillRef idx="0"/>
+    <cs:effectRef idx="0"/>
+    <cs:fontRef idx="minor">
+      <a:schemeClr val="tx1"/>
+    </cs:fontRef>
+    <cs:spPr>
+      <a:solidFill>
+        <a:schemeClr val="dk1">
+          <a:lumMod val="75000"/>
+          <a:lumOff val="25000"/>
+        </a:schemeClr>
+      </a:solidFill>
+      <a:ln w="9525" cap="flat" cmpd="sng" algn="ctr">
+        <a:solidFill>
+          <a:schemeClr val="tx1">
+            <a:lumMod val="65000"/>
+            <a:lumOff val="35000"/>
+          </a:schemeClr>
+        </a:solidFill>
+        <a:round/>
+      </a:ln>
+    </cs:spPr>
+  </cs:downBar>
+  <cs:dropLine>
+    <cs:lnRef idx="0"/>
+    <cs:fillRef idx="0"/>
+    <cs:effectRef idx="0"/>
+    <cs:fontRef idx="minor">
+      <a:schemeClr val="tx1"/>
+    </cs:fontRef>
+    <cs:spPr>
+      <a:ln w="9525" cap="flat" cmpd="sng" algn="ctr">
+        <a:solidFill>
+          <a:schemeClr val="tx1">
+            <a:lumMod val="35000"/>
+            <a:lumOff val="65000"/>
+          </a:schemeClr>
+        </a:solidFill>
+        <a:round/>
+      </a:ln>
+    </cs:spPr>
+  </cs:dropLine>
+  <cs:errorBar>
+    <cs:lnRef idx="0"/>
+    <cs:fillRef idx="0"/>
+    <cs:effectRef idx="0"/>
+    <cs:fontRef idx="minor">
+      <a:schemeClr val="tx1"/>
+    </cs:fontRef>
+    <cs:spPr>
+      <a:ln w="9525" cap="flat" cmpd="sng" algn="ctr">
+        <a:solidFill>
+          <a:schemeClr val="tx1">
+            <a:lumMod val="65000"/>
+            <a:lumOff val="35000"/>
+          </a:schemeClr>
+        </a:solidFill>
+        <a:round/>
+      </a:ln>
+    </cs:spPr>
+  </cs:errorBar>
+  <cs:floor>
+    <cs:lnRef idx="0"/>
+    <cs:fillRef idx="0"/>
+    <cs:effectRef idx="0"/>
+    <cs:fontRef idx="minor">
+      <a:schemeClr val="tx1"/>
+    </cs:fontRef>
+    <cs:spPr>
+      <a:noFill/>
+      <a:ln>
+        <a:noFill/>
+      </a:ln>
+    </cs:spPr>
+  </cs:floor>
+  <cs:gridlineMajor>
+    <cs:lnRef idx="0"/>
+    <cs:fillRef idx="0"/>
+    <cs:effectRef idx="0"/>
+    <cs:fontRef idx="minor">
+      <a:schemeClr val="tx1"/>
+    </cs:fontRef>
+    <cs:spPr>
+      <a:ln w="9525" cap="flat" cmpd="sng" algn="ctr">
+        <a:solidFill>
+          <a:schemeClr val="tx1">
+            <a:lumMod val="15000"/>
+            <a:lumOff val="85000"/>
+          </a:schemeClr>
+        </a:solidFill>
+        <a:round/>
+      </a:ln>
+    </cs:spPr>
+  </cs:gridlineMajor>
+  <cs:gridlineMinor>
+    <cs:lnRef idx="0"/>
+    <cs:fillRef idx="0"/>
+    <cs:effectRef idx="0"/>
+    <cs:fontRef idx="minor">
+      <a:schemeClr val="tx1"/>
+    </cs:fontRef>
+    <cs:spPr>
+      <a:ln w="9525" cap="flat" cmpd="sng" algn="ctr">
+        <a:solidFill>
+          <a:schemeClr val="tx1">
+            <a:lumMod val="5000"/>
+            <a:lumOff val="95000"/>
+          </a:schemeClr>
+        </a:solidFill>
+        <a:round/>
+      </a:ln>
+    </cs:spPr>
+  </cs:gridlineMinor>
+  <cs:hiLoLine>
+    <cs:lnRef idx="0"/>
+    <cs:fillRef idx="0"/>
+    <cs:effectRef idx="0"/>
+    <cs:fontRef idx="minor">
+      <a:schemeClr val="tx1"/>
+    </cs:fontRef>
+    <cs:spPr>
+      <a:ln w="9525" cap="flat" cmpd="sng" algn="ctr">
+        <a:solidFill>
+          <a:schemeClr val="tx1">
+            <a:lumMod val="50000"/>
+            <a:lumOff val="50000"/>
+          </a:schemeClr>
+        </a:solidFill>
+        <a:round/>
+      </a:ln>
+    </cs:spPr>
+  </cs:hiLoLine>
+  <cs:leaderLine>
+    <cs:lnRef idx="0"/>
+    <cs:fillRef idx="0"/>
+    <cs:effectRef idx="0"/>
+    <cs:fontRef idx="minor">
+      <a:schemeClr val="tx1"/>
+    </cs:fontRef>
+    <cs:spPr>
+      <a:ln w="9525" cap="flat" cmpd="sng" algn="ctr">
+        <a:solidFill>
+          <a:schemeClr val="tx1">
+            <a:lumMod val="35000"/>
+            <a:lumOff val="65000"/>
+          </a:schemeClr>
+        </a:solidFill>
+        <a:round/>
+      </a:ln>
+    </cs:spPr>
+  </cs:leaderLine>
+  <cs:legend>
+    <cs:lnRef idx="0"/>
+    <cs:fillRef idx="0"/>
+    <cs:effectRef idx="0"/>
+    <cs:fontRef idx="minor">
+      <a:schemeClr val="tx1">
+        <a:lumMod val="65000"/>
+        <a:lumOff val="35000"/>
+      </a:schemeClr>
+    </cs:fontRef>
+    <cs:defRPr sz="900" kern="1200"/>
+  </cs:legend>
+  <cs:plotArea mods="allowNoFillOverride allowNoLineOverride">
+    <cs:lnRef idx="0"/>
+    <cs:fillRef idx="0"/>
+    <cs:effectRef idx="0"/>
+    <cs:fontRef idx="minor">
+      <a:schemeClr val="tx1"/>
+    </cs:fontRef>
+  </cs:plotArea>
+  <cs:plotArea3D mods="allowNoFillOverride allowNoLineOverride">
+    <cs:lnRef idx="0"/>
+    <cs:fillRef idx="0"/>
+    <cs:effectRef idx="0"/>
+    <cs:fontRef idx="minor">
+      <a:schemeClr val="tx1"/>
+    </cs:fontRef>
+  </cs:plotArea3D>
+  <cs:seriesAxis>
+    <cs:lnRef idx="0"/>
+    <cs:fillRef idx="0"/>
+    <cs:effectRef idx="0"/>
+    <cs:fontRef idx="minor">
+      <a:schemeClr val="tx1">
+        <a:lumMod val="65000"/>
+        <a:lumOff val="35000"/>
+      </a:schemeClr>
+    </cs:fontRef>
+    <cs:defRPr sz="900" kern="1200"/>
+  </cs:seriesAxis>
+  <cs:seriesLine>
+    <cs:lnRef idx="0"/>
+    <cs:fillRef idx="0"/>
+    <cs:effectRef idx="0"/>
+    <cs:fontRef idx="minor">
+      <a:schemeClr val="tx1"/>
+    </cs:fontRef>
+    <cs:spPr>
+      <a:ln w="9525" cap="flat" cmpd="sng" algn="ctr">
+        <a:solidFill>
+          <a:schemeClr val="tx1">
+            <a:lumMod val="35000"/>
+            <a:lumOff val="65000"/>
+          </a:schemeClr>
+        </a:solidFill>
+        <a:round/>
+      </a:ln>
+    </cs:spPr>
+  </cs:seriesLine>
+  <cs:title>
+    <cs:lnRef idx="0"/>
+    <cs:fillRef idx="0"/>
+    <cs:effectRef idx="0"/>
+    <cs:fontRef idx="minor">
+      <a:schemeClr val="tx1">
+        <a:lumMod val="65000"/>
+        <a:lumOff val="35000"/>
+      </a:schemeClr>
+    </cs:fontRef>
+    <cs:defRPr sz="1400" b="0" kern="1200" spc="0" baseline="0"/>
+  </cs:title>
+  <cs:trendline>
+    <cs:lnRef idx="0">
+      <cs:styleClr val="auto"/>
+    </cs:lnRef>
+    <cs:fillRef idx="0"/>
+    <cs:effectRef idx="0"/>
+    <cs:fontRef idx="minor">
+      <a:schemeClr val="tx1"/>
+    </cs:fontRef>
+    <cs:spPr>
+      <a:ln w="19050" cap="rnd">
+        <a:solidFill>
+          <a:schemeClr val="phClr"/>
+        </a:solidFill>
+        <a:prstDash val="sysDot"/>
+      </a:ln>
+    </cs:spPr>
+  </cs:trendline>
+  <cs:trendlineLabel>
+    <cs:lnRef idx="0"/>
+    <cs:fillRef idx="0"/>
+    <cs:effectRef idx="0"/>
+    <cs:fontRef idx="minor">
+      <a:schemeClr val="tx1">
+        <a:lumMod val="65000"/>
+        <a:lumOff val="35000"/>
+      </a:schemeClr>
+    </cs:fontRef>
+    <cs:defRPr sz="900" kern="1200"/>
+  </cs:trendlineLabel>
+  <cs:upBar>
+    <cs:lnRef idx="0"/>
+    <cs:fillRef idx="0"/>
+    <cs:effectRef idx="0"/>
+    <cs:fontRef idx="minor">
+      <a:schemeClr val="tx1"/>
+    </cs:fontRef>
+    <cs:spPr>
+      <a:solidFill>
+        <a:schemeClr val="lt1"/>
+      </a:solidFill>
+      <a:ln w="9525" cap="flat" cmpd="sng" algn="ctr">
+        <a:solidFill>
+          <a:schemeClr val="tx1">
+            <a:lumMod val="65000"/>
+            <a:lumOff val="35000"/>
+          </a:schemeClr>
+        </a:solidFill>
+        <a:round/>
+      </a:ln>
+    </cs:spPr>
+  </cs:upBar>
+  <cs:valueAxis>
+    <cs:lnRef idx="0"/>
+    <cs:fillRef idx="0"/>
+    <cs:effectRef idx="0"/>
+    <cs:fontRef idx="minor">
+      <a:schemeClr val="tx1">
+        <a:lumMod val="65000"/>
+        <a:lumOff val="35000"/>
+      </a:schemeClr>
+    </cs:fontRef>
+    <cs:defRPr sz="900" kern="1200"/>
+  </cs:valueAxis>
+  <cs:wall>
+    <cs:lnRef idx="0"/>
+    <cs:fillRef idx="0"/>
+    <cs:effectRef idx="0"/>
+    <cs:fontRef idx="minor">
+      <a:schemeClr val="tx1"/>
+    </cs:fontRef>
+    <cs:spPr>
+      <a:noFill/>
+      <a:ln>
+        <a:noFill/>
+      </a:ln>
+    </cs:spPr>
+  </cs:wall>
+</cs:chartStyle>
 </file>
 
 <file path=ppt/ink/ink1.xml><?xml version="1.0" encoding="utf-8"?>
@@ -1926,6 +3639,174 @@
 </p:notes>
 </file>
 
+<file path=ppt/notesSlides/notesSlide4.xml><?xml version="1.0" encoding="utf-8"?>
+<p:notes xmlns:a="http://schemas.openxmlformats.org/drawingml/2006/main" xmlns:r="http://schemas.openxmlformats.org/officeDocument/2006/relationships" xmlns:p="http://schemas.openxmlformats.org/presentationml/2006/main">
+  <p:cSld>
+    <p:spTree>
+      <p:nvGrpSpPr>
+        <p:cNvPr id="1" name=""/>
+        <p:cNvGrpSpPr/>
+        <p:nvPr/>
+      </p:nvGrpSpPr>
+      <p:grpSpPr>
+        <a:xfrm>
+          <a:off x="0" y="0"/>
+          <a:ext cx="0" cy="0"/>
+          <a:chOff x="0" y="0"/>
+          <a:chExt cx="0" cy="0"/>
+        </a:xfrm>
+      </p:grpSpPr>
+      <p:sp>
+        <p:nvSpPr>
+          <p:cNvPr id="2" name="Slide Image Placeholder 1"/>
+          <p:cNvSpPr>
+            <a:spLocks noGrp="1" noRot="1" noChangeAspect="1"/>
+          </p:cNvSpPr>
+          <p:nvPr>
+            <p:ph type="sldImg"/>
+          </p:nvPr>
+        </p:nvSpPr>
+        <p:spPr/>
+      </p:sp>
+      <p:sp>
+        <p:nvSpPr>
+          <p:cNvPr id="3" name="Notes Placeholder 2"/>
+          <p:cNvSpPr>
+            <a:spLocks noGrp="1"/>
+          </p:cNvSpPr>
+          <p:nvPr>
+            <p:ph type="body" idx="1"/>
+          </p:nvPr>
+        </p:nvSpPr>
+        <p:spPr/>
+        <p:txBody>
+          <a:bodyPr/>
+          <a:lstStyle/>
+          <a:p>
+            <a:endParaRPr lang="en-US" dirty="0"/>
+          </a:p>
+        </p:txBody>
+      </p:sp>
+      <p:sp>
+        <p:nvSpPr>
+          <p:cNvPr id="4" name="Slide Number Placeholder 3"/>
+          <p:cNvSpPr>
+            <a:spLocks noGrp="1"/>
+          </p:cNvSpPr>
+          <p:nvPr>
+            <p:ph type="sldNum" sz="quarter" idx="5"/>
+          </p:nvPr>
+        </p:nvSpPr>
+        <p:spPr/>
+        <p:txBody>
+          <a:bodyPr/>
+          <a:lstStyle/>
+          <a:p>
+            <a:fld id="{EEBDA0E2-FEBD-4B65-8F16-724CF984F377}" type="slidenum">
+              <a:rPr lang="en-US" smtClean="0"/>
+              <a:t>18</a:t>
+            </a:fld>
+            <a:endParaRPr lang="en-US"/>
+          </a:p>
+        </p:txBody>
+      </p:sp>
+    </p:spTree>
+    <p:extLst>
+      <p:ext uri="{BB962C8B-B14F-4D97-AF65-F5344CB8AC3E}">
+        <p14:creationId xmlns:p14="http://schemas.microsoft.com/office/powerpoint/2010/main" val="3668758999"/>
+      </p:ext>
+    </p:extLst>
+  </p:cSld>
+  <p:clrMapOvr>
+    <a:masterClrMapping/>
+  </p:clrMapOvr>
+</p:notes>
+</file>
+
+<file path=ppt/notesSlides/notesSlide5.xml><?xml version="1.0" encoding="utf-8"?>
+<p:notes xmlns:a="http://schemas.openxmlformats.org/drawingml/2006/main" xmlns:r="http://schemas.openxmlformats.org/officeDocument/2006/relationships" xmlns:p="http://schemas.openxmlformats.org/presentationml/2006/main">
+  <p:cSld>
+    <p:spTree>
+      <p:nvGrpSpPr>
+        <p:cNvPr id="1" name=""/>
+        <p:cNvGrpSpPr/>
+        <p:nvPr/>
+      </p:nvGrpSpPr>
+      <p:grpSpPr>
+        <a:xfrm>
+          <a:off x="0" y="0"/>
+          <a:ext cx="0" cy="0"/>
+          <a:chOff x="0" y="0"/>
+          <a:chExt cx="0" cy="0"/>
+        </a:xfrm>
+      </p:grpSpPr>
+      <p:sp>
+        <p:nvSpPr>
+          <p:cNvPr id="2" name="Slide Image Placeholder 1"/>
+          <p:cNvSpPr>
+            <a:spLocks noGrp="1" noRot="1" noChangeAspect="1"/>
+          </p:cNvSpPr>
+          <p:nvPr>
+            <p:ph type="sldImg"/>
+          </p:nvPr>
+        </p:nvSpPr>
+        <p:spPr/>
+      </p:sp>
+      <p:sp>
+        <p:nvSpPr>
+          <p:cNvPr id="3" name="Notes Placeholder 2"/>
+          <p:cNvSpPr>
+            <a:spLocks noGrp="1"/>
+          </p:cNvSpPr>
+          <p:nvPr>
+            <p:ph type="body" idx="1"/>
+          </p:nvPr>
+        </p:nvSpPr>
+        <p:spPr/>
+        <p:txBody>
+          <a:bodyPr/>
+          <a:lstStyle/>
+          <a:p>
+            <a:endParaRPr lang="en-US" dirty="0"/>
+          </a:p>
+        </p:txBody>
+      </p:sp>
+      <p:sp>
+        <p:nvSpPr>
+          <p:cNvPr id="4" name="Slide Number Placeholder 3"/>
+          <p:cNvSpPr>
+            <a:spLocks noGrp="1"/>
+          </p:cNvSpPr>
+          <p:nvPr>
+            <p:ph type="sldNum" sz="quarter" idx="5"/>
+          </p:nvPr>
+        </p:nvSpPr>
+        <p:spPr/>
+        <p:txBody>
+          <a:bodyPr/>
+          <a:lstStyle/>
+          <a:p>
+            <a:fld id="{EEBDA0E2-FEBD-4B65-8F16-724CF984F377}" type="slidenum">
+              <a:rPr lang="en-US" smtClean="0"/>
+              <a:t>19</a:t>
+            </a:fld>
+            <a:endParaRPr lang="en-US"/>
+          </a:p>
+        </p:txBody>
+      </p:sp>
+    </p:spTree>
+    <p:extLst>
+      <p:ext uri="{BB962C8B-B14F-4D97-AF65-F5344CB8AC3E}">
+        <p14:creationId xmlns:p14="http://schemas.microsoft.com/office/powerpoint/2010/main" val="3968857718"/>
+      </p:ext>
+    </p:extLst>
+  </p:cSld>
+  <p:clrMapOvr>
+    <a:masterClrMapping/>
+  </p:clrMapOvr>
+</p:notes>
+</file>
+
 <file path=ppt/slideLayouts/slideLayout1.xml><?xml version="1.0" encoding="utf-8"?>
 <p:sldLayout xmlns:a="http://schemas.openxmlformats.org/drawingml/2006/main" xmlns:r="http://schemas.openxmlformats.org/officeDocument/2006/relationships" xmlns:p="http://schemas.openxmlformats.org/presentationml/2006/main" preserve="1">
   <p:cSld name="Title Slide">
@@ -4982,8 +6863,8 @@
         </p:nvSpPr>
         <p:spPr>
           <a:xfrm>
-            <a:off x="6172200" y="2345719"/>
-            <a:ext cx="2900302" cy="1325563"/>
+            <a:off x="6172199" y="1825625"/>
+            <a:ext cx="5817943" cy="3387505"/>
           </a:xfrm>
         </p:spPr>
         <p:txBody>
@@ -4998,8 +6879,63 @@
                   <a:srgbClr val="0E659B"/>
                 </a:solidFill>
               </a:rPr>
-              <a:t>&lt;TITLE&gt;</a:t>
-            </a:r>
+              <a:t>IBM Data Analyst </a:t>
+            </a:r>
+            <a:br>
+              <a:rPr lang="en-US" dirty="0">
+                <a:solidFill>
+                  <a:srgbClr val="0E659B"/>
+                </a:solidFill>
+              </a:rPr>
+            </a:br>
+            <a:r>
+              <a:rPr lang="en-US" dirty="0">
+                <a:solidFill>
+                  <a:srgbClr val="0E659B"/>
+                </a:solidFill>
+              </a:rPr>
+              <a:t>Capstone Project</a:t>
+            </a:r>
+            <a:br>
+              <a:rPr lang="en-US" dirty="0">
+                <a:solidFill>
+                  <a:srgbClr val="0E659B"/>
+                </a:solidFill>
+              </a:rPr>
+            </a:br>
+            <a:br>
+              <a:rPr lang="en-US" dirty="0">
+                <a:solidFill>
+                  <a:srgbClr val="0E659B"/>
+                </a:solidFill>
+              </a:rPr>
+            </a:br>
+            <a:r>
+              <a:rPr lang="en-US" b="1" i="0" dirty="0">
+                <a:solidFill>
+                  <a:schemeClr val="accent1">
+                    <a:lumMod val="75000"/>
+                  </a:schemeClr>
+                </a:solidFill>
+                <a:effectLst/>
+                <a:latin typeface="+mj-lt"/>
+              </a:rPr>
+              <a:t>The 2019 Stack Overflow Developer Survey Results</a:t>
+            </a:r>
+            <a:br>
+              <a:rPr lang="en-US" b="1" i="0" dirty="0">
+                <a:solidFill>
+                  <a:srgbClr val="0C0D0E"/>
+                </a:solidFill>
+                <a:effectLst/>
+                <a:latin typeface="Roboto Slab"/>
+              </a:rPr>
+            </a:br>
+            <a:endParaRPr lang="en-US" dirty="0">
+              <a:solidFill>
+                <a:srgbClr val="0E659B"/>
+              </a:solidFill>
+            </a:endParaRPr>
           </a:p>
         </p:txBody>
       </p:sp>
@@ -5052,13 +6988,13 @@
         </p:nvSpPr>
         <p:spPr>
           <a:xfrm>
-            <a:off x="6172200" y="3560007"/>
-            <a:ext cx="5181600" cy="2616956"/>
+            <a:off x="6172199" y="5121612"/>
+            <a:ext cx="5181600" cy="976743"/>
           </a:xfrm>
         </p:spPr>
         <p:txBody>
           <a:bodyPr>
-            <a:normAutofit/>
+            <a:normAutofit lnSpcReduction="10000"/>
           </a:bodyPr>
           <a:lstStyle/>
           <a:p>
@@ -5067,8 +7003,13 @@
             </a:pPr>
             <a:r>
               <a:rPr lang="en-US" dirty="0"/>
-              <a:t>&lt;NAME&gt;</a:t>
-            </a:r>
+              <a:t>Anastasiia </a:t>
+            </a:r>
+            <a:r>
+              <a:rPr lang="en-US" dirty="0" err="1"/>
+              <a:t>Trofymova</a:t>
+            </a:r>
+            <a:endParaRPr lang="en-US" dirty="0"/>
           </a:p>
           <a:p>
             <a:pPr marL="0" indent="0">
@@ -5076,7 +7017,7 @@
             </a:pPr>
             <a:r>
               <a:rPr lang="en-US" dirty="0"/>
-              <a:t>&lt;DATE&gt;</a:t>
+              <a:t>1/11/2025</a:t>
             </a:r>
           </a:p>
         </p:txBody>
@@ -6263,115 +8204,330 @@
       </p:sp>
       <p:sp>
         <p:nvSpPr>
-          <p:cNvPr id="3" name="Content Placeholder 2">
+          <p:cNvPr id="9" name="Rectangle 1">
             <a:extLst>
               <a:ext uri="{FF2B5EF4-FFF2-40B4-BE49-F238E27FC236}">
-                <a16:creationId xmlns:a16="http://schemas.microsoft.com/office/drawing/2014/main" id="{E4FC0D20-FACF-4D73-BD27-CF8F6B97546A}"/>
+                <a16:creationId xmlns:a16="http://schemas.microsoft.com/office/drawing/2014/main" id="{A8B3A06E-1D7E-8FC7-17E3-7DD4584A0F8D}"/>
               </a:ext>
             </a:extLst>
           </p:cNvPr>
           <p:cNvSpPr>
-            <a:spLocks noGrp="1"/>
+            <a:spLocks noChangeArrowheads="1"/>
           </p:cNvSpPr>
-          <p:nvPr>
-            <p:ph sz="half" idx="1"/>
-          </p:nvPr>
+          <p:nvPr/>
         </p:nvSpPr>
-        <p:spPr>
+        <p:spPr bwMode="auto">
           <a:xfrm>
-            <a:off x="813816" y="1825625"/>
-            <a:ext cx="5181600" cy="4351338"/>
+            <a:off x="578069" y="1737090"/>
+            <a:ext cx="5181600" cy="1938992"/>
           </a:xfrm>
+          <a:prstGeom prst="rect">
+            <a:avLst/>
+          </a:prstGeom>
+          <a:noFill/>
+          <a:ln>
+            <a:noFill/>
+          </a:ln>
+          <a:effectLst/>
+          <a:extLst>
+            <a:ext uri="{909E8E84-426E-40DD-AFC4-6F175D3DCCD1}">
+              <a14:hiddenFill xmlns:a14="http://schemas.microsoft.com/office/drawing/2010/main">
+                <a:solidFill>
+                  <a:schemeClr val="accent1"/>
+                </a:solidFill>
+              </a14:hiddenFill>
+            </a:ext>
+            <a:ext uri="{91240B29-F687-4F45-9708-019B960494DF}">
+              <a14:hiddenLine xmlns:a14="http://schemas.microsoft.com/office/drawing/2010/main" w="9525">
+                <a:solidFill>
+                  <a:schemeClr val="tx1"/>
+                </a:solidFill>
+                <a:miter lim="800000"/>
+                <a:headEnd/>
+                <a:tailEnd/>
+              </a14:hiddenLine>
+            </a:ext>
+            <a:ext uri="{AF507438-7753-43E0-B8FC-AC1667EBCBE1}">
+              <a14:hiddenEffects xmlns:a14="http://schemas.microsoft.com/office/drawing/2010/main">
+                <a:effectLst>
+                  <a:outerShdw dist="35921" dir="2700000" algn="ctr" rotWithShape="0">
+                    <a:schemeClr val="bg2"/>
+                  </a:outerShdw>
+                </a:effectLst>
+              </a14:hiddenEffects>
+            </a:ext>
+          </a:extLst>
         </p:spPr>
         <p:txBody>
-          <a:bodyPr/>
+          <a:bodyPr vert="horz" wrap="square" lIns="91440" tIns="45720" rIns="91440" bIns="45720" numCol="1" anchor="ctr" anchorCtr="0" compatLnSpc="1">
+            <a:prstTxWarp prst="textNoShape">
+              <a:avLst/>
+            </a:prstTxWarp>
+            <a:spAutoFit/>
+          </a:bodyPr>
           <a:lstStyle/>
           <a:p>
-            <a:pPr marL="0" indent="0">
-              <a:buNone/>
+            <a:pPr marL="342900" marR="0" lvl="0" indent="-342900" algn="l" defTabSz="914400" rtl="0" eaLnBrk="0" fontAlgn="base" latinLnBrk="0" hangingPunct="0">
+              <a:lnSpc>
+                <a:spcPct val="100000"/>
+              </a:lnSpc>
+              <a:spcBef>
+                <a:spcPct val="0"/>
+              </a:spcBef>
+              <a:spcAft>
+                <a:spcPct val="0"/>
+              </a:spcAft>
+              <a:buClrTx/>
+              <a:buSzTx/>
+              <a:buFont typeface="Wingdings" panose="05000000000000000000" pitchFamily="2" charset="2"/>
+              <a:buChar char="q"/>
+              <a:tabLst/>
             </a:pPr>
             <a:r>
-              <a:rPr lang="en-US" dirty="0"/>
-              <a:t>Findings</a:t>
-            </a:r>
-          </a:p>
-          <a:p>
-            <a:pPr marL="0" indent="0">
-              <a:buNone/>
+              <a:rPr kumimoji="0" lang="en-US" altLang="en-US" sz="2000" b="0" i="0" u="none" strike="noStrike" cap="none" normalizeH="0" baseline="0" dirty="0">
+                <a:ln>
+                  <a:noFill/>
+                </a:ln>
+                <a:solidFill>
+                  <a:schemeClr val="accent1">
+                    <a:lumMod val="75000"/>
+                  </a:schemeClr>
+                </a:solidFill>
+                <a:effectLst/>
+                <a:latin typeface="+mj-lt"/>
+              </a:rPr>
+              <a:t>MySQL, PostgreSQL, and Microsoft SQL Server are the most widely used databases.</a:t>
+            </a:r>
+          </a:p>
+          <a:p>
+            <a:pPr marL="342900" marR="0" lvl="0" indent="-342900" algn="l" defTabSz="914400" rtl="0" eaLnBrk="0" fontAlgn="base" latinLnBrk="0" hangingPunct="0">
+              <a:lnSpc>
+                <a:spcPct val="100000"/>
+              </a:lnSpc>
+              <a:spcBef>
+                <a:spcPct val="0"/>
+              </a:spcBef>
+              <a:spcAft>
+                <a:spcPct val="0"/>
+              </a:spcAft>
+              <a:buClrTx/>
+              <a:buSzTx/>
+              <a:buFont typeface="Wingdings" panose="05000000000000000000" pitchFamily="2" charset="2"/>
+              <a:buChar char="q"/>
+              <a:tabLst/>
             </a:pPr>
-            <a:endParaRPr lang="en-US" dirty="0"/>
-          </a:p>
-          <a:p>
-            <a:r>
-              <a:rPr lang="en-US" dirty="0"/>
-              <a:t>Finding 1</a:t>
-            </a:r>
-          </a:p>
-          <a:p>
-            <a:r>
-              <a:rPr lang="en-US" dirty="0"/>
-              <a:t>Finding 2</a:t>
-            </a:r>
-          </a:p>
-          <a:p>
-            <a:r>
-              <a:rPr lang="en-US" dirty="0"/>
-              <a:t>Finding 3</a:t>
+            <a:r>
+              <a:rPr kumimoji="0" lang="en-US" altLang="en-US" sz="2000" b="0" i="0" u="none" strike="noStrike" cap="none" normalizeH="0" baseline="0" dirty="0">
+                <a:ln>
+                  <a:noFill/>
+                </a:ln>
+                <a:solidFill>
+                  <a:schemeClr val="accent1">
+                    <a:lumMod val="75000"/>
+                  </a:schemeClr>
+                </a:solidFill>
+                <a:effectLst/>
+                <a:latin typeface="+mj-lt"/>
+              </a:rPr>
+              <a:t>PostgreSQL is the most desired database for future use.</a:t>
+            </a:r>
+          </a:p>
+          <a:p>
+            <a:pPr marL="342900" marR="0" lvl="0" indent="-342900" algn="l" defTabSz="914400" rtl="0" eaLnBrk="0" fontAlgn="base" latinLnBrk="0" hangingPunct="0">
+              <a:lnSpc>
+                <a:spcPct val="100000"/>
+              </a:lnSpc>
+              <a:spcBef>
+                <a:spcPct val="0"/>
+              </a:spcBef>
+              <a:spcAft>
+                <a:spcPct val="0"/>
+              </a:spcAft>
+              <a:buClrTx/>
+              <a:buSzTx/>
+              <a:buFont typeface="Wingdings" panose="05000000000000000000" pitchFamily="2" charset="2"/>
+              <a:buChar char="q"/>
+              <a:tabLst/>
+            </a:pPr>
+            <a:r>
+              <a:rPr kumimoji="0" lang="en-US" altLang="en-US" sz="2000" b="0" i="0" u="none" strike="noStrike" cap="none" normalizeH="0" baseline="0" dirty="0">
+                <a:ln>
+                  <a:noFill/>
+                </a:ln>
+                <a:solidFill>
+                  <a:schemeClr val="accent1">
+                    <a:lumMod val="75000"/>
+                  </a:schemeClr>
+                </a:solidFill>
+                <a:effectLst/>
+                <a:latin typeface="+mj-lt"/>
+              </a:rPr>
+              <a:t>NoSQL databases like MongoDB and Redis show significant growth in popularity. </a:t>
             </a:r>
           </a:p>
         </p:txBody>
       </p:sp>
       <p:sp>
         <p:nvSpPr>
-          <p:cNvPr id="4" name="Content Placeholder 3">
+          <p:cNvPr id="12" name="Rectangle 2">
             <a:extLst>
               <a:ext uri="{FF2B5EF4-FFF2-40B4-BE49-F238E27FC236}">
-                <a16:creationId xmlns:a16="http://schemas.microsoft.com/office/drawing/2014/main" id="{ACA6A89D-097D-4968-A07A-39A5B4F78A62}"/>
+                <a16:creationId xmlns:a16="http://schemas.microsoft.com/office/drawing/2014/main" id="{0D39A8C6-89AB-FD94-A688-DA3E60AA9D56}"/>
               </a:ext>
             </a:extLst>
           </p:cNvPr>
           <p:cNvSpPr>
-            <a:spLocks noGrp="1"/>
+            <a:spLocks noChangeArrowheads="1"/>
           </p:cNvSpPr>
-          <p:nvPr>
-            <p:ph sz="half" idx="2"/>
-          </p:nvPr>
+          <p:nvPr/>
         </p:nvSpPr>
-        <p:spPr/>
+        <p:spPr bwMode="auto">
+          <a:xfrm>
+            <a:off x="5759669" y="1690688"/>
+            <a:ext cx="5906814" cy="2862322"/>
+          </a:xfrm>
+          <a:prstGeom prst="rect">
+            <a:avLst/>
+          </a:prstGeom>
+          <a:noFill/>
+          <a:ln>
+            <a:noFill/>
+          </a:ln>
+          <a:effectLst/>
+          <a:extLst>
+            <a:ext uri="{909E8E84-426E-40DD-AFC4-6F175D3DCCD1}">
+              <a14:hiddenFill xmlns:a14="http://schemas.microsoft.com/office/drawing/2010/main">
+                <a:solidFill>
+                  <a:schemeClr val="accent1"/>
+                </a:solidFill>
+              </a14:hiddenFill>
+            </a:ext>
+            <a:ext uri="{91240B29-F687-4F45-9708-019B960494DF}">
+              <a14:hiddenLine xmlns:a14="http://schemas.microsoft.com/office/drawing/2010/main" w="9525">
+                <a:solidFill>
+                  <a:schemeClr val="tx1"/>
+                </a:solidFill>
+                <a:miter lim="800000"/>
+                <a:headEnd/>
+                <a:tailEnd/>
+              </a14:hiddenLine>
+            </a:ext>
+            <a:ext uri="{AF507438-7753-43E0-B8FC-AC1667EBCBE1}">
+              <a14:hiddenEffects xmlns:a14="http://schemas.microsoft.com/office/drawing/2010/main">
+                <a:effectLst>
+                  <a:outerShdw dist="35921" dir="2700000" algn="ctr" rotWithShape="0">
+                    <a:schemeClr val="bg2"/>
+                  </a:outerShdw>
+                </a:effectLst>
+              </a14:hiddenEffects>
+            </a:ext>
+          </a:extLst>
+        </p:spPr>
         <p:txBody>
-          <a:bodyPr/>
+          <a:bodyPr vert="horz" wrap="square" lIns="91440" tIns="45720" rIns="91440" bIns="45720" numCol="1" anchor="ctr" anchorCtr="0" compatLnSpc="1">
+            <a:prstTxWarp prst="textNoShape">
+              <a:avLst/>
+            </a:prstTxWarp>
+            <a:spAutoFit/>
+          </a:bodyPr>
           <a:lstStyle/>
           <a:p>
-            <a:pPr marL="0" indent="0">
-              <a:buNone/>
+            <a:pPr marL="342900" marR="0" lvl="0" indent="-342900" algn="l" defTabSz="914400" rtl="0" eaLnBrk="0" fontAlgn="base" latinLnBrk="0" hangingPunct="0">
+              <a:lnSpc>
+                <a:spcPct val="100000"/>
+              </a:lnSpc>
+              <a:spcBef>
+                <a:spcPct val="0"/>
+              </a:spcBef>
+              <a:spcAft>
+                <a:spcPct val="0"/>
+              </a:spcAft>
+              <a:buClrTx/>
+              <a:buSzTx/>
+              <a:buFont typeface="Wingdings" panose="05000000000000000000" pitchFamily="2" charset="2"/>
+              <a:buChar char="q"/>
+              <a:tabLst/>
             </a:pPr>
             <a:r>
-              <a:rPr lang="en-US" dirty="0"/>
-              <a:t>Implications</a:t>
-            </a:r>
-          </a:p>
-          <a:p>
-            <a:pPr marL="0" indent="0">
-              <a:buNone/>
+              <a:rPr kumimoji="0" lang="en-US" altLang="en-US" sz="2000" b="0" i="0" u="none" strike="noStrike" cap="none" normalizeH="0" baseline="0" dirty="0">
+                <a:ln>
+                  <a:noFill/>
+                </a:ln>
+                <a:solidFill>
+                  <a:schemeClr val="accent1">
+                    <a:lumMod val="75000"/>
+                  </a:schemeClr>
+                </a:solidFill>
+                <a:effectLst/>
+                <a:latin typeface="+mj-lt"/>
+              </a:rPr>
+              <a:t>Knowledge of relational databases, especially MySQL and PostgreSQL, remains essential for backend development.</a:t>
+            </a:r>
+          </a:p>
+          <a:p>
+            <a:pPr marL="342900" marR="0" lvl="0" indent="-342900" algn="l" defTabSz="914400" rtl="0" eaLnBrk="0" fontAlgn="base" latinLnBrk="0" hangingPunct="0">
+              <a:lnSpc>
+                <a:spcPct val="100000"/>
+              </a:lnSpc>
+              <a:spcBef>
+                <a:spcPct val="0"/>
+              </a:spcBef>
+              <a:spcAft>
+                <a:spcPct val="0"/>
+              </a:spcAft>
+              <a:buClrTx/>
+              <a:buSzTx/>
+              <a:buFont typeface="Wingdings" panose="05000000000000000000" pitchFamily="2" charset="2"/>
+              <a:buChar char="q"/>
+              <a:tabLst/>
             </a:pPr>
-            <a:endParaRPr lang="en-US" dirty="0"/>
-          </a:p>
-          <a:p>
-            <a:r>
-              <a:rPr lang="en-US" dirty="0"/>
-              <a:t>Implication 1</a:t>
-            </a:r>
-          </a:p>
-          <a:p>
-            <a:r>
-              <a:rPr lang="en-US" dirty="0"/>
-              <a:t>Implication 2</a:t>
-            </a:r>
-          </a:p>
-          <a:p>
-            <a:r>
-              <a:rPr lang="en-US" dirty="0"/>
-              <a:t>Implication 3</a:t>
+            <a:r>
+              <a:rPr kumimoji="0" lang="en-US" altLang="en-US" sz="2000" b="0" i="0" u="none" strike="noStrike" cap="none" normalizeH="0" baseline="0" dirty="0">
+                <a:ln>
+                  <a:noFill/>
+                </a:ln>
+                <a:solidFill>
+                  <a:schemeClr val="accent1">
+                    <a:lumMod val="75000"/>
+                  </a:schemeClr>
+                </a:solidFill>
+                <a:effectLst/>
+                <a:latin typeface="+mj-lt"/>
+              </a:rPr>
+              <a:t>The increasing demand for PostgreSQL highlights the importance of learning advanced features of this database.</a:t>
+            </a:r>
+          </a:p>
+          <a:p>
+            <a:pPr marL="342900" marR="0" lvl="0" indent="-342900" algn="l" defTabSz="914400" rtl="0" eaLnBrk="0" fontAlgn="base" latinLnBrk="0" hangingPunct="0">
+              <a:lnSpc>
+                <a:spcPct val="100000"/>
+              </a:lnSpc>
+              <a:spcBef>
+                <a:spcPct val="0"/>
+              </a:spcBef>
+              <a:spcAft>
+                <a:spcPct val="0"/>
+              </a:spcAft>
+              <a:buClrTx/>
+              <a:buSzTx/>
+              <a:buFont typeface="Wingdings" panose="05000000000000000000" pitchFamily="2" charset="2"/>
+              <a:buChar char="q"/>
+              <a:tabLst/>
+            </a:pPr>
+            <a:r>
+              <a:rPr kumimoji="0" lang="en-US" altLang="en-US" sz="2000" b="0" i="0" u="none" strike="noStrike" cap="none" normalizeH="0" baseline="0" dirty="0">
+                <a:ln>
+                  <a:noFill/>
+                </a:ln>
+                <a:solidFill>
+                  <a:schemeClr val="accent1">
+                    <a:lumMod val="75000"/>
+                  </a:schemeClr>
+                </a:solidFill>
+                <a:effectLst/>
+                <a:latin typeface="+mj-lt"/>
+              </a:rPr>
+              <a:t>The rise of NoSQL databases emphasizes the need for developers to gain expertise in flexible, schema-less database systems. </a:t>
             </a:r>
           </a:p>
         </p:txBody>
@@ -6474,15 +8630,7 @@
             </a:pPr>
             <a:r>
               <a:rPr lang="en-US" sz="2200" dirty="0"/>
-              <a:t>&lt;The GitHub link of the Cognos</a:t>
-            </a:r>
-            <a:r>
-              <a:rPr lang="en-US" sz="2200"/>
-              <a:t>/Looker Studio </a:t>
-            </a:r>
-            <a:r>
-              <a:rPr lang="en-US" sz="2200" dirty="0"/>
-              <a:t>dashboard goes here.&gt;</a:t>
+              <a:t>https://github.com/Arsiry/ibm-professional-certificates/blob/main/data_analyst_capstone_project/IBM_Data_Analyst_Capstone_Project.pdf</a:t>
             </a:r>
           </a:p>
         </p:txBody>
@@ -6582,54 +8730,36 @@
           </a:p>
         </p:txBody>
       </p:sp>
-      <p:sp>
-        <p:nvSpPr>
-          <p:cNvPr id="8" name="Content Placeholder 2">
+      <p:pic>
+        <p:nvPicPr>
+          <p:cNvPr id="11" name="Picture 10" descr="A group of graphs and charts&#10;&#10;Description automatically generated">
             <a:extLst>
               <a:ext uri="{FF2B5EF4-FFF2-40B4-BE49-F238E27FC236}">
-                <a16:creationId xmlns:a16="http://schemas.microsoft.com/office/drawing/2014/main" id="{EFCC0E64-0E5B-4BA1-BC72-30FA1DE96F29}"/>
+                <a16:creationId xmlns:a16="http://schemas.microsoft.com/office/drawing/2014/main" id="{FB9845F8-8248-73E0-1532-02384BB41249}"/>
               </a:ext>
             </a:extLst>
           </p:cNvPr>
-          <p:cNvSpPr>
-            <a:spLocks noGrp="1"/>
-          </p:cNvSpPr>
-          <p:nvPr>
-            <p:ph idx="1"/>
-          </p:nvPr>
-        </p:nvSpPr>
+          <p:cNvPicPr>
+            <a:picLocks noChangeAspect="1"/>
+          </p:cNvPicPr>
+          <p:nvPr/>
+        </p:nvPicPr>
+        <p:blipFill>
+          <a:blip r:embed="rId2"/>
+          <a:stretch>
+            <a:fillRect/>
+          </a:stretch>
+        </p:blipFill>
         <p:spPr>
           <a:xfrm>
-            <a:off x="838200" y="1690688"/>
-            <a:ext cx="10515600" cy="4351338"/>
+            <a:off x="946031" y="1452620"/>
+            <a:ext cx="6495294" cy="4730210"/>
           </a:xfrm>
+          <a:prstGeom prst="rect">
+            <a:avLst/>
+          </a:prstGeom>
         </p:spPr>
-        <p:txBody>
-          <a:bodyPr/>
-          <a:lstStyle/>
-          <a:p>
-            <a:pPr marL="0" indent="0">
-              <a:buNone/>
-            </a:pPr>
-            <a:endParaRPr lang="en-US" dirty="0"/>
-          </a:p>
-          <a:p>
-            <a:pPr marL="0" indent="0">
-              <a:buNone/>
-            </a:pPr>
-            <a:endParaRPr lang="en-US" dirty="0"/>
-          </a:p>
-          <a:p>
-            <a:pPr marL="0" indent="0">
-              <a:buNone/>
-            </a:pPr>
-            <a:r>
-              <a:rPr lang="en-US" dirty="0"/>
-              <a:t>Screenshot of dashboard tab 1 goes here</a:t>
-            </a:r>
-          </a:p>
-        </p:txBody>
-      </p:sp>
+      </p:pic>
     </p:spTree>
     <p:extLst>
       <p:ext uri="{BB962C8B-B14F-4D97-AF65-F5344CB8AC3E}">
@@ -6695,54 +8825,36 @@
           </a:p>
         </p:txBody>
       </p:sp>
-      <p:sp>
-        <p:nvSpPr>
-          <p:cNvPr id="8" name="Content Placeholder 2">
+      <p:pic>
+        <p:nvPicPr>
+          <p:cNvPr id="11" name="Picture 10" descr="A collage of different colored graphs&#10;&#10;Description automatically generated">
             <a:extLst>
               <a:ext uri="{FF2B5EF4-FFF2-40B4-BE49-F238E27FC236}">
-                <a16:creationId xmlns:a16="http://schemas.microsoft.com/office/drawing/2014/main" id="{EFCC0E64-0E5B-4BA1-BC72-30FA1DE96F29}"/>
+                <a16:creationId xmlns:a16="http://schemas.microsoft.com/office/drawing/2014/main" id="{99D995FF-9C7C-A256-1C09-934A5FEA165A}"/>
               </a:ext>
             </a:extLst>
           </p:cNvPr>
-          <p:cNvSpPr>
-            <a:spLocks noGrp="1"/>
-          </p:cNvSpPr>
-          <p:nvPr>
-            <p:ph idx="1"/>
-          </p:nvPr>
-        </p:nvSpPr>
+          <p:cNvPicPr>
+            <a:picLocks noChangeAspect="1"/>
+          </p:cNvPicPr>
+          <p:nvPr/>
+        </p:nvPicPr>
+        <p:blipFill>
+          <a:blip r:embed="rId2"/>
+          <a:stretch>
+            <a:fillRect/>
+          </a:stretch>
+        </p:blipFill>
         <p:spPr>
           <a:xfrm>
-            <a:off x="838200" y="1690688"/>
-            <a:ext cx="10515600" cy="4351338"/>
+            <a:off x="838201" y="1343253"/>
+            <a:ext cx="6855372" cy="4965824"/>
           </a:xfrm>
+          <a:prstGeom prst="rect">
+            <a:avLst/>
+          </a:prstGeom>
         </p:spPr>
-        <p:txBody>
-          <a:bodyPr/>
-          <a:lstStyle/>
-          <a:p>
-            <a:pPr marL="0" indent="0">
-              <a:buNone/>
-            </a:pPr>
-            <a:endParaRPr lang="en-US" dirty="0"/>
-          </a:p>
-          <a:p>
-            <a:pPr marL="0" indent="0">
-              <a:buNone/>
-            </a:pPr>
-            <a:endParaRPr lang="en-US" dirty="0"/>
-          </a:p>
-          <a:p>
-            <a:pPr marL="0" indent="0">
-              <a:buNone/>
-            </a:pPr>
-            <a:r>
-              <a:rPr lang="en-US" dirty="0"/>
-              <a:t>Screenshot of dashboard tab 2 goes here</a:t>
-            </a:r>
-          </a:p>
-        </p:txBody>
-      </p:sp>
+      </p:pic>
     </p:spTree>
     <p:extLst>
       <p:ext uri="{BB962C8B-B14F-4D97-AF65-F5344CB8AC3E}">
@@ -6808,54 +8920,36 @@
           </a:p>
         </p:txBody>
       </p:sp>
-      <p:sp>
-        <p:nvSpPr>
-          <p:cNvPr id="8" name="Content Placeholder 2">
+      <p:pic>
+        <p:nvPicPr>
+          <p:cNvPr id="6" name="Picture 5" descr="A close-up of a graph&#10;&#10;Description automatically generated">
             <a:extLst>
               <a:ext uri="{FF2B5EF4-FFF2-40B4-BE49-F238E27FC236}">
-                <a16:creationId xmlns:a16="http://schemas.microsoft.com/office/drawing/2014/main" id="{EFCC0E64-0E5B-4BA1-BC72-30FA1DE96F29}"/>
+                <a16:creationId xmlns:a16="http://schemas.microsoft.com/office/drawing/2014/main" id="{46171B15-DCC8-E335-6078-C8A3EE0E8AE5}"/>
               </a:ext>
             </a:extLst>
           </p:cNvPr>
-          <p:cNvSpPr>
-            <a:spLocks noGrp="1"/>
-          </p:cNvSpPr>
-          <p:nvPr>
-            <p:ph idx="1"/>
-          </p:nvPr>
-        </p:nvSpPr>
+          <p:cNvPicPr>
+            <a:picLocks noChangeAspect="1"/>
+          </p:cNvPicPr>
+          <p:nvPr/>
+        </p:nvPicPr>
+        <p:blipFill>
+          <a:blip r:embed="rId2"/>
+          <a:stretch>
+            <a:fillRect/>
+          </a:stretch>
+        </p:blipFill>
         <p:spPr>
           <a:xfrm>
-            <a:off x="838200" y="1690688"/>
-            <a:ext cx="10515600" cy="4351338"/>
+            <a:off x="838200" y="1491027"/>
+            <a:ext cx="6684158" cy="4814348"/>
           </a:xfrm>
+          <a:prstGeom prst="rect">
+            <a:avLst/>
+          </a:prstGeom>
         </p:spPr>
-        <p:txBody>
-          <a:bodyPr/>
-          <a:lstStyle/>
-          <a:p>
-            <a:pPr marL="0" indent="0">
-              <a:buNone/>
-            </a:pPr>
-            <a:endParaRPr lang="en-US" dirty="0"/>
-          </a:p>
-          <a:p>
-            <a:pPr marL="0" indent="0">
-              <a:buNone/>
-            </a:pPr>
-            <a:endParaRPr lang="en-US" dirty="0"/>
-          </a:p>
-          <a:p>
-            <a:pPr marL="0" indent="0">
-              <a:buNone/>
-            </a:pPr>
-            <a:r>
-              <a:rPr lang="en-US" dirty="0"/>
-              <a:t>Screenshot of dashboard tab 3 goes here</a:t>
-            </a:r>
-          </a:p>
-        </p:txBody>
-      </p:sp>
+      </p:pic>
     </p:spTree>
     <p:extLst>
       <p:ext uri="{BB962C8B-B14F-4D97-AF65-F5344CB8AC3E}">
@@ -7044,119 +9138,340 @@
       </p:sp>
       <p:sp>
         <p:nvSpPr>
-          <p:cNvPr id="3" name="Content Placeholder 2">
+          <p:cNvPr id="9" name="Rectangle 1">
             <a:extLst>
               <a:ext uri="{FF2B5EF4-FFF2-40B4-BE49-F238E27FC236}">
-                <a16:creationId xmlns:a16="http://schemas.microsoft.com/office/drawing/2014/main" id="{E4FC0D20-FACF-4D73-BD27-CF8F6B97546A}"/>
+                <a16:creationId xmlns:a16="http://schemas.microsoft.com/office/drawing/2014/main" id="{E0223D8C-49C1-0884-55F0-6D3F9753ED2A}"/>
               </a:ext>
             </a:extLst>
           </p:cNvPr>
           <p:cNvSpPr>
-            <a:spLocks noGrp="1"/>
+            <a:spLocks noChangeArrowheads="1"/>
           </p:cNvSpPr>
-          <p:nvPr>
-            <p:ph sz="half" idx="1"/>
-          </p:nvPr>
+          <p:nvPr/>
         </p:nvSpPr>
-        <p:spPr>
+        <p:spPr bwMode="auto">
           <a:xfrm>
-            <a:off x="813816" y="1825625"/>
-            <a:ext cx="5181600" cy="4351338"/>
+            <a:off x="105103" y="1707176"/>
+            <a:ext cx="5990897" cy="4093428"/>
           </a:xfrm>
+          <a:prstGeom prst="rect">
+            <a:avLst/>
+          </a:prstGeom>
+          <a:noFill/>
+          <a:ln>
+            <a:noFill/>
+          </a:ln>
+          <a:effectLst/>
+          <a:extLst>
+            <a:ext uri="{909E8E84-426E-40DD-AFC4-6F175D3DCCD1}">
+              <a14:hiddenFill xmlns:a14="http://schemas.microsoft.com/office/drawing/2010/main">
+                <a:solidFill>
+                  <a:schemeClr val="accent1"/>
+                </a:solidFill>
+              </a14:hiddenFill>
+            </a:ext>
+            <a:ext uri="{91240B29-F687-4F45-9708-019B960494DF}">
+              <a14:hiddenLine xmlns:a14="http://schemas.microsoft.com/office/drawing/2010/main" w="9525">
+                <a:solidFill>
+                  <a:schemeClr val="tx1"/>
+                </a:solidFill>
+                <a:miter lim="800000"/>
+                <a:headEnd/>
+                <a:tailEnd/>
+              </a14:hiddenLine>
+            </a:ext>
+            <a:ext uri="{AF507438-7753-43E0-B8FC-AC1667EBCBE1}">
+              <a14:hiddenEffects xmlns:a14="http://schemas.microsoft.com/office/drawing/2010/main">
+                <a:effectLst>
+                  <a:outerShdw dist="35921" dir="2700000" algn="ctr" rotWithShape="0">
+                    <a:schemeClr val="bg2"/>
+                  </a:outerShdw>
+                </a:effectLst>
+              </a14:hiddenEffects>
+            </a:ext>
+          </a:extLst>
         </p:spPr>
         <p:txBody>
-          <a:bodyPr>
-            <a:normAutofit/>
+          <a:bodyPr vert="horz" wrap="square" lIns="91440" tIns="45720" rIns="91440" bIns="45720" numCol="1" anchor="ctr" anchorCtr="0" compatLnSpc="1">
+            <a:prstTxWarp prst="textNoShape">
+              <a:avLst/>
+            </a:prstTxWarp>
+            <a:spAutoFit/>
           </a:bodyPr>
           <a:lstStyle/>
           <a:p>
-            <a:pPr marL="0" indent="0">
-              <a:buNone/>
+            <a:pPr marL="342900" marR="0" lvl="0" indent="-342900" algn="l" defTabSz="914400" rtl="0" eaLnBrk="0" fontAlgn="base" latinLnBrk="0" hangingPunct="0">
+              <a:lnSpc>
+                <a:spcPct val="100000"/>
+              </a:lnSpc>
+              <a:spcBef>
+                <a:spcPct val="0"/>
+              </a:spcBef>
+              <a:spcAft>
+                <a:spcPct val="0"/>
+              </a:spcAft>
+              <a:buClrTx/>
+              <a:buSzTx/>
+              <a:buFont typeface="Wingdings" panose="05000000000000000000" pitchFamily="2" charset="2"/>
+              <a:buChar char="q"/>
+              <a:tabLst/>
             </a:pPr>
             <a:r>
-              <a:rPr lang="en-US" dirty="0"/>
-              <a:t>Findings</a:t>
-            </a:r>
-          </a:p>
-          <a:p>
-            <a:pPr marL="0" indent="0">
-              <a:buNone/>
+              <a:rPr kumimoji="0" lang="en-US" altLang="en-US" sz="2000" b="0" i="0" u="none" strike="noStrike" cap="none" normalizeH="0" baseline="0" dirty="0">
+                <a:ln>
+                  <a:noFill/>
+                </a:ln>
+                <a:solidFill>
+                  <a:schemeClr val="accent1">
+                    <a:lumMod val="75000"/>
+                  </a:schemeClr>
+                </a:solidFill>
+                <a:effectLst/>
+                <a:latin typeface="+mj-lt"/>
+              </a:rPr>
+              <a:t>JavaScript remains the dominant language, with Python and SQL showing high demand and usage.</a:t>
+            </a:r>
+          </a:p>
+          <a:p>
+            <a:pPr marL="342900" marR="0" lvl="0" indent="-342900" algn="l" defTabSz="914400" rtl="0" eaLnBrk="0" fontAlgn="base" latinLnBrk="0" hangingPunct="0">
+              <a:lnSpc>
+                <a:spcPct val="100000"/>
+              </a:lnSpc>
+              <a:spcBef>
+                <a:spcPct val="0"/>
+              </a:spcBef>
+              <a:spcAft>
+                <a:spcPct val="0"/>
+              </a:spcAft>
+              <a:buClrTx/>
+              <a:buSzTx/>
+              <a:buFont typeface="Wingdings" panose="05000000000000000000" pitchFamily="2" charset="2"/>
+              <a:buChar char="q"/>
+              <a:tabLst/>
             </a:pPr>
-            <a:endParaRPr lang="en-US" dirty="0"/>
-          </a:p>
-          <a:p>
-            <a:r>
-              <a:rPr lang="en-US" dirty="0"/>
-              <a:t>Finding 1</a:t>
-            </a:r>
-          </a:p>
-          <a:p>
-            <a:r>
-              <a:rPr lang="en-US" dirty="0"/>
-              <a:t>Finding 2</a:t>
-            </a:r>
-          </a:p>
-          <a:p>
-            <a:r>
-              <a:rPr lang="en-US" dirty="0"/>
-              <a:t>Finding 3</a:t>
+            <a:r>
+              <a:rPr kumimoji="0" lang="en-US" altLang="en-US" sz="2000" b="0" i="0" u="none" strike="noStrike" cap="none" normalizeH="0" baseline="0" dirty="0">
+                <a:ln>
+                  <a:noFill/>
+                </a:ln>
+                <a:solidFill>
+                  <a:schemeClr val="accent1">
+                    <a:lumMod val="75000"/>
+                  </a:schemeClr>
+                </a:solidFill>
+                <a:effectLst/>
+                <a:latin typeface="+mj-lt"/>
+              </a:rPr>
+              <a:t>PostgreSQL, MySQL, and MongoDB are leading databases, with PostgreSQL being the most desired.</a:t>
+            </a:r>
+          </a:p>
+          <a:p>
+            <a:pPr marL="342900" marR="0" lvl="0" indent="-342900" algn="l" defTabSz="914400" rtl="0" eaLnBrk="0" fontAlgn="base" latinLnBrk="0" hangingPunct="0">
+              <a:lnSpc>
+                <a:spcPct val="100000"/>
+              </a:lnSpc>
+              <a:spcBef>
+                <a:spcPct val="0"/>
+              </a:spcBef>
+              <a:spcAft>
+                <a:spcPct val="0"/>
+              </a:spcAft>
+              <a:buClrTx/>
+              <a:buSzTx/>
+              <a:buFont typeface="Wingdings" panose="05000000000000000000" pitchFamily="2" charset="2"/>
+              <a:buChar char="q"/>
+              <a:tabLst/>
+            </a:pPr>
+            <a:r>
+              <a:rPr kumimoji="0" lang="en-US" altLang="en-US" sz="2000" b="0" i="0" u="none" strike="noStrike" cap="none" normalizeH="0" baseline="0" dirty="0">
+                <a:ln>
+                  <a:noFill/>
+                </a:ln>
+                <a:solidFill>
+                  <a:schemeClr val="accent1">
+                    <a:lumMod val="75000"/>
+                  </a:schemeClr>
+                </a:solidFill>
+                <a:effectLst/>
+                <a:latin typeface="+mj-lt"/>
+              </a:rPr>
+              <a:t>Linux, Docker, and Kubernetes are key platforms for developers, reflecting a shift towards cloud-native technologies.</a:t>
+            </a:r>
+          </a:p>
+          <a:p>
+            <a:pPr marL="342900" marR="0" lvl="0" indent="-342900" algn="l" defTabSz="914400" rtl="0" eaLnBrk="0" fontAlgn="base" latinLnBrk="0" hangingPunct="0">
+              <a:lnSpc>
+                <a:spcPct val="100000"/>
+              </a:lnSpc>
+              <a:spcBef>
+                <a:spcPct val="0"/>
+              </a:spcBef>
+              <a:spcAft>
+                <a:spcPct val="0"/>
+              </a:spcAft>
+              <a:buClrTx/>
+              <a:buSzTx/>
+              <a:buFont typeface="Wingdings" panose="05000000000000000000" pitchFamily="2" charset="2"/>
+              <a:buChar char="q"/>
+              <a:tabLst/>
+            </a:pPr>
+            <a:r>
+              <a:rPr kumimoji="0" lang="en-US" altLang="en-US" sz="2000" b="0" i="0" u="none" strike="noStrike" cap="none" normalizeH="0" baseline="0" dirty="0">
+                <a:ln>
+                  <a:noFill/>
+                </a:ln>
+                <a:solidFill>
+                  <a:schemeClr val="accent1">
+                    <a:lumMod val="75000"/>
+                  </a:schemeClr>
+                </a:solidFill>
+                <a:effectLst/>
+                <a:latin typeface="+mj-lt"/>
+              </a:rPr>
+              <a:t>React.js, Angular, and jQuery are the most commonly used web frameworks, with React.js being the most desired for future use.</a:t>
+            </a:r>
+          </a:p>
+          <a:p>
+            <a:pPr marL="342900" marR="0" lvl="0" indent="-342900" algn="l" defTabSz="914400" rtl="0" eaLnBrk="0" fontAlgn="base" latinLnBrk="0" hangingPunct="0">
+              <a:lnSpc>
+                <a:spcPct val="100000"/>
+              </a:lnSpc>
+              <a:spcBef>
+                <a:spcPct val="0"/>
+              </a:spcBef>
+              <a:spcAft>
+                <a:spcPct val="0"/>
+              </a:spcAft>
+              <a:buClrTx/>
+              <a:buSzTx/>
+              <a:buFont typeface="Wingdings" panose="05000000000000000000" pitchFamily="2" charset="2"/>
+              <a:buChar char="q"/>
+              <a:tabLst/>
+            </a:pPr>
+            <a:r>
+              <a:rPr kumimoji="0" lang="en-US" altLang="en-US" sz="2000" b="0" i="0" u="none" strike="noStrike" cap="none" normalizeH="0" baseline="0" dirty="0">
+                <a:ln>
+                  <a:noFill/>
+                </a:ln>
+                <a:solidFill>
+                  <a:schemeClr val="accent1">
+                    <a:lumMod val="75000"/>
+                  </a:schemeClr>
+                </a:solidFill>
+                <a:effectLst/>
+                <a:latin typeface="+mj-lt"/>
+              </a:rPr>
+              <a:t>The majority of developers are aged 20-30, hold a bachelor’s degree or higher, and are predominantly male. </a:t>
             </a:r>
           </a:p>
         </p:txBody>
       </p:sp>
       <p:sp>
         <p:nvSpPr>
-          <p:cNvPr id="4" name="Content Placeholder 3">
+          <p:cNvPr id="11" name="TextBox 10">
             <a:extLst>
               <a:ext uri="{FF2B5EF4-FFF2-40B4-BE49-F238E27FC236}">
-                <a16:creationId xmlns:a16="http://schemas.microsoft.com/office/drawing/2014/main" id="{ACA6A89D-097D-4968-A07A-39A5B4F78A62}"/>
+                <a16:creationId xmlns:a16="http://schemas.microsoft.com/office/drawing/2014/main" id="{EED286EF-0E5D-292E-726A-652FEE0CA270}"/>
               </a:ext>
             </a:extLst>
           </p:cNvPr>
-          <p:cNvSpPr>
-            <a:spLocks noGrp="1"/>
-          </p:cNvSpPr>
-          <p:nvPr>
-            <p:ph sz="half" idx="2"/>
-          </p:nvPr>
+          <p:cNvSpPr txBox="1"/>
+          <p:nvPr/>
         </p:nvSpPr>
-        <p:spPr/>
+        <p:spPr>
+          <a:xfrm>
+            <a:off x="6096000" y="1536423"/>
+            <a:ext cx="5854263" cy="4708981"/>
+          </a:xfrm>
+          <a:prstGeom prst="rect">
+            <a:avLst/>
+          </a:prstGeom>
+          <a:noFill/>
+        </p:spPr>
         <p:txBody>
-          <a:bodyPr>
-            <a:normAutofit/>
+          <a:bodyPr wrap="square">
+            <a:spAutoFit/>
           </a:bodyPr>
           <a:lstStyle/>
           <a:p>
-            <a:pPr marL="0" indent="0">
-              <a:buNone/>
+            <a:pPr marL="342900" indent="-342900">
+              <a:buFont typeface="Wingdings" panose="05000000000000000000" pitchFamily="2" charset="2"/>
+              <a:buChar char="q"/>
             </a:pPr>
             <a:r>
-              <a:rPr lang="en-US" dirty="0"/>
-              <a:t>Implications</a:t>
-            </a:r>
-          </a:p>
-          <a:p>
-            <a:pPr marL="0" indent="0">
-              <a:buNone/>
+              <a:rPr lang="en-US" sz="2000" dirty="0">
+                <a:solidFill>
+                  <a:schemeClr val="accent1">
+                    <a:lumMod val="75000"/>
+                  </a:schemeClr>
+                </a:solidFill>
+              </a:rPr>
+              <a:t>Developers should focus on mastering JavaScript, Python, and SQL to stay competitive in the job market.</a:t>
+            </a:r>
+          </a:p>
+          <a:p>
+            <a:pPr marL="342900" indent="-342900">
+              <a:buFont typeface="Wingdings" panose="05000000000000000000" pitchFamily="2" charset="2"/>
+              <a:buChar char="q"/>
             </a:pPr>
-            <a:endParaRPr lang="en-US" dirty="0"/>
-          </a:p>
-          <a:p>
-            <a:r>
-              <a:rPr lang="en-US" dirty="0"/>
-              <a:t>Implication 1</a:t>
-            </a:r>
-          </a:p>
-          <a:p>
-            <a:r>
-              <a:rPr lang="en-US" dirty="0"/>
-              <a:t>Implication 2</a:t>
-            </a:r>
-          </a:p>
-          <a:p>
-            <a:r>
-              <a:rPr lang="en-US" dirty="0"/>
-              <a:t>Implication 3</a:t>
+            <a:r>
+              <a:rPr lang="en-US" sz="2000" dirty="0">
+                <a:solidFill>
+                  <a:schemeClr val="accent1">
+                    <a:lumMod val="75000"/>
+                  </a:schemeClr>
+                </a:solidFill>
+              </a:rPr>
+              <a:t>With the growing adoption of PostgreSQL and NoSQL databases, backend developers should gain expertise in both relational and non-relational databases.</a:t>
+            </a:r>
+          </a:p>
+          <a:p>
+            <a:pPr marL="342900" indent="-342900">
+              <a:buFont typeface="Wingdings" panose="05000000000000000000" pitchFamily="2" charset="2"/>
+              <a:buChar char="q"/>
+            </a:pPr>
+            <a:r>
+              <a:rPr lang="en-US" sz="2000" dirty="0">
+                <a:solidFill>
+                  <a:schemeClr val="accent1">
+                    <a:lumMod val="75000"/>
+                  </a:schemeClr>
+                </a:solidFill>
+              </a:rPr>
+              <a:t>Familiarity with cloud platforms, containerization, and orchestration tools such as Docker and Kubernetes is crucial for modern development.</a:t>
+            </a:r>
+          </a:p>
+          <a:p>
+            <a:pPr marL="342900" indent="-342900">
+              <a:buFont typeface="Wingdings" panose="05000000000000000000" pitchFamily="2" charset="2"/>
+              <a:buChar char="q"/>
+            </a:pPr>
+            <a:r>
+              <a:rPr lang="en-US" sz="2000" dirty="0">
+                <a:solidFill>
+                  <a:schemeClr val="accent1">
+                    <a:lumMod val="75000"/>
+                  </a:schemeClr>
+                </a:solidFill>
+              </a:rPr>
+              <a:t>Learning React.js and keeping up with modern web frameworks can enhance employability in front-end roles.</a:t>
+            </a:r>
+          </a:p>
+          <a:p>
+            <a:pPr marL="342900" indent="-342900">
+              <a:buFont typeface="Wingdings" panose="05000000000000000000" pitchFamily="2" charset="2"/>
+              <a:buChar char="q"/>
+            </a:pPr>
+            <a:r>
+              <a:rPr lang="en-US" sz="2000" dirty="0">
+                <a:solidFill>
+                  <a:schemeClr val="accent1">
+                    <a:lumMod val="75000"/>
+                  </a:schemeClr>
+                </a:solidFill>
+              </a:rPr>
+              <a:t>There’s a need to address gender disparity and increase diversity in the developer community.</a:t>
             </a:r>
           </a:p>
         </p:txBody>
@@ -7226,57 +9541,6 @@
           </a:p>
         </p:txBody>
       </p:sp>
-      <p:sp>
-        <p:nvSpPr>
-          <p:cNvPr id="5" name="Content Placeholder 3">
-            <a:extLst>
-              <a:ext uri="{FF2B5EF4-FFF2-40B4-BE49-F238E27FC236}">
-                <a16:creationId xmlns:a16="http://schemas.microsoft.com/office/drawing/2014/main" id="{28684E62-A9F8-4E7A-AB01-78893062A1B4}"/>
-              </a:ext>
-            </a:extLst>
-          </p:cNvPr>
-          <p:cNvSpPr>
-            <a:spLocks noGrp="1"/>
-          </p:cNvSpPr>
-          <p:nvPr>
-            <p:ph sz="half" idx="2"/>
-          </p:nvPr>
-        </p:nvSpPr>
-        <p:spPr>
-          <a:xfrm>
-            <a:off x="4544291" y="1825625"/>
-            <a:ext cx="6809509" cy="4351338"/>
-          </a:xfrm>
-        </p:spPr>
-        <p:txBody>
-          <a:bodyPr/>
-          <a:lstStyle/>
-          <a:p>
-            <a:r>
-              <a:rPr lang="en-US" dirty="0"/>
-              <a:t>Point 1</a:t>
-            </a:r>
-          </a:p>
-          <a:p>
-            <a:r>
-              <a:rPr lang="en-US" dirty="0"/>
-              <a:t>Point 2</a:t>
-            </a:r>
-          </a:p>
-          <a:p>
-            <a:r>
-              <a:rPr lang="en-US" dirty="0"/>
-              <a:t>Point 3</a:t>
-            </a:r>
-          </a:p>
-          <a:p>
-            <a:r>
-              <a:rPr lang="en-US" dirty="0"/>
-              <a:t>Point 4</a:t>
-            </a:r>
-          </a:p>
-        </p:txBody>
-      </p:sp>
       <p:pic>
         <p:nvPicPr>
           <p:cNvPr id="6" name="Content Placeholder 5">
@@ -7301,7 +9565,7 @@
         </p:blipFill>
         <p:spPr>
           <a:xfrm>
-            <a:off x="1125967" y="2113896"/>
+            <a:off x="512781" y="2253745"/>
             <a:ext cx="3054361" cy="3054361"/>
           </a:xfrm>
           <a:prstGeom prst="rect">
@@ -7309,6 +9573,278 @@
           </a:prstGeom>
         </p:spPr>
       </p:pic>
+      <p:sp>
+        <p:nvSpPr>
+          <p:cNvPr id="7" name="Rectangle 1">
+            <a:extLst>
+              <a:ext uri="{FF2B5EF4-FFF2-40B4-BE49-F238E27FC236}">
+                <a16:creationId xmlns:a16="http://schemas.microsoft.com/office/drawing/2014/main" id="{7263A4BB-B703-09B5-1422-300DC1A0179E}"/>
+              </a:ext>
+            </a:extLst>
+          </p:cNvPr>
+          <p:cNvSpPr>
+            <a:spLocks noChangeArrowheads="1"/>
+          </p:cNvSpPr>
+          <p:nvPr/>
+        </p:nvSpPr>
+        <p:spPr bwMode="auto">
+          <a:xfrm rot="10800000" flipV="1">
+            <a:off x="3872753" y="1650757"/>
+            <a:ext cx="8024392" cy="4062651"/>
+          </a:xfrm>
+          <a:prstGeom prst="rect">
+            <a:avLst/>
+          </a:prstGeom>
+          <a:noFill/>
+          <a:ln>
+            <a:noFill/>
+          </a:ln>
+          <a:effectLst/>
+          <a:extLst>
+            <a:ext uri="{909E8E84-426E-40DD-AFC4-6F175D3DCCD1}">
+              <a14:hiddenFill xmlns:a14="http://schemas.microsoft.com/office/drawing/2010/main">
+                <a:solidFill>
+                  <a:schemeClr val="accent1"/>
+                </a:solidFill>
+              </a14:hiddenFill>
+            </a:ext>
+            <a:ext uri="{91240B29-F687-4F45-9708-019B960494DF}">
+              <a14:hiddenLine xmlns:a14="http://schemas.microsoft.com/office/drawing/2010/main" w="9525">
+                <a:solidFill>
+                  <a:schemeClr val="tx1"/>
+                </a:solidFill>
+                <a:miter lim="800000"/>
+                <a:headEnd/>
+                <a:tailEnd/>
+              </a14:hiddenLine>
+            </a:ext>
+            <a:ext uri="{AF507438-7753-43E0-B8FC-AC1667EBCBE1}">
+              <a14:hiddenEffects xmlns:a14="http://schemas.microsoft.com/office/drawing/2010/main">
+                <a:effectLst>
+                  <a:outerShdw dist="35921" dir="2700000" algn="ctr" rotWithShape="0">
+                    <a:schemeClr val="bg2"/>
+                  </a:outerShdw>
+                </a:effectLst>
+              </a14:hiddenEffects>
+            </a:ext>
+          </a:extLst>
+        </p:spPr>
+        <p:txBody>
+          <a:bodyPr vert="horz" wrap="square" lIns="91440" tIns="45720" rIns="91440" bIns="45720" numCol="1" anchor="ctr" anchorCtr="0" compatLnSpc="1">
+            <a:prstTxWarp prst="textNoShape">
+              <a:avLst/>
+            </a:prstTxWarp>
+            <a:spAutoFit/>
+          </a:bodyPr>
+          <a:lstStyle/>
+          <a:p>
+            <a:pPr marL="0" marR="0" lvl="0" indent="0" algn="l" defTabSz="914400" rtl="0" eaLnBrk="0" fontAlgn="base" latinLnBrk="0" hangingPunct="0">
+              <a:lnSpc>
+                <a:spcPct val="100000"/>
+              </a:lnSpc>
+              <a:spcBef>
+                <a:spcPct val="0"/>
+              </a:spcBef>
+              <a:spcAft>
+                <a:spcPct val="0"/>
+              </a:spcAft>
+              <a:buClrTx/>
+              <a:buSzTx/>
+              <a:buFontTx/>
+              <a:buNone/>
+              <a:tabLst/>
+            </a:pPr>
+            <a:endParaRPr kumimoji="0" lang="en-US" altLang="en-US" sz="1800" b="0" i="0" u="none" strike="noStrike" cap="none" normalizeH="0" baseline="0" dirty="0">
+              <a:ln>
+                <a:noFill/>
+              </a:ln>
+              <a:solidFill>
+                <a:schemeClr val="tx1"/>
+              </a:solidFill>
+              <a:effectLst/>
+              <a:latin typeface="Arial" panose="020B0604020202020204" pitchFamily="34" charset="0"/>
+            </a:endParaRPr>
+          </a:p>
+          <a:p>
+            <a:pPr marL="342900" marR="0" lvl="0" indent="-342900" algn="l" defTabSz="914400" rtl="0" eaLnBrk="0" fontAlgn="base" latinLnBrk="0" hangingPunct="0">
+              <a:lnSpc>
+                <a:spcPct val="100000"/>
+              </a:lnSpc>
+              <a:spcBef>
+                <a:spcPct val="0"/>
+              </a:spcBef>
+              <a:spcAft>
+                <a:spcPct val="0"/>
+              </a:spcAft>
+              <a:buClrTx/>
+              <a:buSzTx/>
+              <a:buFont typeface="Wingdings" panose="05000000000000000000" pitchFamily="2" charset="2"/>
+              <a:buChar char="q"/>
+              <a:tabLst/>
+            </a:pPr>
+            <a:r>
+              <a:rPr kumimoji="0" lang="en-US" altLang="en-US" sz="2000" b="0" i="0" u="none" strike="noStrike" cap="none" normalizeH="0" baseline="0" dirty="0">
+                <a:ln>
+                  <a:noFill/>
+                </a:ln>
+                <a:solidFill>
+                  <a:schemeClr val="accent1">
+                    <a:lumMod val="75000"/>
+                  </a:schemeClr>
+                </a:solidFill>
+                <a:effectLst/>
+                <a:latin typeface="+mj-lt"/>
+              </a:rPr>
+              <a:t>The survey results reveal key trends in programming languages, databases, platforms, and frameworks that are shaping the future of software development.</a:t>
+            </a:r>
+          </a:p>
+          <a:p>
+            <a:pPr marL="342900" marR="0" lvl="0" indent="-342900" algn="l" defTabSz="914400" rtl="0" eaLnBrk="0" fontAlgn="base" latinLnBrk="0" hangingPunct="0">
+              <a:lnSpc>
+                <a:spcPct val="100000"/>
+              </a:lnSpc>
+              <a:spcBef>
+                <a:spcPct val="0"/>
+              </a:spcBef>
+              <a:spcAft>
+                <a:spcPct val="0"/>
+              </a:spcAft>
+              <a:buClrTx/>
+              <a:buSzTx/>
+              <a:buFont typeface="Wingdings" panose="05000000000000000000" pitchFamily="2" charset="2"/>
+              <a:buChar char="q"/>
+              <a:tabLst/>
+            </a:pPr>
+            <a:r>
+              <a:rPr kumimoji="0" lang="en-US" altLang="en-US" sz="2000" b="0" i="0" u="none" strike="noStrike" cap="none" normalizeH="0" baseline="0" dirty="0">
+                <a:ln>
+                  <a:noFill/>
+                </a:ln>
+                <a:solidFill>
+                  <a:schemeClr val="accent1">
+                    <a:lumMod val="75000"/>
+                  </a:schemeClr>
+                </a:solidFill>
+                <a:effectLst/>
+                <a:latin typeface="+mj-lt"/>
+              </a:rPr>
+              <a:t>JavaScript, Python, and React.js continue to dominate the development landscape, while PostgreSQL and Docker see increasing demand.</a:t>
+            </a:r>
+          </a:p>
+          <a:p>
+            <a:pPr marL="342900" marR="0" lvl="0" indent="-342900" algn="l" defTabSz="914400" rtl="0" eaLnBrk="0" fontAlgn="base" latinLnBrk="0" hangingPunct="0">
+              <a:lnSpc>
+                <a:spcPct val="100000"/>
+              </a:lnSpc>
+              <a:spcBef>
+                <a:spcPct val="0"/>
+              </a:spcBef>
+              <a:spcAft>
+                <a:spcPct val="0"/>
+              </a:spcAft>
+              <a:buClrTx/>
+              <a:buSzTx/>
+              <a:buFont typeface="Wingdings" panose="05000000000000000000" pitchFamily="2" charset="2"/>
+              <a:buChar char="q"/>
+              <a:tabLst/>
+            </a:pPr>
+            <a:r>
+              <a:rPr kumimoji="0" lang="en-US" altLang="en-US" sz="2000" b="0" i="0" u="none" strike="noStrike" cap="none" normalizeH="0" baseline="0" dirty="0">
+                <a:ln>
+                  <a:noFill/>
+                </a:ln>
+                <a:solidFill>
+                  <a:schemeClr val="accent1">
+                    <a:lumMod val="75000"/>
+                  </a:schemeClr>
+                </a:solidFill>
+                <a:effectLst/>
+                <a:latin typeface="+mj-lt"/>
+              </a:rPr>
+              <a:t>Developers need to stay adaptable by learning emerging technologies, especially in cloud-native and NoSQL solutions.</a:t>
+            </a:r>
+          </a:p>
+          <a:p>
+            <a:pPr marL="342900" marR="0" lvl="0" indent="-342900" algn="l" defTabSz="914400" rtl="0" eaLnBrk="0" fontAlgn="base" latinLnBrk="0" hangingPunct="0">
+              <a:lnSpc>
+                <a:spcPct val="100000"/>
+              </a:lnSpc>
+              <a:spcBef>
+                <a:spcPct val="0"/>
+              </a:spcBef>
+              <a:spcAft>
+                <a:spcPct val="0"/>
+              </a:spcAft>
+              <a:buClrTx/>
+              <a:buSzTx/>
+              <a:buFont typeface="Wingdings" panose="05000000000000000000" pitchFamily="2" charset="2"/>
+              <a:buChar char="q"/>
+              <a:tabLst/>
+            </a:pPr>
+            <a:r>
+              <a:rPr kumimoji="0" lang="en-US" altLang="en-US" sz="2000" b="0" i="0" u="none" strike="noStrike" cap="none" normalizeH="0" baseline="0" dirty="0">
+                <a:ln>
+                  <a:noFill/>
+                </a:ln>
+                <a:solidFill>
+                  <a:schemeClr val="accent1">
+                    <a:lumMod val="75000"/>
+                  </a:schemeClr>
+                </a:solidFill>
+                <a:effectLst/>
+                <a:latin typeface="+mj-lt"/>
+              </a:rPr>
+              <a:t>The analysis also highlights demographic trends, emphasizing the need for more inclusivity and diversity in the developer community.</a:t>
+            </a:r>
+          </a:p>
+          <a:p>
+            <a:pPr marL="342900" marR="0" lvl="0" indent="-342900" algn="l" defTabSz="914400" rtl="0" eaLnBrk="0" fontAlgn="base" latinLnBrk="0" hangingPunct="0">
+              <a:lnSpc>
+                <a:spcPct val="100000"/>
+              </a:lnSpc>
+              <a:spcBef>
+                <a:spcPct val="0"/>
+              </a:spcBef>
+              <a:spcAft>
+                <a:spcPct val="0"/>
+              </a:spcAft>
+              <a:buClrTx/>
+              <a:buSzTx/>
+              <a:buFont typeface="Wingdings" panose="05000000000000000000" pitchFamily="2" charset="2"/>
+              <a:buChar char="q"/>
+              <a:tabLst/>
+            </a:pPr>
+            <a:r>
+              <a:rPr kumimoji="0" lang="en-US" altLang="en-US" sz="2000" b="0" i="0" u="none" strike="noStrike" cap="none" normalizeH="0" baseline="0" dirty="0">
+                <a:ln>
+                  <a:noFill/>
+                </a:ln>
+                <a:solidFill>
+                  <a:schemeClr val="accent1">
+                    <a:lumMod val="75000"/>
+                  </a:schemeClr>
+                </a:solidFill>
+                <a:effectLst/>
+                <a:latin typeface="+mj-lt"/>
+              </a:rPr>
+              <a:t>Continuous learning, along with a focus on both technical and soft skills, is critical for developers to remain competitive in an ever-evolving tech industry.</a:t>
+            </a:r>
+            <a:r>
+              <a:rPr kumimoji="0" lang="en-US" altLang="en-US" sz="1800" b="0" i="0" u="none" strike="noStrike" cap="none" normalizeH="0" baseline="0" dirty="0">
+                <a:ln>
+                  <a:noFill/>
+                </a:ln>
+                <a:solidFill>
+                  <a:schemeClr val="tx1"/>
+                </a:solidFill>
+                <a:effectLst/>
+                <a:latin typeface="Arial" panose="020B0604020202020204" pitchFamily="34" charset="0"/>
+              </a:rPr>
+              <a:t> </a:t>
+            </a:r>
+          </a:p>
+        </p:txBody>
+      </p:sp>
     </p:spTree>
     <p:extLst>
       <p:ext uri="{BB962C8B-B14F-4D97-AF65-F5344CB8AC3E}">
@@ -7374,39 +9910,6 @@
           </a:p>
         </p:txBody>
       </p:sp>
-      <p:sp>
-        <p:nvSpPr>
-          <p:cNvPr id="5" name="Content Placeholder 3">
-            <a:extLst>
-              <a:ext uri="{FF2B5EF4-FFF2-40B4-BE49-F238E27FC236}">
-                <a16:creationId xmlns:a16="http://schemas.microsoft.com/office/drawing/2014/main" id="{28684E62-A9F8-4E7A-AB01-78893062A1B4}"/>
-              </a:ext>
-            </a:extLst>
-          </p:cNvPr>
-          <p:cNvSpPr>
-            <a:spLocks noGrp="1"/>
-          </p:cNvSpPr>
-          <p:nvPr>
-            <p:ph sz="half" idx="2"/>
-          </p:nvPr>
-        </p:nvSpPr>
-        <p:spPr>
-          <a:xfrm>
-            <a:off x="4544291" y="1825625"/>
-            <a:ext cx="6809509" cy="4351338"/>
-          </a:xfrm>
-        </p:spPr>
-        <p:txBody>
-          <a:bodyPr/>
-          <a:lstStyle/>
-          <a:p>
-            <a:r>
-              <a:rPr lang="en-US" dirty="0"/>
-              <a:t>Include any relevant additional charts, or tables that you may have created during the analysis phase.</a:t>
-            </a:r>
-          </a:p>
-        </p:txBody>
-      </p:sp>
       <p:pic>
         <p:nvPicPr>
           <p:cNvPr id="4" name="Content Placeholder 3">
@@ -7424,15 +9927,45 @@
           </p:nvPr>
         </p:nvPicPr>
         <p:blipFill>
-          <a:blip r:embed="rId2"/>
+          <a:blip r:embed="rId3"/>
           <a:stretch>
             <a:fillRect/>
           </a:stretch>
         </p:blipFill>
         <p:spPr>
           <a:xfrm>
-            <a:off x="1055857" y="1849823"/>
+            <a:off x="624932" y="2028499"/>
             <a:ext cx="3194581" cy="3194581"/>
+          </a:xfrm>
+          <a:prstGeom prst="rect">
+            <a:avLst/>
+          </a:prstGeom>
+        </p:spPr>
+      </p:pic>
+      <p:pic>
+        <p:nvPicPr>
+          <p:cNvPr id="8" name="Picture 7">
+            <a:extLst>
+              <a:ext uri="{FF2B5EF4-FFF2-40B4-BE49-F238E27FC236}">
+                <a16:creationId xmlns:a16="http://schemas.microsoft.com/office/drawing/2014/main" id="{F815259A-03BE-D7B3-4177-A870A5587156}"/>
+              </a:ext>
+            </a:extLst>
+          </p:cNvPr>
+          <p:cNvPicPr>
+            <a:picLocks noChangeAspect="1"/>
+          </p:cNvPicPr>
+          <p:nvPr/>
+        </p:nvPicPr>
+        <p:blipFill>
+          <a:blip r:embed="rId4"/>
+          <a:stretch>
+            <a:fillRect/>
+          </a:stretch>
+        </p:blipFill>
+        <p:spPr>
+          <a:xfrm>
+            <a:off x="3952875" y="1538217"/>
+            <a:ext cx="7400925" cy="4762713"/>
           </a:xfrm>
           <a:prstGeom prst="rect">
             <a:avLst/>
@@ -7487,8 +10020,8 @@
         </p:nvSpPr>
         <p:spPr>
           <a:xfrm>
-            <a:off x="538248" y="383051"/>
-            <a:ext cx="5929053" cy="1325563"/>
+            <a:off x="838200" y="365125"/>
+            <a:ext cx="10515600" cy="1325563"/>
           </a:xfrm>
         </p:spPr>
         <p:txBody>
@@ -7499,66 +10032,77 @@
           <a:p>
             <a:r>
               <a:rPr lang="en-US" dirty="0"/>
-              <a:t> JOB POSTINGS</a:t>
+              <a:t>APPENDIX</a:t>
             </a:r>
           </a:p>
         </p:txBody>
       </p:sp>
-      <p:sp>
-        <p:nvSpPr>
-          <p:cNvPr id="3" name="Content Placeholder 2">
+      <p:pic>
+        <p:nvPicPr>
+          <p:cNvPr id="4" name="Content Placeholder 3">
             <a:extLst>
               <a:ext uri="{FF2B5EF4-FFF2-40B4-BE49-F238E27FC236}">
-                <a16:creationId xmlns:a16="http://schemas.microsoft.com/office/drawing/2014/main" id="{902FD5C4-FE5F-46D2-ABC9-49FA4BB8442F}"/>
+                <a16:creationId xmlns:a16="http://schemas.microsoft.com/office/drawing/2014/main" id="{D5D63823-FC2E-4AC2-93D5-3C2B6F315436}"/>
               </a:ext>
             </a:extLst>
           </p:cNvPr>
-          <p:cNvSpPr>
-            <a:spLocks noGrp="1"/>
-          </p:cNvSpPr>
+          <p:cNvPicPr>
+            <a:picLocks noGrp="1" noChangeAspect="1"/>
+          </p:cNvPicPr>
           <p:nvPr>
-            <p:ph sz="half" idx="2"/>
+            <p:ph sz="half" idx="1"/>
           </p:nvPr>
-        </p:nvSpPr>
+        </p:nvPicPr>
+        <p:blipFill>
+          <a:blip r:embed="rId3"/>
+          <a:stretch>
+            <a:fillRect/>
+          </a:stretch>
+        </p:blipFill>
         <p:spPr>
           <a:xfrm>
-            <a:off x="914400" y="2191385"/>
-            <a:ext cx="10489276" cy="2862753"/>
+            <a:off x="624932" y="2028499"/>
+            <a:ext cx="3194581" cy="3194581"/>
           </a:xfrm>
+          <a:prstGeom prst="rect">
+            <a:avLst/>
+          </a:prstGeom>
         </p:spPr>
-        <p:txBody>
-          <a:bodyPr>
-            <a:normAutofit/>
-          </a:bodyPr>
-          <a:lstStyle/>
-          <a:p>
-            <a:pPr marL="0" indent="0">
-              <a:buNone/>
-            </a:pPr>
-            <a:r>
-              <a:rPr lang="en-US" sz="2200" dirty="0"/>
-              <a:t>In Module 1 you have collected the job posting data using Job API in a file named “</a:t>
-            </a:r>
-            <a:r>
-              <a:rPr lang="en-IN" sz="2400" dirty="0"/>
-              <a:t>job-postings.xlsx</a:t>
-            </a:r>
-            <a:r>
-              <a:rPr lang="en-US" sz="2200" dirty="0"/>
-              <a:t>”. Present that data using a bar chart here. Order the bar chart in the descending order of the number of job </a:t>
-            </a:r>
-            <a:r>
-              <a:rPr lang="en-US" sz="2200"/>
-              <a:t>postings.</a:t>
-            </a:r>
-            <a:endParaRPr lang="en-US" sz="2200" dirty="0"/>
-          </a:p>
-        </p:txBody>
-      </p:sp>
+      </p:pic>
+      <p:pic>
+        <p:nvPicPr>
+          <p:cNvPr id="5" name="Picture 4">
+            <a:extLst>
+              <a:ext uri="{FF2B5EF4-FFF2-40B4-BE49-F238E27FC236}">
+                <a16:creationId xmlns:a16="http://schemas.microsoft.com/office/drawing/2014/main" id="{D408B69F-2C14-28F8-2ED9-AD8ACA0770C9}"/>
+              </a:ext>
+            </a:extLst>
+          </p:cNvPr>
+          <p:cNvPicPr>
+            <a:picLocks noChangeAspect="1"/>
+          </p:cNvPicPr>
+          <p:nvPr/>
+        </p:nvPicPr>
+        <p:blipFill>
+          <a:blip r:embed="rId4"/>
+          <a:stretch>
+            <a:fillRect/>
+          </a:stretch>
+        </p:blipFill>
+        <p:spPr>
+          <a:xfrm>
+            <a:off x="4042858" y="1454533"/>
+            <a:ext cx="7310942" cy="4660939"/>
+          </a:xfrm>
+          <a:prstGeom prst="rect">
+            <a:avLst/>
+          </a:prstGeom>
+        </p:spPr>
+      </p:pic>
     </p:spTree>
     <p:extLst>
       <p:ext uri="{BB962C8B-B14F-4D97-AF65-F5344CB8AC3E}">
-        <p14:creationId xmlns:p14="http://schemas.microsoft.com/office/powerpoint/2010/main" val="3078551498"/>
+        <p14:creationId xmlns:p14="http://schemas.microsoft.com/office/powerpoint/2010/main" val="4225693268"/>
       </p:ext>
     </p:extLst>
   </p:cSld>
@@ -8312,17 +10856,77 @@
           <a:p>
             <a:r>
               <a:rPr lang="en-US" dirty="0"/>
-              <a:t>POPULAR LANGUAGES</a:t>
+              <a:t> JOB POSTINGS</a:t>
             </a:r>
           </a:p>
         </p:txBody>
       </p:sp>
+      <p:graphicFrame>
+        <p:nvGraphicFramePr>
+          <p:cNvPr id="6" name="Chart 5">
+            <a:extLst>
+              <a:ext uri="{FF2B5EF4-FFF2-40B4-BE49-F238E27FC236}">
+                <a16:creationId xmlns:a16="http://schemas.microsoft.com/office/drawing/2014/main" id="{74D31132-E596-4407-5F25-F31539ED88BA}"/>
+              </a:ext>
+            </a:extLst>
+          </p:cNvPr>
+          <p:cNvGraphicFramePr>
+            <a:graphicFrameLocks/>
+          </p:cNvGraphicFramePr>
+          <p:nvPr>
+            <p:extLst>
+              <p:ext uri="{D42A27DB-BD31-4B8C-83A1-F6EECF244321}">
+                <p14:modId xmlns:p14="http://schemas.microsoft.com/office/powerpoint/2010/main" val="3575644755"/>
+              </p:ext>
+            </p:extLst>
+          </p:nvPr>
+        </p:nvGraphicFramePr>
+        <p:xfrm>
+          <a:off x="761999" y="1708614"/>
+          <a:ext cx="7425559" cy="4313814"/>
+        </p:xfrm>
+        <a:graphic>
+          <a:graphicData uri="http://schemas.openxmlformats.org/drawingml/2006/chart">
+            <c:chart xmlns:c="http://schemas.openxmlformats.org/drawingml/2006/chart" xmlns:r="http://schemas.openxmlformats.org/officeDocument/2006/relationships" r:id="rId2"/>
+          </a:graphicData>
+        </a:graphic>
+      </p:graphicFrame>
+    </p:spTree>
+    <p:extLst>
+      <p:ext uri="{BB962C8B-B14F-4D97-AF65-F5344CB8AC3E}">
+        <p14:creationId xmlns:p14="http://schemas.microsoft.com/office/powerpoint/2010/main" val="3078551498"/>
+      </p:ext>
+    </p:extLst>
+  </p:cSld>
+  <p:clrMapOvr>
+    <a:masterClrMapping/>
+  </p:clrMapOvr>
+</p:sld>
+</file>
+
+<file path=ppt/slides/slide21.xml><?xml version="1.0" encoding="utf-8"?>
+<p:sld xmlns:a="http://schemas.openxmlformats.org/drawingml/2006/main" xmlns:r="http://schemas.openxmlformats.org/officeDocument/2006/relationships" xmlns:p="http://schemas.openxmlformats.org/presentationml/2006/main">
+  <p:cSld>
+    <p:spTree>
+      <p:nvGrpSpPr>
+        <p:cNvPr id="1" name=""/>
+        <p:cNvGrpSpPr/>
+        <p:nvPr/>
+      </p:nvGrpSpPr>
+      <p:grpSpPr>
+        <a:xfrm>
+          <a:off x="0" y="0"/>
+          <a:ext cx="0" cy="0"/>
+          <a:chOff x="0" y="0"/>
+          <a:chExt cx="0" cy="0"/>
+        </a:xfrm>
+      </p:grpSpPr>
       <p:sp>
         <p:nvSpPr>
-          <p:cNvPr id="3" name="Content Placeholder 2">
+          <p:cNvPr id="2" name="Title 1">
             <a:extLst>
               <a:ext uri="{FF2B5EF4-FFF2-40B4-BE49-F238E27FC236}">
-                <a16:creationId xmlns:a16="http://schemas.microsoft.com/office/drawing/2014/main" id="{902FD5C4-FE5F-46D2-ABC9-49FA4BB8442F}"/>
+                <a16:creationId xmlns:a16="http://schemas.microsoft.com/office/drawing/2014/main" id="{2873BEC0-94F5-4226-A9E7-51B66045EF49}"/>
               </a:ext>
             </a:extLst>
           </p:cNvPr>
@@ -8330,43 +10934,58 @@
             <a:spLocks noGrp="1"/>
           </p:cNvSpPr>
           <p:nvPr>
-            <p:ph sz="half" idx="2"/>
+            <p:ph type="title"/>
           </p:nvPr>
         </p:nvSpPr>
         <p:spPr>
           <a:xfrm>
-            <a:off x="878305" y="2191385"/>
-            <a:ext cx="10525371" cy="2862753"/>
+            <a:off x="538248" y="383051"/>
+            <a:ext cx="5929053" cy="1325563"/>
           </a:xfrm>
         </p:spPr>
         <p:txBody>
-          <a:bodyPr>
+          <a:bodyPr anchor="ctr">
             <a:normAutofit/>
           </a:bodyPr>
           <a:lstStyle/>
           <a:p>
-            <a:pPr marL="0" indent="0">
-              <a:buNone/>
-            </a:pPr>
-            <a:r>
-              <a:rPr lang="en-US" sz="2200" dirty="0"/>
-              <a:t>In Module 1 you have collected the job postings data using web scraping in a file named “</a:t>
-            </a:r>
-            <a:r>
-              <a:rPr lang="en-IN" sz="2400" dirty="0"/>
-              <a:t>popular-</a:t>
-            </a:r>
-            <a:r>
-              <a:rPr lang="en-IN" sz="2400" dirty="0" err="1"/>
-              <a:t>languages.csv</a:t>
-            </a:r>
-            <a:r>
-              <a:rPr lang="en-US" sz="2200" dirty="0"/>
-              <a:t>”. Present that data using a bar chart here. Order the bar chart in the descending order of salary.</a:t>
+            <a:r>
+              <a:rPr lang="en-US" dirty="0"/>
+              <a:t>POPULAR LANGUAGES</a:t>
             </a:r>
           </a:p>
         </p:txBody>
       </p:sp>
+      <p:graphicFrame>
+        <p:nvGraphicFramePr>
+          <p:cNvPr id="6" name="Chart 5">
+            <a:extLst>
+              <a:ext uri="{FF2B5EF4-FFF2-40B4-BE49-F238E27FC236}">
+                <a16:creationId xmlns:a16="http://schemas.microsoft.com/office/drawing/2014/main" id="{C127EAAF-C6E9-E95F-4A22-E8A381E75D0E}"/>
+              </a:ext>
+            </a:extLst>
+          </p:cNvPr>
+          <p:cNvGraphicFramePr>
+            <a:graphicFrameLocks/>
+          </p:cNvGraphicFramePr>
+          <p:nvPr>
+            <p:extLst>
+              <p:ext uri="{D42A27DB-BD31-4B8C-83A1-F6EECF244321}">
+                <p14:modId xmlns:p14="http://schemas.microsoft.com/office/powerpoint/2010/main" val="1742037986"/>
+              </p:ext>
+            </p:extLst>
+          </p:nvPr>
+        </p:nvGraphicFramePr>
+        <p:xfrm>
+          <a:off x="646386" y="1542392"/>
+          <a:ext cx="6973614" cy="4553607"/>
+        </p:xfrm>
+        <a:graphic>
+          <a:graphicData uri="http://schemas.openxmlformats.org/drawingml/2006/chart">
+            <c:chart xmlns:c="http://schemas.openxmlformats.org/drawingml/2006/chart" xmlns:r="http://schemas.openxmlformats.org/officeDocument/2006/relationships" r:id="rId2"/>
+          </a:graphicData>
+        </a:graphic>
+      </p:graphicFrame>
     </p:spTree>
     <p:extLst>
       <p:ext uri="{BB962C8B-B14F-4D97-AF65-F5344CB8AC3E}">
@@ -8432,86 +11051,6 @@
           </a:p>
         </p:txBody>
       </p:sp>
-      <p:sp>
-        <p:nvSpPr>
-          <p:cNvPr id="3" name="Content Placeholder 2">
-            <a:extLst>
-              <a:ext uri="{FF2B5EF4-FFF2-40B4-BE49-F238E27FC236}">
-                <a16:creationId xmlns:a16="http://schemas.microsoft.com/office/drawing/2014/main" id="{902FD5C4-FE5F-46D2-ABC9-49FA4BB8442F}"/>
-              </a:ext>
-            </a:extLst>
-          </p:cNvPr>
-          <p:cNvSpPr>
-            <a:spLocks noGrp="1"/>
-          </p:cNvSpPr>
-          <p:nvPr>
-            <p:ph sz="half" idx="2"/>
-          </p:nvPr>
-        </p:nvSpPr>
-        <p:spPr>
-          <a:xfrm>
-            <a:off x="4285075" y="1825624"/>
-            <a:ext cx="7068725" cy="4465447"/>
-          </a:xfrm>
-        </p:spPr>
-        <p:txBody>
-          <a:bodyPr>
-            <a:normAutofit/>
-          </a:bodyPr>
-          <a:lstStyle/>
-          <a:p>
-            <a:r>
-              <a:rPr lang="en-US" sz="2200" dirty="0"/>
-              <a:t>Point1</a:t>
-            </a:r>
-          </a:p>
-          <a:p>
-            <a:r>
-              <a:rPr lang="en-US" sz="2200" dirty="0"/>
-              <a:t>Point2</a:t>
-            </a:r>
-          </a:p>
-          <a:p>
-            <a:pPr lvl="1"/>
-            <a:r>
-              <a:rPr lang="en-US" sz="1800" dirty="0"/>
-              <a:t>Sub Point 1</a:t>
-            </a:r>
-          </a:p>
-          <a:p>
-            <a:pPr lvl="1"/>
-            <a:r>
-              <a:rPr lang="en-US" sz="1800" dirty="0"/>
-              <a:t>Sub Point 2</a:t>
-            </a:r>
-          </a:p>
-          <a:p>
-            <a:pPr lvl="1"/>
-            <a:r>
-              <a:rPr lang="en-US" sz="1800" dirty="0"/>
-              <a:t>Sub Point 3</a:t>
-            </a:r>
-          </a:p>
-          <a:p>
-            <a:r>
-              <a:rPr lang="en-US" sz="2200" dirty="0"/>
-              <a:t>Point3</a:t>
-            </a:r>
-          </a:p>
-          <a:p>
-            <a:r>
-              <a:rPr lang="en-US" sz="2200" dirty="0"/>
-              <a:t>Point4</a:t>
-            </a:r>
-          </a:p>
-          <a:p>
-            <a:r>
-              <a:rPr lang="en-US" sz="2200" dirty="0"/>
-              <a:t>Point5</a:t>
-            </a:r>
-          </a:p>
-        </p:txBody>
-      </p:sp>
       <p:pic>
         <p:nvPicPr>
           <p:cNvPr id="5" name="Picture 4">
@@ -8534,7 +11073,7 @@
         </p:blipFill>
         <p:spPr>
           <a:xfrm>
-            <a:off x="1090494" y="2302762"/>
+            <a:off x="207626" y="2092555"/>
             <a:ext cx="3194581" cy="3194581"/>
           </a:xfrm>
           <a:prstGeom prst="rect">
@@ -8542,6 +11081,700 @@
           </a:prstGeom>
         </p:spPr>
       </p:pic>
+      <p:sp>
+        <p:nvSpPr>
+          <p:cNvPr id="8" name="Rectangle 2">
+            <a:extLst>
+              <a:ext uri="{FF2B5EF4-FFF2-40B4-BE49-F238E27FC236}">
+                <a16:creationId xmlns:a16="http://schemas.microsoft.com/office/drawing/2014/main" id="{BCE19084-1A47-6CAC-32EE-D3A50D4A69FC}"/>
+              </a:ext>
+            </a:extLst>
+          </p:cNvPr>
+          <p:cNvSpPr>
+            <a:spLocks noChangeArrowheads="1"/>
+          </p:cNvSpPr>
+          <p:nvPr/>
+        </p:nvSpPr>
+        <p:spPr bwMode="auto">
+          <a:xfrm>
+            <a:off x="3508092" y="1488874"/>
+            <a:ext cx="8565109" cy="4985980"/>
+          </a:xfrm>
+          <a:prstGeom prst="rect">
+            <a:avLst/>
+          </a:prstGeom>
+          <a:noFill/>
+          <a:ln>
+            <a:noFill/>
+          </a:ln>
+          <a:effectLst/>
+          <a:extLst>
+            <a:ext uri="{909E8E84-426E-40DD-AFC4-6F175D3DCCD1}">
+              <a14:hiddenFill xmlns:a14="http://schemas.microsoft.com/office/drawing/2010/main">
+                <a:solidFill>
+                  <a:schemeClr val="accent1"/>
+                </a:solidFill>
+              </a14:hiddenFill>
+            </a:ext>
+            <a:ext uri="{91240B29-F687-4F45-9708-019B960494DF}">
+              <a14:hiddenLine xmlns:a14="http://schemas.microsoft.com/office/drawing/2010/main" w="9525">
+                <a:solidFill>
+                  <a:schemeClr val="tx1"/>
+                </a:solidFill>
+                <a:miter lim="800000"/>
+                <a:headEnd/>
+                <a:tailEnd/>
+              </a14:hiddenLine>
+            </a:ext>
+            <a:ext uri="{AF507438-7753-43E0-B8FC-AC1667EBCBE1}">
+              <a14:hiddenEffects xmlns:a14="http://schemas.microsoft.com/office/drawing/2010/main">
+                <a:effectLst>
+                  <a:outerShdw dist="35921" dir="2700000" algn="ctr" rotWithShape="0">
+                    <a:schemeClr val="bg2"/>
+                  </a:outerShdw>
+                </a:effectLst>
+              </a14:hiddenEffects>
+            </a:ext>
+          </a:extLst>
+        </p:spPr>
+        <p:txBody>
+          <a:bodyPr vert="horz" wrap="square" lIns="91440" tIns="45720" rIns="91440" bIns="45720" numCol="1" anchor="ctr" anchorCtr="0" compatLnSpc="1">
+            <a:prstTxWarp prst="textNoShape">
+              <a:avLst/>
+            </a:prstTxWarp>
+            <a:spAutoFit/>
+          </a:bodyPr>
+          <a:lstStyle/>
+          <a:p>
+            <a:pPr marL="342900" marR="0" lvl="0" indent="-342900" algn="l" defTabSz="914400" rtl="0" eaLnBrk="0" fontAlgn="base" latinLnBrk="0" hangingPunct="0">
+              <a:lnSpc>
+                <a:spcPct val="100000"/>
+              </a:lnSpc>
+              <a:spcBef>
+                <a:spcPct val="0"/>
+              </a:spcBef>
+              <a:spcAft>
+                <a:spcPct val="0"/>
+              </a:spcAft>
+              <a:buClrTx/>
+              <a:buSzTx/>
+              <a:buFont typeface="Wingdings" panose="05000000000000000000" pitchFamily="2" charset="2"/>
+              <a:buChar char="q"/>
+              <a:tabLst/>
+            </a:pPr>
+            <a:r>
+              <a:rPr kumimoji="0" lang="en-US" altLang="en-US" sz="2000" b="1" i="0" u="none" strike="noStrike" cap="none" normalizeH="0" baseline="0" dirty="0">
+                <a:ln>
+                  <a:noFill/>
+                </a:ln>
+                <a:solidFill>
+                  <a:schemeClr val="accent1">
+                    <a:lumMod val="75000"/>
+                  </a:schemeClr>
+                </a:solidFill>
+                <a:effectLst/>
+                <a:latin typeface="+mj-lt"/>
+              </a:rPr>
+              <a:t>Languages Trends</a:t>
+            </a:r>
+            <a:endParaRPr kumimoji="0" lang="en-US" altLang="en-US" sz="2000" b="0" i="0" u="none" strike="noStrike" cap="none" normalizeH="0" baseline="0" dirty="0">
+              <a:ln>
+                <a:noFill/>
+              </a:ln>
+              <a:solidFill>
+                <a:schemeClr val="accent1">
+                  <a:lumMod val="75000"/>
+                </a:schemeClr>
+              </a:solidFill>
+              <a:effectLst/>
+              <a:latin typeface="+mj-lt"/>
+            </a:endParaRPr>
+          </a:p>
+          <a:p>
+            <a:pPr marL="800100" lvl="1" indent="-342900" eaLnBrk="0" fontAlgn="base" hangingPunct="0">
+              <a:spcBef>
+                <a:spcPct val="0"/>
+              </a:spcBef>
+              <a:spcAft>
+                <a:spcPct val="0"/>
+              </a:spcAft>
+              <a:buFont typeface="Wingdings" panose="05000000000000000000" pitchFamily="2" charset="2"/>
+              <a:buChar char="ü"/>
+            </a:pPr>
+            <a:r>
+              <a:rPr kumimoji="0" lang="en-US" altLang="en-US" sz="2000" b="1" i="0" u="none" strike="noStrike" cap="none" normalizeH="0" baseline="0" dirty="0">
+                <a:ln>
+                  <a:noFill/>
+                </a:ln>
+                <a:solidFill>
+                  <a:schemeClr val="accent1">
+                    <a:lumMod val="75000"/>
+                  </a:schemeClr>
+                </a:solidFill>
+                <a:effectLst/>
+                <a:latin typeface="+mj-lt"/>
+              </a:rPr>
+              <a:t>Current</a:t>
+            </a:r>
+            <a:r>
+              <a:rPr kumimoji="0" lang="en-US" altLang="en-US" sz="2000" b="0" i="0" u="none" strike="noStrike" cap="none" normalizeH="0" baseline="0" dirty="0">
+                <a:ln>
+                  <a:noFill/>
+                </a:ln>
+                <a:solidFill>
+                  <a:schemeClr val="accent1">
+                    <a:lumMod val="75000"/>
+                  </a:schemeClr>
+                </a:solidFill>
+                <a:effectLst/>
+                <a:latin typeface="+mj-lt"/>
+              </a:rPr>
+              <a:t>: JavaScript, HTML/CSS, SQL, Bash/Shell/PowerShell.</a:t>
+            </a:r>
+          </a:p>
+          <a:p>
+            <a:pPr marL="800100" lvl="1" indent="-342900" eaLnBrk="0" fontAlgn="base" hangingPunct="0">
+              <a:spcBef>
+                <a:spcPct val="0"/>
+              </a:spcBef>
+              <a:spcAft>
+                <a:spcPct val="0"/>
+              </a:spcAft>
+              <a:buFont typeface="Wingdings" panose="05000000000000000000" pitchFamily="2" charset="2"/>
+              <a:buChar char="ü"/>
+            </a:pPr>
+            <a:r>
+              <a:rPr kumimoji="0" lang="en-US" altLang="en-US" sz="2000" b="1" i="0" u="none" strike="noStrike" cap="none" normalizeH="0" baseline="0" dirty="0">
+                <a:ln>
+                  <a:noFill/>
+                </a:ln>
+                <a:solidFill>
+                  <a:schemeClr val="accent1">
+                    <a:lumMod val="75000"/>
+                  </a:schemeClr>
+                </a:solidFill>
+                <a:effectLst/>
+                <a:latin typeface="+mj-lt"/>
+              </a:rPr>
+              <a:t>Future</a:t>
+            </a:r>
+            <a:r>
+              <a:rPr kumimoji="0" lang="en-US" altLang="en-US" sz="2000" b="0" i="0" u="none" strike="noStrike" cap="none" normalizeH="0" baseline="0" dirty="0">
+                <a:ln>
+                  <a:noFill/>
+                </a:ln>
+                <a:solidFill>
+                  <a:schemeClr val="accent1">
+                    <a:lumMod val="75000"/>
+                  </a:schemeClr>
+                </a:solidFill>
+                <a:effectLst/>
+                <a:latin typeface="+mj-lt"/>
+              </a:rPr>
+              <a:t>: JavaScript, Python, SQL, TypeScript.</a:t>
+            </a:r>
+          </a:p>
+          <a:p>
+            <a:pPr marL="342900" marR="0" lvl="0" indent="-342900" algn="l" defTabSz="914400" rtl="0" eaLnBrk="0" fontAlgn="base" latinLnBrk="0" hangingPunct="0">
+              <a:lnSpc>
+                <a:spcPct val="100000"/>
+              </a:lnSpc>
+              <a:spcBef>
+                <a:spcPct val="0"/>
+              </a:spcBef>
+              <a:spcAft>
+                <a:spcPct val="0"/>
+              </a:spcAft>
+              <a:buClrTx/>
+              <a:buSzTx/>
+              <a:buFont typeface="Wingdings" panose="05000000000000000000" pitchFamily="2" charset="2"/>
+              <a:buChar char="q"/>
+              <a:tabLst/>
+            </a:pPr>
+            <a:r>
+              <a:rPr kumimoji="0" lang="en-US" altLang="en-US" sz="2000" b="1" i="0" u="none" strike="noStrike" cap="none" normalizeH="0" baseline="0" dirty="0">
+                <a:ln>
+                  <a:noFill/>
+                </a:ln>
+                <a:solidFill>
+                  <a:schemeClr val="accent1">
+                    <a:lumMod val="75000"/>
+                  </a:schemeClr>
+                </a:solidFill>
+                <a:effectLst/>
+                <a:latin typeface="+mj-lt"/>
+              </a:rPr>
+              <a:t>Database Trends</a:t>
+            </a:r>
+            <a:endParaRPr kumimoji="0" lang="en-US" altLang="en-US" sz="2000" b="0" i="0" u="none" strike="noStrike" cap="none" normalizeH="0" baseline="0" dirty="0">
+              <a:ln>
+                <a:noFill/>
+              </a:ln>
+              <a:solidFill>
+                <a:schemeClr val="accent1">
+                  <a:lumMod val="75000"/>
+                </a:schemeClr>
+              </a:solidFill>
+              <a:effectLst/>
+              <a:latin typeface="+mj-lt"/>
+            </a:endParaRPr>
+          </a:p>
+          <a:p>
+            <a:pPr marL="800100" lvl="1" indent="-342900" eaLnBrk="0" fontAlgn="base" hangingPunct="0">
+              <a:spcBef>
+                <a:spcPct val="0"/>
+              </a:spcBef>
+              <a:spcAft>
+                <a:spcPct val="0"/>
+              </a:spcAft>
+              <a:buFont typeface="Wingdings" panose="05000000000000000000" pitchFamily="2" charset="2"/>
+              <a:buChar char="ü"/>
+            </a:pPr>
+            <a:r>
+              <a:rPr kumimoji="0" lang="en-US" altLang="en-US" sz="2000" b="1" i="0" u="none" strike="noStrike" cap="none" normalizeH="0" baseline="0" dirty="0">
+                <a:ln>
+                  <a:noFill/>
+                </a:ln>
+                <a:solidFill>
+                  <a:schemeClr val="accent1">
+                    <a:lumMod val="75000"/>
+                  </a:schemeClr>
+                </a:solidFill>
+                <a:effectLst/>
+                <a:latin typeface="+mj-lt"/>
+              </a:rPr>
+              <a:t>Current</a:t>
+            </a:r>
+            <a:r>
+              <a:rPr kumimoji="0" lang="en-US" altLang="en-US" sz="2000" b="0" i="0" u="none" strike="noStrike" cap="none" normalizeH="0" baseline="0" dirty="0">
+                <a:ln>
+                  <a:noFill/>
+                </a:ln>
+                <a:solidFill>
+                  <a:schemeClr val="accent1">
+                    <a:lumMod val="75000"/>
+                  </a:schemeClr>
+                </a:solidFill>
+                <a:effectLst/>
+                <a:latin typeface="+mj-lt"/>
+              </a:rPr>
+              <a:t>: MySQL, Microsoft SQL Server, PostgreSQL, SQLite.</a:t>
+            </a:r>
+          </a:p>
+          <a:p>
+            <a:pPr marL="800100" lvl="1" indent="-342900" eaLnBrk="0" fontAlgn="base" hangingPunct="0">
+              <a:spcBef>
+                <a:spcPct val="0"/>
+              </a:spcBef>
+              <a:spcAft>
+                <a:spcPct val="0"/>
+              </a:spcAft>
+              <a:buFont typeface="Wingdings" panose="05000000000000000000" pitchFamily="2" charset="2"/>
+              <a:buChar char="ü"/>
+            </a:pPr>
+            <a:r>
+              <a:rPr kumimoji="0" lang="en-US" altLang="en-US" sz="2000" b="1" i="0" u="none" strike="noStrike" cap="none" normalizeH="0" baseline="0" dirty="0">
+                <a:ln>
+                  <a:noFill/>
+                </a:ln>
+                <a:solidFill>
+                  <a:schemeClr val="accent1">
+                    <a:lumMod val="75000"/>
+                  </a:schemeClr>
+                </a:solidFill>
+                <a:effectLst/>
+                <a:latin typeface="+mj-lt"/>
+              </a:rPr>
+              <a:t>Future</a:t>
+            </a:r>
+            <a:r>
+              <a:rPr kumimoji="0" lang="en-US" altLang="en-US" sz="2000" b="0" i="0" u="none" strike="noStrike" cap="none" normalizeH="0" baseline="0" dirty="0">
+                <a:ln>
+                  <a:noFill/>
+                </a:ln>
+                <a:solidFill>
+                  <a:schemeClr val="accent1">
+                    <a:lumMod val="75000"/>
+                  </a:schemeClr>
+                </a:solidFill>
+                <a:effectLst/>
+                <a:latin typeface="+mj-lt"/>
+              </a:rPr>
+              <a:t>: PostgreSQL, MongoDB, Redis, Elasticsearch.</a:t>
+            </a:r>
+          </a:p>
+          <a:p>
+            <a:pPr marL="342900" marR="0" lvl="0" indent="-342900" algn="l" defTabSz="914400" rtl="0" eaLnBrk="0" fontAlgn="base" latinLnBrk="0" hangingPunct="0">
+              <a:lnSpc>
+                <a:spcPct val="100000"/>
+              </a:lnSpc>
+              <a:spcBef>
+                <a:spcPct val="0"/>
+              </a:spcBef>
+              <a:spcAft>
+                <a:spcPct val="0"/>
+              </a:spcAft>
+              <a:buClrTx/>
+              <a:buSzTx/>
+              <a:buFont typeface="Wingdings" panose="05000000000000000000" pitchFamily="2" charset="2"/>
+              <a:buChar char="q"/>
+              <a:tabLst/>
+            </a:pPr>
+            <a:r>
+              <a:rPr kumimoji="0" lang="en-US" altLang="en-US" sz="2000" b="1" i="0" u="none" strike="noStrike" cap="none" normalizeH="0" baseline="0" dirty="0">
+                <a:ln>
+                  <a:noFill/>
+                </a:ln>
+                <a:solidFill>
+                  <a:schemeClr val="accent1">
+                    <a:lumMod val="75000"/>
+                  </a:schemeClr>
+                </a:solidFill>
+                <a:effectLst/>
+                <a:latin typeface="+mj-lt"/>
+              </a:rPr>
+              <a:t>Platforms &amp; Frameworks</a:t>
+            </a:r>
+            <a:endParaRPr kumimoji="0" lang="en-US" altLang="en-US" sz="2000" b="0" i="0" u="none" strike="noStrike" cap="none" normalizeH="0" baseline="0" dirty="0">
+              <a:ln>
+                <a:noFill/>
+              </a:ln>
+              <a:solidFill>
+                <a:schemeClr val="accent1">
+                  <a:lumMod val="75000"/>
+                </a:schemeClr>
+              </a:solidFill>
+              <a:effectLst/>
+              <a:latin typeface="+mj-lt"/>
+            </a:endParaRPr>
+          </a:p>
+          <a:p>
+            <a:pPr marL="800100" lvl="1" indent="-342900" eaLnBrk="0" fontAlgn="base" hangingPunct="0">
+              <a:spcBef>
+                <a:spcPct val="0"/>
+              </a:spcBef>
+              <a:spcAft>
+                <a:spcPct val="0"/>
+              </a:spcAft>
+              <a:buFont typeface="Wingdings" panose="05000000000000000000" pitchFamily="2" charset="2"/>
+              <a:buChar char="ü"/>
+            </a:pPr>
+            <a:r>
+              <a:rPr kumimoji="0" lang="en-US" altLang="en-US" sz="2000" b="1" i="0" u="none" strike="noStrike" cap="none" normalizeH="0" baseline="0" dirty="0">
+                <a:ln>
+                  <a:noFill/>
+                </a:ln>
+                <a:solidFill>
+                  <a:schemeClr val="accent1">
+                    <a:lumMod val="75000"/>
+                  </a:schemeClr>
+                </a:solidFill>
+                <a:effectLst/>
+                <a:latin typeface="+mj-lt"/>
+              </a:rPr>
+              <a:t>Platforms</a:t>
+            </a:r>
+            <a:r>
+              <a:rPr kumimoji="0" lang="en-US" altLang="en-US" sz="2000" b="0" i="0" u="none" strike="noStrike" cap="none" normalizeH="0" baseline="0" dirty="0">
+                <a:ln>
+                  <a:noFill/>
+                </a:ln>
+                <a:solidFill>
+                  <a:schemeClr val="accent1">
+                    <a:lumMod val="75000"/>
+                  </a:schemeClr>
+                </a:solidFill>
+                <a:effectLst/>
+                <a:latin typeface="+mj-lt"/>
+              </a:rPr>
+              <a:t>: Linux, Windows, Docker, Kubernetes.</a:t>
+            </a:r>
+          </a:p>
+          <a:p>
+            <a:pPr marL="800100" lvl="1" indent="-342900" eaLnBrk="0" fontAlgn="base" hangingPunct="0">
+              <a:spcBef>
+                <a:spcPct val="0"/>
+              </a:spcBef>
+              <a:spcAft>
+                <a:spcPct val="0"/>
+              </a:spcAft>
+              <a:buFont typeface="Wingdings" panose="05000000000000000000" pitchFamily="2" charset="2"/>
+              <a:buChar char="ü"/>
+            </a:pPr>
+            <a:r>
+              <a:rPr kumimoji="0" lang="en-US" altLang="en-US" sz="2000" b="1" i="0" u="none" strike="noStrike" cap="none" normalizeH="0" baseline="0" dirty="0">
+                <a:ln>
+                  <a:noFill/>
+                </a:ln>
+                <a:solidFill>
+                  <a:schemeClr val="accent1">
+                    <a:lumMod val="75000"/>
+                  </a:schemeClr>
+                </a:solidFill>
+                <a:effectLst/>
+                <a:latin typeface="+mj-lt"/>
+              </a:rPr>
+              <a:t>Frameworks</a:t>
+            </a:r>
+            <a:r>
+              <a:rPr kumimoji="0" lang="en-US" altLang="en-US" sz="2000" b="0" i="0" u="none" strike="noStrike" cap="none" normalizeH="0" baseline="0" dirty="0">
+                <a:ln>
+                  <a:noFill/>
+                </a:ln>
+                <a:solidFill>
+                  <a:schemeClr val="accent1">
+                    <a:lumMod val="75000"/>
+                  </a:schemeClr>
+                </a:solidFill>
+                <a:effectLst/>
+                <a:latin typeface="+mj-lt"/>
+              </a:rPr>
+              <a:t>: jQuery, Angular, React.js (React.js most desired next year).</a:t>
+            </a:r>
+          </a:p>
+          <a:p>
+            <a:pPr marL="342900" marR="0" lvl="0" indent="-342900" algn="l" defTabSz="914400" rtl="0" eaLnBrk="0" fontAlgn="base" latinLnBrk="0" hangingPunct="0">
+              <a:lnSpc>
+                <a:spcPct val="100000"/>
+              </a:lnSpc>
+              <a:spcBef>
+                <a:spcPct val="0"/>
+              </a:spcBef>
+              <a:spcAft>
+                <a:spcPct val="0"/>
+              </a:spcAft>
+              <a:buClrTx/>
+              <a:buSzTx/>
+              <a:buFont typeface="Wingdings" panose="05000000000000000000" pitchFamily="2" charset="2"/>
+              <a:buChar char="q"/>
+              <a:tabLst/>
+            </a:pPr>
+            <a:r>
+              <a:rPr kumimoji="0" lang="en-US" altLang="en-US" sz="2000" b="1" i="0" u="none" strike="noStrike" cap="none" normalizeH="0" baseline="0" dirty="0">
+                <a:ln>
+                  <a:noFill/>
+                </a:ln>
+                <a:solidFill>
+                  <a:schemeClr val="accent1">
+                    <a:lumMod val="75000"/>
+                  </a:schemeClr>
+                </a:solidFill>
+                <a:effectLst/>
+                <a:latin typeface="+mj-lt"/>
+              </a:rPr>
+              <a:t>Demographics</a:t>
+            </a:r>
+            <a:endParaRPr kumimoji="0" lang="en-US" altLang="en-US" sz="2000" b="0" i="0" u="none" strike="noStrike" cap="none" normalizeH="0" baseline="0" dirty="0">
+              <a:ln>
+                <a:noFill/>
+              </a:ln>
+              <a:solidFill>
+                <a:schemeClr val="accent1">
+                  <a:lumMod val="75000"/>
+                </a:schemeClr>
+              </a:solidFill>
+              <a:effectLst/>
+              <a:latin typeface="+mj-lt"/>
+            </a:endParaRPr>
+          </a:p>
+          <a:p>
+            <a:pPr marL="800100" lvl="1" indent="-342900" eaLnBrk="0" fontAlgn="base" hangingPunct="0">
+              <a:spcBef>
+                <a:spcPct val="0"/>
+              </a:spcBef>
+              <a:spcAft>
+                <a:spcPct val="0"/>
+              </a:spcAft>
+              <a:buFont typeface="Wingdings" panose="05000000000000000000" pitchFamily="2" charset="2"/>
+              <a:buChar char="ü"/>
+            </a:pPr>
+            <a:r>
+              <a:rPr kumimoji="0" lang="en-US" altLang="en-US" sz="2000" b="1" i="0" u="none" strike="noStrike" cap="none" normalizeH="0" baseline="0" dirty="0">
+                <a:ln>
+                  <a:noFill/>
+                </a:ln>
+                <a:solidFill>
+                  <a:schemeClr val="accent1">
+                    <a:lumMod val="75000"/>
+                  </a:schemeClr>
+                </a:solidFill>
+                <a:effectLst/>
+                <a:latin typeface="+mj-lt"/>
+              </a:rPr>
+              <a:t>Gender</a:t>
+            </a:r>
+            <a:r>
+              <a:rPr kumimoji="0" lang="en-US" altLang="en-US" sz="2000" b="0" i="0" u="none" strike="noStrike" cap="none" normalizeH="0" baseline="0" dirty="0">
+                <a:ln>
+                  <a:noFill/>
+                </a:ln>
+                <a:solidFill>
+                  <a:schemeClr val="accent1">
+                    <a:lumMod val="75000"/>
+                  </a:schemeClr>
+                </a:solidFill>
+                <a:effectLst/>
+                <a:latin typeface="+mj-lt"/>
+              </a:rPr>
+              <a:t>: 93.5% male.</a:t>
+            </a:r>
+          </a:p>
+          <a:p>
+            <a:pPr marL="800100" lvl="1" indent="-342900" eaLnBrk="0" fontAlgn="base" hangingPunct="0">
+              <a:spcBef>
+                <a:spcPct val="0"/>
+              </a:spcBef>
+              <a:spcAft>
+                <a:spcPct val="0"/>
+              </a:spcAft>
+              <a:buFont typeface="Wingdings" panose="05000000000000000000" pitchFamily="2" charset="2"/>
+              <a:buChar char="ü"/>
+            </a:pPr>
+            <a:r>
+              <a:rPr kumimoji="0" lang="en-US" altLang="en-US" sz="2000" b="1" i="0" u="none" strike="noStrike" cap="none" normalizeH="0" baseline="0" dirty="0">
+                <a:ln>
+                  <a:noFill/>
+                </a:ln>
+                <a:solidFill>
+                  <a:schemeClr val="accent1">
+                    <a:lumMod val="75000"/>
+                  </a:schemeClr>
+                </a:solidFill>
+                <a:effectLst/>
+                <a:latin typeface="+mj-lt"/>
+              </a:rPr>
+              <a:t>Age</a:t>
+            </a:r>
+            <a:r>
+              <a:rPr kumimoji="0" lang="en-US" altLang="en-US" sz="2000" b="0" i="0" u="none" strike="noStrike" cap="none" normalizeH="0" baseline="0" dirty="0">
+                <a:ln>
+                  <a:noFill/>
+                </a:ln>
+                <a:solidFill>
+                  <a:schemeClr val="accent1">
+                    <a:lumMod val="75000"/>
+                  </a:schemeClr>
+                </a:solidFill>
+                <a:effectLst/>
+                <a:latin typeface="+mj-lt"/>
+              </a:rPr>
+              <a:t>: Mostly 20-30 years.</a:t>
+            </a:r>
+          </a:p>
+          <a:p>
+            <a:pPr marL="800100" lvl="1" indent="-342900" eaLnBrk="0" fontAlgn="base" hangingPunct="0">
+              <a:spcBef>
+                <a:spcPct val="0"/>
+              </a:spcBef>
+              <a:spcAft>
+                <a:spcPct val="0"/>
+              </a:spcAft>
+              <a:buFont typeface="Wingdings" panose="05000000000000000000" pitchFamily="2" charset="2"/>
+              <a:buChar char="ü"/>
+            </a:pPr>
+            <a:r>
+              <a:rPr kumimoji="0" lang="en-US" altLang="en-US" sz="2000" b="1" i="0" u="none" strike="noStrike" cap="none" normalizeH="0" baseline="0" dirty="0">
+                <a:ln>
+                  <a:noFill/>
+                </a:ln>
+                <a:solidFill>
+                  <a:schemeClr val="accent1">
+                    <a:lumMod val="75000"/>
+                  </a:schemeClr>
+                </a:solidFill>
+                <a:effectLst/>
+                <a:latin typeface="+mj-lt"/>
+              </a:rPr>
+              <a:t>Education</a:t>
+            </a:r>
+            <a:r>
+              <a:rPr kumimoji="0" lang="en-US" altLang="en-US" sz="2000" b="0" i="0" u="none" strike="noStrike" cap="none" normalizeH="0" baseline="0" dirty="0">
+                <a:ln>
+                  <a:noFill/>
+                </a:ln>
+                <a:solidFill>
+                  <a:schemeClr val="accent1">
+                    <a:lumMod val="75000"/>
+                  </a:schemeClr>
+                </a:solidFill>
+                <a:effectLst/>
+                <a:latin typeface="+mj-lt"/>
+              </a:rPr>
+              <a:t>: Bachelor’s degree or higher.</a:t>
+            </a:r>
+          </a:p>
+          <a:p>
+            <a:pPr marL="800100" lvl="1" indent="-342900" eaLnBrk="0" fontAlgn="base" hangingPunct="0">
+              <a:spcBef>
+                <a:spcPct val="0"/>
+              </a:spcBef>
+              <a:spcAft>
+                <a:spcPct val="0"/>
+              </a:spcAft>
+              <a:buFont typeface="Wingdings" panose="05000000000000000000" pitchFamily="2" charset="2"/>
+              <a:buChar char="ü"/>
+            </a:pPr>
+            <a:r>
+              <a:rPr kumimoji="0" lang="en-US" altLang="en-US" sz="2000" b="1" i="0" u="none" strike="noStrike" cap="none" normalizeH="0" baseline="0" dirty="0">
+                <a:ln>
+                  <a:noFill/>
+                </a:ln>
+                <a:solidFill>
+                  <a:schemeClr val="accent1">
+                    <a:lumMod val="75000"/>
+                  </a:schemeClr>
+                </a:solidFill>
+                <a:effectLst/>
+                <a:latin typeface="+mj-lt"/>
+              </a:rPr>
+              <a:t>Geography: </a:t>
+            </a:r>
+            <a:r>
+              <a:rPr kumimoji="0" lang="en-US" altLang="en-US" sz="2000" b="0" i="0" u="none" strike="noStrike" cap="none" normalizeH="0" baseline="0" dirty="0">
+                <a:ln>
+                  <a:noFill/>
+                </a:ln>
+                <a:solidFill>
+                  <a:schemeClr val="accent1">
+                    <a:lumMod val="75000"/>
+                  </a:schemeClr>
+                </a:solidFill>
+                <a:effectLst/>
+                <a:latin typeface="+mj-lt"/>
+              </a:rPr>
+              <a:t>High respondent concentration in North America and Europe.</a:t>
+            </a:r>
+          </a:p>
+          <a:p>
+            <a:pPr marL="0" marR="0" lvl="0" indent="0" algn="l" defTabSz="914400" rtl="0" eaLnBrk="0" fontAlgn="base" latinLnBrk="0" hangingPunct="0">
+              <a:lnSpc>
+                <a:spcPct val="100000"/>
+              </a:lnSpc>
+              <a:spcBef>
+                <a:spcPct val="0"/>
+              </a:spcBef>
+              <a:spcAft>
+                <a:spcPct val="0"/>
+              </a:spcAft>
+              <a:buClrTx/>
+              <a:buSzTx/>
+              <a:buFontTx/>
+              <a:buNone/>
+              <a:tabLst/>
+            </a:pPr>
+            <a:endParaRPr kumimoji="0" lang="en-US" altLang="en-US" sz="1800" b="0" i="0" u="none" strike="noStrike" cap="none" normalizeH="0" baseline="0" dirty="0">
+              <a:ln>
+                <a:noFill/>
+              </a:ln>
+              <a:solidFill>
+                <a:schemeClr val="tx1"/>
+              </a:solidFill>
+              <a:effectLst/>
+              <a:latin typeface="Arial" panose="020B0604020202020204" pitchFamily="34" charset="0"/>
+            </a:endParaRPr>
+          </a:p>
+        </p:txBody>
+      </p:sp>
     </p:spTree>
     <p:extLst>
       <p:ext uri="{BB962C8B-B14F-4D97-AF65-F5344CB8AC3E}">
@@ -8629,7 +11862,7 @@
         </p:blipFill>
         <p:spPr>
           <a:xfrm>
-            <a:off x="994347" y="2262036"/>
+            <a:off x="237602" y="2060418"/>
             <a:ext cx="3054361" cy="3054361"/>
           </a:xfrm>
           <a:prstGeom prst="rect">
@@ -8639,233 +11872,135 @@
       </p:pic>
       <p:sp>
         <p:nvSpPr>
-          <p:cNvPr id="5" name="Content Placeholder 2">
+          <p:cNvPr id="3" name="TextBox 2">
             <a:extLst>
               <a:ext uri="{FF2B5EF4-FFF2-40B4-BE49-F238E27FC236}">
-                <a16:creationId xmlns:a16="http://schemas.microsoft.com/office/drawing/2014/main" id="{DC710A13-9821-054D-8648-FB592F1CDDDF}"/>
+                <a16:creationId xmlns:a16="http://schemas.microsoft.com/office/drawing/2014/main" id="{FB32A39E-83EF-28BA-0EBA-E9D3BB28F939}"/>
               </a:ext>
             </a:extLst>
           </p:cNvPr>
-          <p:cNvSpPr txBox="1">
-            <a:spLocks/>
-          </p:cNvSpPr>
+          <p:cNvSpPr txBox="1"/>
           <p:nvPr/>
         </p:nvSpPr>
         <p:spPr>
           <a:xfrm>
-            <a:off x="4285075" y="1825625"/>
-            <a:ext cx="7068725" cy="4351338"/>
+            <a:off x="3436884" y="1690688"/>
+            <a:ext cx="8415120" cy="4370427"/>
           </a:xfrm>
           <a:prstGeom prst="rect">
             <a:avLst/>
           </a:prstGeom>
+          <a:noFill/>
         </p:spPr>
         <p:txBody>
-          <a:bodyPr vert="horz" lIns="91440" tIns="45720" rIns="91440" bIns="45720" rtlCol="0">
-            <a:normAutofit/>
+          <a:bodyPr wrap="square" rtlCol="0">
+            <a:spAutoFit/>
           </a:bodyPr>
-          <a:lstStyle>
-            <a:lvl1pPr marL="228600" indent="-228600" algn="l" defTabSz="914400" rtl="0" eaLnBrk="1" latinLnBrk="0" hangingPunct="1">
-              <a:lnSpc>
-                <a:spcPct val="90000"/>
-              </a:lnSpc>
-              <a:spcBef>
-                <a:spcPts val="1000"/>
-              </a:spcBef>
-              <a:buFont typeface="Arial"/>
-              <a:buChar char="•"/>
-              <a:defRPr sz="2800" kern="1200">
+          <a:lstStyle/>
+          <a:p>
+            <a:pPr marL="285750" indent="-285750">
+              <a:buFont typeface="Wingdings" panose="05000000000000000000" pitchFamily="2" charset="2"/>
+              <a:buChar char="Ø"/>
+            </a:pPr>
+            <a:r>
+              <a:rPr lang="en-US" sz="2000" dirty="0">
                 <a:solidFill>
-                  <a:srgbClr val="0070C0"/>
+                  <a:schemeClr val="accent1">
+                    <a:lumMod val="75000"/>
+                  </a:schemeClr>
                 </a:solidFill>
-                <a:latin typeface="IBM Plex Mono Text" panose="020B0509050203000203" pitchFamily="49" charset="0"/>
-                <a:ea typeface="+mn-ea"/>
-                <a:cs typeface="+mn-cs"/>
-              </a:defRPr>
-            </a:lvl1pPr>
-            <a:lvl2pPr marL="685800" indent="-228600" algn="l" defTabSz="914400" rtl="0" eaLnBrk="1" latinLnBrk="0" hangingPunct="1">
-              <a:lnSpc>
-                <a:spcPct val="90000"/>
-              </a:lnSpc>
-              <a:spcBef>
-                <a:spcPts val="500"/>
-              </a:spcBef>
-              <a:buFont typeface="Arial"/>
-              <a:buChar char="•"/>
-              <a:defRPr sz="2400" kern="1200">
+                <a:latin typeface="+mj-lt"/>
+              </a:rPr>
+              <a:t>The Developer Survey is conducted annually by Stack Overflow to understand trends, technologies, and the developer community’s preferences.</a:t>
+            </a:r>
+          </a:p>
+          <a:p>
+            <a:pPr marL="285750" indent="-285750">
+              <a:buFont typeface="Wingdings" panose="05000000000000000000" pitchFamily="2" charset="2"/>
+              <a:buChar char="Ø"/>
+            </a:pPr>
+            <a:r>
+              <a:rPr lang="en-US" sz="2000" dirty="0">
                 <a:solidFill>
-                  <a:srgbClr val="0070C0"/>
+                  <a:schemeClr val="accent1">
+                    <a:lumMod val="75000"/>
+                  </a:schemeClr>
                 </a:solidFill>
-                <a:latin typeface="IBM Plex Mono Text" panose="020B0509050203000203" pitchFamily="49" charset="0"/>
-                <a:ea typeface="+mn-ea"/>
-                <a:cs typeface="+mn-cs"/>
-              </a:defRPr>
-            </a:lvl2pPr>
-            <a:lvl3pPr marL="1143000" indent="-228600" algn="l" defTabSz="914400" rtl="0" eaLnBrk="1" latinLnBrk="0" hangingPunct="1">
-              <a:lnSpc>
-                <a:spcPct val="90000"/>
-              </a:lnSpc>
-              <a:spcBef>
-                <a:spcPts val="500"/>
-              </a:spcBef>
-              <a:buFont typeface="Arial"/>
-              <a:buChar char="•"/>
-              <a:defRPr sz="2000" kern="1200">
+                <a:latin typeface="+mj-lt"/>
+              </a:rPr>
+              <a:t>Nearly 90,000 developers participated in the 2019 survey, making it the most comprehensive survey of people who code globally.</a:t>
+            </a:r>
+          </a:p>
+          <a:p>
+            <a:pPr marL="285750" indent="-285750">
+              <a:buFont typeface="Wingdings" panose="05000000000000000000" pitchFamily="2" charset="2"/>
+              <a:buChar char="Ø"/>
+            </a:pPr>
+            <a:r>
+              <a:rPr lang="en-US" sz="2000" dirty="0">
                 <a:solidFill>
-                  <a:srgbClr val="0070C0"/>
+                  <a:schemeClr val="accent1">
+                    <a:lumMod val="75000"/>
+                  </a:schemeClr>
                 </a:solidFill>
-                <a:latin typeface="IBM Plex Mono Text" panose="020B0509050203000203" pitchFamily="49" charset="0"/>
-                <a:ea typeface="+mn-ea"/>
-                <a:cs typeface="+mn-cs"/>
-              </a:defRPr>
-            </a:lvl3pPr>
-            <a:lvl4pPr marL="1600200" indent="-228600" algn="l" defTabSz="914400" rtl="0" eaLnBrk="1" latinLnBrk="0" hangingPunct="1">
-              <a:lnSpc>
-                <a:spcPct val="90000"/>
-              </a:lnSpc>
-              <a:spcBef>
-                <a:spcPts val="500"/>
-              </a:spcBef>
-              <a:buFont typeface="Arial"/>
-              <a:buChar char="•"/>
-              <a:defRPr sz="1800" kern="1200">
+                <a:latin typeface="+mj-lt"/>
+              </a:rPr>
+              <a:t>The survey focuses on topics such as popular languages, databases, platforms, web frameworks, and developer demographics.</a:t>
+            </a:r>
+          </a:p>
+          <a:p>
+            <a:pPr marL="285750" indent="-285750">
+              <a:buFont typeface="Wingdings" panose="05000000000000000000" pitchFamily="2" charset="2"/>
+              <a:buChar char="Ø"/>
+            </a:pPr>
+            <a:r>
+              <a:rPr lang="en-US" sz="2000" dirty="0">
                 <a:solidFill>
-                  <a:srgbClr val="0070C0"/>
+                  <a:schemeClr val="accent1">
+                    <a:lumMod val="75000"/>
+                  </a:schemeClr>
                 </a:solidFill>
-                <a:latin typeface="IBM Plex Mono Text" panose="020B0509050203000203" pitchFamily="49" charset="0"/>
-                <a:ea typeface="+mn-ea"/>
-                <a:cs typeface="+mn-cs"/>
-              </a:defRPr>
-            </a:lvl4pPr>
-            <a:lvl5pPr marL="2057400" indent="-228600" algn="l" defTabSz="914400" rtl="0" eaLnBrk="1" latinLnBrk="0" hangingPunct="1">
-              <a:lnSpc>
-                <a:spcPct val="90000"/>
-              </a:lnSpc>
-              <a:spcBef>
-                <a:spcPts val="500"/>
-              </a:spcBef>
-              <a:buFont typeface="Arial"/>
-              <a:buChar char="•"/>
-              <a:defRPr sz="1800" kern="1200">
+                <a:latin typeface="+mj-lt"/>
+              </a:rPr>
+              <a:t>The results aim to guide learning paths, hiring strategies, and technology adoption decisions across the industry.</a:t>
+            </a:r>
+          </a:p>
+          <a:p>
+            <a:pPr marL="285750" indent="-285750">
+              <a:buFont typeface="Wingdings" panose="05000000000000000000" pitchFamily="2" charset="2"/>
+              <a:buChar char="Ø"/>
+            </a:pPr>
+            <a:r>
+              <a:rPr lang="en-US" sz="2000" dirty="0">
                 <a:solidFill>
-                  <a:srgbClr val="0070C0"/>
+                  <a:schemeClr val="accent1">
+                    <a:lumMod val="75000"/>
+                  </a:schemeClr>
                 </a:solidFill>
-                <a:latin typeface="IBM Plex Mono Text" panose="020B0509050203000203" pitchFamily="49" charset="0"/>
-                <a:ea typeface="+mn-ea"/>
-                <a:cs typeface="+mn-cs"/>
-              </a:defRPr>
-            </a:lvl5pPr>
-            <a:lvl6pPr marL="2514600" indent="-228600" algn="l" defTabSz="914400" rtl="0" eaLnBrk="1" latinLnBrk="0" hangingPunct="1">
-              <a:lnSpc>
-                <a:spcPct val="90000"/>
-              </a:lnSpc>
-              <a:spcBef>
-                <a:spcPts val="500"/>
-              </a:spcBef>
-              <a:buFont typeface="Arial"/>
-              <a:buChar char="•"/>
-              <a:defRPr sz="1800" kern="1200">
+                <a:latin typeface="+mj-lt"/>
+              </a:rPr>
+              <a:t>This presentation highlights key trends in languages, databases, platforms, and frameworks.</a:t>
+            </a:r>
+          </a:p>
+          <a:p>
+            <a:pPr marL="285750" indent="-285750">
+              <a:buFont typeface="Wingdings" panose="05000000000000000000" pitchFamily="2" charset="2"/>
+              <a:buChar char="Ø"/>
+            </a:pPr>
+            <a:r>
+              <a:rPr lang="en-US" sz="2000" dirty="0">
                 <a:solidFill>
-                  <a:schemeClr val="tx1"/>
+                  <a:schemeClr val="accent1">
+                    <a:lumMod val="75000"/>
+                  </a:schemeClr>
                 </a:solidFill>
-                <a:latin typeface="+mn-lt"/>
-                <a:ea typeface="+mn-ea"/>
-                <a:cs typeface="+mn-cs"/>
-              </a:defRPr>
-            </a:lvl6pPr>
-            <a:lvl7pPr marL="2971800" indent="-228600" algn="l" defTabSz="914400" rtl="0" eaLnBrk="1" latinLnBrk="0" hangingPunct="1">
-              <a:lnSpc>
-                <a:spcPct val="90000"/>
-              </a:lnSpc>
-              <a:spcBef>
-                <a:spcPts val="500"/>
-              </a:spcBef>
-              <a:buFont typeface="Arial"/>
-              <a:buChar char="•"/>
-              <a:defRPr sz="1800" kern="1200">
-                <a:solidFill>
-                  <a:schemeClr val="tx1"/>
-                </a:solidFill>
-                <a:latin typeface="+mn-lt"/>
-                <a:ea typeface="+mn-ea"/>
-                <a:cs typeface="+mn-cs"/>
-              </a:defRPr>
-            </a:lvl7pPr>
-            <a:lvl8pPr marL="3429000" indent="-228600" algn="l" defTabSz="914400" rtl="0" eaLnBrk="1" latinLnBrk="0" hangingPunct="1">
-              <a:lnSpc>
-                <a:spcPct val="90000"/>
-              </a:lnSpc>
-              <a:spcBef>
-                <a:spcPts val="500"/>
-              </a:spcBef>
-              <a:buFont typeface="Arial"/>
-              <a:buChar char="•"/>
-              <a:defRPr sz="1800" kern="1200">
-                <a:solidFill>
-                  <a:schemeClr val="tx1"/>
-                </a:solidFill>
-                <a:latin typeface="+mn-lt"/>
-                <a:ea typeface="+mn-ea"/>
-                <a:cs typeface="+mn-cs"/>
-              </a:defRPr>
-            </a:lvl8pPr>
-            <a:lvl9pPr marL="3886200" indent="-228600" algn="l" defTabSz="914400" rtl="0" eaLnBrk="1" latinLnBrk="0" hangingPunct="1">
-              <a:lnSpc>
-                <a:spcPct val="90000"/>
-              </a:lnSpc>
-              <a:spcBef>
-                <a:spcPts val="500"/>
-              </a:spcBef>
-              <a:buFont typeface="Arial"/>
-              <a:buChar char="•"/>
-              <a:defRPr sz="1800" kern="1200">
-                <a:solidFill>
-                  <a:schemeClr val="tx1"/>
-                </a:solidFill>
-                <a:latin typeface="+mn-lt"/>
-                <a:ea typeface="+mn-ea"/>
-                <a:cs typeface="+mn-cs"/>
-              </a:defRPr>
-            </a:lvl9pPr>
-          </a:lstStyle>
-          <a:p>
-            <a:r>
-              <a:rPr lang="en-US" sz="2200"/>
-              <a:t>Point1</a:t>
-            </a:r>
-          </a:p>
-          <a:p>
-            <a:r>
-              <a:rPr lang="en-US" sz="2200"/>
-              <a:t>Point2</a:t>
-            </a:r>
-          </a:p>
-          <a:p>
-            <a:r>
-              <a:rPr lang="en-US" sz="2200"/>
-              <a:t>Point3</a:t>
-            </a:r>
-          </a:p>
-          <a:p>
-            <a:r>
-              <a:rPr lang="en-US" sz="2200"/>
-              <a:t>Point4</a:t>
-            </a:r>
-          </a:p>
-          <a:p>
-            <a:pPr lvl="1"/>
-            <a:r>
-              <a:rPr lang="en-US" sz="1800"/>
-              <a:t>Sub Point1</a:t>
-            </a:r>
-          </a:p>
-          <a:p>
-            <a:pPr lvl="1"/>
-            <a:r>
-              <a:rPr lang="en-US" sz="1800"/>
-              <a:t>Sub Point2</a:t>
-            </a:r>
-            <a:endParaRPr lang="en-US" sz="1800" dirty="0"/>
+                <a:latin typeface="+mj-lt"/>
+              </a:rPr>
+              <a:t>Demographic insights, including gender, age, education, and geographical distribution, are also analyzed.</a:t>
+            </a:r>
+          </a:p>
+          <a:p>
+            <a:endParaRPr lang="en-US" dirty="0"/>
           </a:p>
         </p:txBody>
       </p:sp>
@@ -8962,41 +12097,75 @@
           </a:bodyPr>
           <a:lstStyle/>
           <a:p>
-            <a:r>
-              <a:rPr lang="en-US" sz="2200" dirty="0"/>
-              <a:t>Point1</a:t>
-            </a:r>
-          </a:p>
-          <a:p>
-            <a:r>
-              <a:rPr lang="en-US" sz="2200" dirty="0"/>
-              <a:t>Point2</a:t>
-            </a:r>
-          </a:p>
-          <a:p>
-            <a:r>
-              <a:rPr lang="en-US" sz="2200" dirty="0"/>
-              <a:t>Point3</a:t>
-            </a:r>
-          </a:p>
-          <a:p>
-            <a:r>
-              <a:rPr lang="en-US" sz="2200" dirty="0"/>
-              <a:t>Point4</a:t>
-            </a:r>
-          </a:p>
-          <a:p>
-            <a:pPr lvl="1"/>
-            <a:r>
-              <a:rPr lang="en-US" sz="1800" dirty="0"/>
-              <a:t>Sub Point1</a:t>
-            </a:r>
-          </a:p>
-          <a:p>
-            <a:pPr lvl="1"/>
-            <a:r>
-              <a:rPr lang="en-US" sz="1800" dirty="0"/>
-              <a:t>Sub Point2</a:t>
+            <a:pPr>
+              <a:buFont typeface="Wingdings" panose="05000000000000000000" pitchFamily="2" charset="2"/>
+              <a:buChar char="Ø"/>
+            </a:pPr>
+            <a:r>
+              <a:rPr lang="en-US" sz="2000" dirty="0">
+                <a:latin typeface="+mj-lt"/>
+              </a:rPr>
+              <a:t>Data collected from nearly 90,000 developers worldwide through a structured survey.</a:t>
+            </a:r>
+          </a:p>
+          <a:p>
+            <a:pPr>
+              <a:buFont typeface="Wingdings" panose="05000000000000000000" pitchFamily="2" charset="2"/>
+              <a:buChar char="Ø"/>
+            </a:pPr>
+            <a:r>
+              <a:rPr lang="en-US" sz="2000" dirty="0">
+                <a:latin typeface="+mj-lt"/>
+              </a:rPr>
+              <a:t>Survey questions focused on various topics, including languages, databases, platforms, and frameworks used by developers.</a:t>
+            </a:r>
+          </a:p>
+          <a:p>
+            <a:pPr>
+              <a:buFont typeface="Wingdings" panose="05000000000000000000" pitchFamily="2" charset="2"/>
+              <a:buChar char="Ø"/>
+            </a:pPr>
+            <a:r>
+              <a:rPr lang="en-US" sz="2000" dirty="0">
+                <a:latin typeface="+mj-lt"/>
+              </a:rPr>
+              <a:t>Demographic data such as gender, age, education level, and geographical distribution were also captured.</a:t>
+            </a:r>
+          </a:p>
+          <a:p>
+            <a:pPr>
+              <a:buFont typeface="Wingdings" panose="05000000000000000000" pitchFamily="2" charset="2"/>
+              <a:buChar char="Ø"/>
+            </a:pPr>
+            <a:r>
+              <a:rPr lang="en-US" sz="2000" dirty="0">
+                <a:latin typeface="+mj-lt"/>
+              </a:rPr>
+              <a:t>The responses were analyzed to identify current trends and future preferences in the developer community.</a:t>
+            </a:r>
+          </a:p>
+          <a:p>
+            <a:pPr>
+              <a:buFont typeface="Wingdings" panose="05000000000000000000" pitchFamily="2" charset="2"/>
+              <a:buChar char="Ø"/>
+            </a:pPr>
+            <a:r>
+              <a:rPr lang="en-US" sz="2000" dirty="0">
+                <a:latin typeface="+mj-lt"/>
+              </a:rPr>
+              <a:t>Quantitative analysis was conducted to determine the most popular and desired technologies.</a:t>
+            </a:r>
+          </a:p>
+          <a:p>
+            <a:pPr>
+              <a:buFont typeface="Wingdings" panose="05000000000000000000" pitchFamily="2" charset="2"/>
+              <a:buChar char="Ø"/>
+            </a:pPr>
+            <a:r>
+              <a:rPr lang="en-US" sz="2000" dirty="0">
+                <a:latin typeface="+mj-lt"/>
+              </a:rPr>
+              <a:t>Data visualization techniques were used to represent key findings clearly and effectively.</a:t>
             </a:r>
           </a:p>
         </p:txBody>
@@ -9140,6 +12309,350 @@
               <a:buNone/>
             </a:pPr>
             <a:endParaRPr lang="en-US" sz="1800" dirty="0"/>
+          </a:p>
+        </p:txBody>
+      </p:sp>
+      <p:sp>
+        <p:nvSpPr>
+          <p:cNvPr id="4" name="TextBox 3">
+            <a:extLst>
+              <a:ext uri="{FF2B5EF4-FFF2-40B4-BE49-F238E27FC236}">
+                <a16:creationId xmlns:a16="http://schemas.microsoft.com/office/drawing/2014/main" id="{88DE8271-F58A-96B4-6573-6C238DC0BAA9}"/>
+              </a:ext>
+            </a:extLst>
+          </p:cNvPr>
+          <p:cNvSpPr txBox="1"/>
+          <p:nvPr/>
+        </p:nvSpPr>
+        <p:spPr>
+          <a:xfrm>
+            <a:off x="299766" y="1522522"/>
+            <a:ext cx="6555606" cy="4801314"/>
+          </a:xfrm>
+          <a:prstGeom prst="rect">
+            <a:avLst/>
+          </a:prstGeom>
+          <a:noFill/>
+        </p:spPr>
+        <p:txBody>
+          <a:bodyPr wrap="square" rtlCol="0">
+            <a:spAutoFit/>
+          </a:bodyPr>
+          <a:lstStyle/>
+          <a:p>
+            <a:r>
+              <a:rPr lang="en-US" b="1" dirty="0">
+                <a:solidFill>
+                  <a:schemeClr val="accent1">
+                    <a:lumMod val="75000"/>
+                  </a:schemeClr>
+                </a:solidFill>
+              </a:rPr>
+              <a:t>Languages:</a:t>
+            </a:r>
+            <a:endParaRPr lang="en-US" dirty="0">
+              <a:solidFill>
+                <a:schemeClr val="accent1">
+                  <a:lumMod val="75000"/>
+                </a:schemeClr>
+              </a:solidFill>
+            </a:endParaRPr>
+          </a:p>
+          <a:p>
+            <a:r>
+              <a:rPr lang="en-US" dirty="0">
+                <a:solidFill>
+                  <a:schemeClr val="accent1">
+                    <a:lumMod val="75000"/>
+                  </a:schemeClr>
+                </a:solidFill>
+              </a:rPr>
+              <a:t>JavaScript, HTML/CSS, and SQL are the most widely used languages.</a:t>
+            </a:r>
+          </a:p>
+          <a:p>
+            <a:r>
+              <a:rPr lang="en-US" dirty="0">
+                <a:solidFill>
+                  <a:schemeClr val="accent1">
+                    <a:lumMod val="75000"/>
+                  </a:schemeClr>
+                </a:solidFill>
+              </a:rPr>
+              <a:t>JavaScript and Python are the most desired languages for next year.</a:t>
+            </a:r>
+          </a:p>
+          <a:p>
+            <a:br>
+              <a:rPr lang="en-US" dirty="0">
+                <a:solidFill>
+                  <a:schemeClr val="accent1">
+                    <a:lumMod val="75000"/>
+                  </a:schemeClr>
+                </a:solidFill>
+              </a:rPr>
+            </a:br>
+            <a:r>
+              <a:rPr lang="en-US" b="1" dirty="0">
+                <a:solidFill>
+                  <a:schemeClr val="accent1">
+                    <a:lumMod val="75000"/>
+                  </a:schemeClr>
+                </a:solidFill>
+              </a:rPr>
+              <a:t>Databases:</a:t>
+            </a:r>
+            <a:endParaRPr lang="en-US" dirty="0">
+              <a:solidFill>
+                <a:schemeClr val="accent1">
+                  <a:lumMod val="75000"/>
+                </a:schemeClr>
+              </a:solidFill>
+            </a:endParaRPr>
+          </a:p>
+          <a:p>
+            <a:r>
+              <a:rPr lang="en-US" dirty="0">
+                <a:solidFill>
+                  <a:schemeClr val="accent1">
+                    <a:lumMod val="75000"/>
+                  </a:schemeClr>
+                </a:solidFill>
+              </a:rPr>
+              <a:t>MySQL and PostgreSQL are the most popular databases.</a:t>
+            </a:r>
+          </a:p>
+          <a:p>
+            <a:r>
+              <a:rPr lang="en-US" dirty="0">
+                <a:solidFill>
+                  <a:schemeClr val="accent1">
+                    <a:lumMod val="75000"/>
+                  </a:schemeClr>
+                </a:solidFill>
+              </a:rPr>
+              <a:t>PostgreSQL is the most desired database for the future, followed by MongoDB and Redis.</a:t>
+            </a:r>
+          </a:p>
+          <a:p>
+            <a:br>
+              <a:rPr lang="en-US" dirty="0">
+                <a:solidFill>
+                  <a:schemeClr val="accent1">
+                    <a:lumMod val="75000"/>
+                  </a:schemeClr>
+                </a:solidFill>
+              </a:rPr>
+            </a:br>
+            <a:r>
+              <a:rPr lang="en-US" b="1" dirty="0">
+                <a:solidFill>
+                  <a:schemeClr val="accent1">
+                    <a:lumMod val="75000"/>
+                  </a:schemeClr>
+                </a:solidFill>
+              </a:rPr>
+              <a:t>Platforms:</a:t>
+            </a:r>
+            <a:endParaRPr lang="en-US" dirty="0">
+              <a:solidFill>
+                <a:schemeClr val="accent1">
+                  <a:lumMod val="75000"/>
+                </a:schemeClr>
+              </a:solidFill>
+            </a:endParaRPr>
+          </a:p>
+          <a:p>
+            <a:r>
+              <a:rPr lang="en-US" dirty="0">
+                <a:solidFill>
+                  <a:schemeClr val="accent1">
+                    <a:lumMod val="75000"/>
+                  </a:schemeClr>
+                </a:solidFill>
+              </a:rPr>
+              <a:t>Linux, Windows, and Docker are the most commonly used platforms.</a:t>
+            </a:r>
+          </a:p>
+          <a:p>
+            <a:r>
+              <a:rPr lang="en-US" dirty="0">
+                <a:solidFill>
+                  <a:schemeClr val="accent1">
+                    <a:lumMod val="75000"/>
+                  </a:schemeClr>
+                </a:solidFill>
+              </a:rPr>
+              <a:t>Docker and Kubernetes are highly desired for future use.</a:t>
+            </a:r>
+          </a:p>
+          <a:p>
+            <a:br>
+              <a:rPr lang="en-US" dirty="0">
+                <a:solidFill>
+                  <a:schemeClr val="accent1">
+                    <a:lumMod val="75000"/>
+                  </a:schemeClr>
+                </a:solidFill>
+              </a:rPr>
+            </a:br>
+            <a:r>
+              <a:rPr lang="en-US" b="1" dirty="0">
+                <a:solidFill>
+                  <a:schemeClr val="accent1">
+                    <a:lumMod val="75000"/>
+                  </a:schemeClr>
+                </a:solidFill>
+              </a:rPr>
+              <a:t>Frameworks:</a:t>
+            </a:r>
+            <a:endParaRPr lang="en-US" dirty="0">
+              <a:solidFill>
+                <a:schemeClr val="accent1">
+                  <a:lumMod val="75000"/>
+                </a:schemeClr>
+              </a:solidFill>
+            </a:endParaRPr>
+          </a:p>
+          <a:p>
+            <a:r>
+              <a:rPr lang="en-US" dirty="0">
+                <a:solidFill>
+                  <a:schemeClr val="accent1">
+                    <a:lumMod val="75000"/>
+                  </a:schemeClr>
+                </a:solidFill>
+              </a:rPr>
+              <a:t>jQuery, Angular, and React.js dominate the current landscape.</a:t>
+            </a:r>
+          </a:p>
+          <a:p>
+            <a:r>
+              <a:rPr lang="en-US" dirty="0">
+                <a:solidFill>
+                  <a:schemeClr val="accent1">
+                    <a:lumMod val="75000"/>
+                  </a:schemeClr>
+                </a:solidFill>
+              </a:rPr>
+              <a:t>React.js is the most desired framework for next year.</a:t>
+            </a:r>
+            <a:endParaRPr lang="en-US" dirty="0"/>
+          </a:p>
+        </p:txBody>
+      </p:sp>
+      <p:sp>
+        <p:nvSpPr>
+          <p:cNvPr id="5" name="TextBox 4">
+            <a:extLst>
+              <a:ext uri="{FF2B5EF4-FFF2-40B4-BE49-F238E27FC236}">
+                <a16:creationId xmlns:a16="http://schemas.microsoft.com/office/drawing/2014/main" id="{3A6E752A-CDCA-458E-64AB-2BE419C7EF1A}"/>
+              </a:ext>
+            </a:extLst>
+          </p:cNvPr>
+          <p:cNvSpPr txBox="1"/>
+          <p:nvPr/>
+        </p:nvSpPr>
+        <p:spPr>
+          <a:xfrm>
+            <a:off x="6978869" y="1522522"/>
+            <a:ext cx="4498428" cy="2585323"/>
+          </a:xfrm>
+          <a:prstGeom prst="rect">
+            <a:avLst/>
+          </a:prstGeom>
+          <a:noFill/>
+        </p:spPr>
+        <p:txBody>
+          <a:bodyPr wrap="square" rtlCol="0">
+            <a:spAutoFit/>
+          </a:bodyPr>
+          <a:lstStyle/>
+          <a:p>
+            <a:r>
+              <a:rPr lang="en-US" b="1" dirty="0">
+                <a:solidFill>
+                  <a:schemeClr val="accent1">
+                    <a:lumMod val="75000"/>
+                  </a:schemeClr>
+                </a:solidFill>
+              </a:rPr>
+              <a:t>Demographics:</a:t>
+            </a:r>
+            <a:endParaRPr lang="en-US" dirty="0">
+              <a:solidFill>
+                <a:schemeClr val="accent1">
+                  <a:lumMod val="75000"/>
+                </a:schemeClr>
+              </a:solidFill>
+            </a:endParaRPr>
+          </a:p>
+          <a:p>
+            <a:r>
+              <a:rPr lang="en-US" dirty="0">
+                <a:solidFill>
+                  <a:schemeClr val="accent1">
+                    <a:lumMod val="75000"/>
+                  </a:schemeClr>
+                </a:solidFill>
+              </a:rPr>
+              <a:t>Majority of respondents are male (93.5%).</a:t>
+            </a:r>
+          </a:p>
+          <a:p>
+            <a:r>
+              <a:rPr lang="en-US" dirty="0">
+                <a:solidFill>
+                  <a:schemeClr val="accent1">
+                    <a:lumMod val="75000"/>
+                  </a:schemeClr>
+                </a:solidFill>
+              </a:rPr>
+              <a:t>Most respondents are between 20-30 years old.</a:t>
+            </a:r>
+          </a:p>
+          <a:p>
+            <a:br>
+              <a:rPr lang="en-US" dirty="0">
+                <a:solidFill>
+                  <a:schemeClr val="accent1">
+                    <a:lumMod val="75000"/>
+                  </a:schemeClr>
+                </a:solidFill>
+              </a:rPr>
+            </a:br>
+            <a:r>
+              <a:rPr lang="en-US" b="1" dirty="0">
+                <a:solidFill>
+                  <a:schemeClr val="accent1">
+                    <a:lumMod val="75000"/>
+                  </a:schemeClr>
+                </a:solidFill>
+              </a:rPr>
+              <a:t>Geography:</a:t>
+            </a:r>
+            <a:endParaRPr lang="en-US" dirty="0">
+              <a:solidFill>
+                <a:schemeClr val="accent1">
+                  <a:lumMod val="75000"/>
+                </a:schemeClr>
+              </a:solidFill>
+            </a:endParaRPr>
+          </a:p>
+          <a:p>
+            <a:r>
+              <a:rPr lang="en-US" dirty="0">
+                <a:solidFill>
+                  <a:schemeClr val="accent1">
+                    <a:lumMod val="75000"/>
+                  </a:schemeClr>
+                </a:solidFill>
+              </a:rPr>
+              <a:t>The highest concentration of respondents is in North America and Europe.</a:t>
+            </a:r>
+          </a:p>
+          <a:p>
+            <a:endParaRPr lang="en-US" dirty="0"/>
           </a:p>
         </p:txBody>
       </p:sp>
@@ -9395,115 +12908,330 @@
       </p:sp>
       <p:sp>
         <p:nvSpPr>
-          <p:cNvPr id="3" name="Content Placeholder 2">
+          <p:cNvPr id="8" name="Rectangle 2">
             <a:extLst>
               <a:ext uri="{FF2B5EF4-FFF2-40B4-BE49-F238E27FC236}">
-                <a16:creationId xmlns:a16="http://schemas.microsoft.com/office/drawing/2014/main" id="{E4FC0D20-FACF-4D73-BD27-CF8F6B97546A}"/>
+                <a16:creationId xmlns:a16="http://schemas.microsoft.com/office/drawing/2014/main" id="{BE724410-5855-CD65-05EA-6A685B8E2773}"/>
               </a:ext>
             </a:extLst>
           </p:cNvPr>
           <p:cNvSpPr>
-            <a:spLocks noGrp="1"/>
+            <a:spLocks noChangeArrowheads="1"/>
           </p:cNvSpPr>
-          <p:nvPr>
-            <p:ph sz="half" idx="1"/>
-          </p:nvPr>
+          <p:nvPr/>
         </p:nvSpPr>
-        <p:spPr>
+        <p:spPr bwMode="auto">
           <a:xfrm>
-            <a:off x="813816" y="1825625"/>
-            <a:ext cx="5181600" cy="4351338"/>
+            <a:off x="838200" y="1690686"/>
+            <a:ext cx="5693980" cy="1938992"/>
           </a:xfrm>
+          <a:prstGeom prst="rect">
+            <a:avLst/>
+          </a:prstGeom>
+          <a:noFill/>
+          <a:ln>
+            <a:noFill/>
+          </a:ln>
+          <a:effectLst/>
+          <a:extLst>
+            <a:ext uri="{909E8E84-426E-40DD-AFC4-6F175D3DCCD1}">
+              <a14:hiddenFill xmlns:a14="http://schemas.microsoft.com/office/drawing/2010/main">
+                <a:solidFill>
+                  <a:schemeClr val="accent1"/>
+                </a:solidFill>
+              </a14:hiddenFill>
+            </a:ext>
+            <a:ext uri="{91240B29-F687-4F45-9708-019B960494DF}">
+              <a14:hiddenLine xmlns:a14="http://schemas.microsoft.com/office/drawing/2010/main" w="9525">
+                <a:solidFill>
+                  <a:schemeClr val="tx1"/>
+                </a:solidFill>
+                <a:miter lim="800000"/>
+                <a:headEnd/>
+                <a:tailEnd/>
+              </a14:hiddenLine>
+            </a:ext>
+            <a:ext uri="{AF507438-7753-43E0-B8FC-AC1667EBCBE1}">
+              <a14:hiddenEffects xmlns:a14="http://schemas.microsoft.com/office/drawing/2010/main">
+                <a:effectLst>
+                  <a:outerShdw dist="35921" dir="2700000" algn="ctr" rotWithShape="0">
+                    <a:schemeClr val="bg2"/>
+                  </a:outerShdw>
+                </a:effectLst>
+              </a14:hiddenEffects>
+            </a:ext>
+          </a:extLst>
         </p:spPr>
         <p:txBody>
-          <a:bodyPr/>
+          <a:bodyPr vert="horz" wrap="square" lIns="91440" tIns="45720" rIns="91440" bIns="45720" numCol="1" anchor="ctr" anchorCtr="0" compatLnSpc="1">
+            <a:prstTxWarp prst="textNoShape">
+              <a:avLst/>
+            </a:prstTxWarp>
+            <a:spAutoFit/>
+          </a:bodyPr>
           <a:lstStyle/>
           <a:p>
-            <a:pPr marL="0" indent="0">
-              <a:buNone/>
+            <a:pPr marL="285750" marR="0" lvl="0" indent="-285750" algn="l" defTabSz="914400" rtl="0" eaLnBrk="0" fontAlgn="base" latinLnBrk="0" hangingPunct="0">
+              <a:lnSpc>
+                <a:spcPct val="100000"/>
+              </a:lnSpc>
+              <a:spcBef>
+                <a:spcPct val="0"/>
+              </a:spcBef>
+              <a:spcAft>
+                <a:spcPct val="0"/>
+              </a:spcAft>
+              <a:buClrTx/>
+              <a:buSzTx/>
+              <a:buFont typeface="Wingdings" panose="05000000000000000000" pitchFamily="2" charset="2"/>
+              <a:buChar char="q"/>
+              <a:tabLst/>
             </a:pPr>
             <a:r>
-              <a:rPr lang="en-US" dirty="0"/>
-              <a:t>Findings</a:t>
-            </a:r>
-          </a:p>
-          <a:p>
-            <a:pPr marL="0" indent="0">
-              <a:buNone/>
+              <a:rPr kumimoji="0" lang="en-US" altLang="en-US" sz="2000" b="0" i="0" u="none" strike="noStrike" cap="none" normalizeH="0" baseline="0" dirty="0">
+                <a:ln>
+                  <a:noFill/>
+                </a:ln>
+                <a:solidFill>
+                  <a:schemeClr val="accent1">
+                    <a:lumMod val="75000"/>
+                  </a:schemeClr>
+                </a:solidFill>
+                <a:effectLst/>
+                <a:latin typeface="+mj-lt"/>
+              </a:rPr>
+              <a:t>JavaScript remains the most widely used programming language.</a:t>
+            </a:r>
+          </a:p>
+          <a:p>
+            <a:pPr marL="285750" marR="0" lvl="0" indent="-285750" algn="l" defTabSz="914400" rtl="0" eaLnBrk="0" fontAlgn="base" latinLnBrk="0" hangingPunct="0">
+              <a:lnSpc>
+                <a:spcPct val="100000"/>
+              </a:lnSpc>
+              <a:spcBef>
+                <a:spcPct val="0"/>
+              </a:spcBef>
+              <a:spcAft>
+                <a:spcPct val="0"/>
+              </a:spcAft>
+              <a:buClrTx/>
+              <a:buSzTx/>
+              <a:buFont typeface="Wingdings" panose="05000000000000000000" pitchFamily="2" charset="2"/>
+              <a:buChar char="q"/>
+              <a:tabLst/>
             </a:pPr>
-            <a:endParaRPr lang="en-US" dirty="0"/>
-          </a:p>
-          <a:p>
-            <a:r>
-              <a:rPr lang="en-US" dirty="0"/>
-              <a:t>Finding 1</a:t>
-            </a:r>
-          </a:p>
-          <a:p>
-            <a:r>
-              <a:rPr lang="en-US" dirty="0"/>
-              <a:t>Finding 2</a:t>
-            </a:r>
-          </a:p>
-          <a:p>
-            <a:r>
-              <a:rPr lang="en-US" dirty="0"/>
-              <a:t>Finding 3</a:t>
+            <a:r>
+              <a:rPr kumimoji="0" lang="en-US" altLang="en-US" sz="2000" b="0" i="0" u="none" strike="noStrike" cap="none" normalizeH="0" baseline="0" dirty="0">
+                <a:ln>
+                  <a:noFill/>
+                </a:ln>
+                <a:solidFill>
+                  <a:schemeClr val="accent1">
+                    <a:lumMod val="75000"/>
+                  </a:schemeClr>
+                </a:solidFill>
+                <a:effectLst/>
+                <a:latin typeface="+mj-lt"/>
+              </a:rPr>
+              <a:t>Python shows strong growth and demand, surpassing Java in popularity.</a:t>
+            </a:r>
+          </a:p>
+          <a:p>
+            <a:pPr marL="285750" marR="0" lvl="0" indent="-285750" algn="l" defTabSz="914400" rtl="0" eaLnBrk="0" fontAlgn="base" latinLnBrk="0" hangingPunct="0">
+              <a:lnSpc>
+                <a:spcPct val="100000"/>
+              </a:lnSpc>
+              <a:spcBef>
+                <a:spcPct val="0"/>
+              </a:spcBef>
+              <a:spcAft>
+                <a:spcPct val="0"/>
+              </a:spcAft>
+              <a:buClrTx/>
+              <a:buSzTx/>
+              <a:buFont typeface="Wingdings" panose="05000000000000000000" pitchFamily="2" charset="2"/>
+              <a:buChar char="q"/>
+              <a:tabLst/>
+            </a:pPr>
+            <a:r>
+              <a:rPr kumimoji="0" lang="en-US" altLang="en-US" sz="2000" b="0" i="0" u="none" strike="noStrike" cap="none" normalizeH="0" baseline="0" dirty="0">
+                <a:ln>
+                  <a:noFill/>
+                </a:ln>
+                <a:solidFill>
+                  <a:schemeClr val="accent1">
+                    <a:lumMod val="75000"/>
+                  </a:schemeClr>
+                </a:solidFill>
+                <a:effectLst/>
+                <a:latin typeface="+mj-lt"/>
+              </a:rPr>
+              <a:t>SQL maintains its importance for database interaction across industries. </a:t>
             </a:r>
           </a:p>
         </p:txBody>
       </p:sp>
       <p:sp>
         <p:nvSpPr>
-          <p:cNvPr id="4" name="Content Placeholder 3">
+          <p:cNvPr id="12" name="Rectangle 3">
             <a:extLst>
               <a:ext uri="{FF2B5EF4-FFF2-40B4-BE49-F238E27FC236}">
-                <a16:creationId xmlns:a16="http://schemas.microsoft.com/office/drawing/2014/main" id="{ACA6A89D-097D-4968-A07A-39A5B4F78A62}"/>
+                <a16:creationId xmlns:a16="http://schemas.microsoft.com/office/drawing/2014/main" id="{D2412AAD-C0BF-9285-D7DB-1691A0DDBC82}"/>
               </a:ext>
             </a:extLst>
           </p:cNvPr>
           <p:cNvSpPr>
-            <a:spLocks noGrp="1"/>
+            <a:spLocks noChangeArrowheads="1"/>
           </p:cNvSpPr>
-          <p:nvPr>
-            <p:ph sz="half" idx="2"/>
-          </p:nvPr>
+          <p:nvPr/>
         </p:nvSpPr>
-        <p:spPr/>
+        <p:spPr bwMode="auto">
+          <a:xfrm>
+            <a:off x="5812221" y="1690687"/>
+            <a:ext cx="5612524" cy="2246769"/>
+          </a:xfrm>
+          <a:prstGeom prst="rect">
+            <a:avLst/>
+          </a:prstGeom>
+          <a:noFill/>
+          <a:ln>
+            <a:noFill/>
+          </a:ln>
+          <a:effectLst/>
+          <a:extLst>
+            <a:ext uri="{909E8E84-426E-40DD-AFC4-6F175D3DCCD1}">
+              <a14:hiddenFill xmlns:a14="http://schemas.microsoft.com/office/drawing/2010/main">
+                <a:solidFill>
+                  <a:schemeClr val="accent1"/>
+                </a:solidFill>
+              </a14:hiddenFill>
+            </a:ext>
+            <a:ext uri="{91240B29-F687-4F45-9708-019B960494DF}">
+              <a14:hiddenLine xmlns:a14="http://schemas.microsoft.com/office/drawing/2010/main" w="9525">
+                <a:solidFill>
+                  <a:schemeClr val="tx1"/>
+                </a:solidFill>
+                <a:miter lim="800000"/>
+                <a:headEnd/>
+                <a:tailEnd/>
+              </a14:hiddenLine>
+            </a:ext>
+            <a:ext uri="{AF507438-7753-43E0-B8FC-AC1667EBCBE1}">
+              <a14:hiddenEffects xmlns:a14="http://schemas.microsoft.com/office/drawing/2010/main">
+                <a:effectLst>
+                  <a:outerShdw dist="35921" dir="2700000" algn="ctr" rotWithShape="0">
+                    <a:schemeClr val="bg2"/>
+                  </a:outerShdw>
+                </a:effectLst>
+              </a14:hiddenEffects>
+            </a:ext>
+          </a:extLst>
+        </p:spPr>
         <p:txBody>
-          <a:bodyPr/>
+          <a:bodyPr vert="horz" wrap="square" lIns="91440" tIns="45720" rIns="91440" bIns="45720" numCol="1" anchor="ctr" anchorCtr="0" compatLnSpc="1">
+            <a:prstTxWarp prst="textNoShape">
+              <a:avLst/>
+            </a:prstTxWarp>
+            <a:spAutoFit/>
+          </a:bodyPr>
           <a:lstStyle/>
           <a:p>
-            <a:pPr marL="0" indent="0">
-              <a:buNone/>
+            <a:pPr marL="342900" marR="0" lvl="0" indent="-342900" algn="l" defTabSz="914400" rtl="0" eaLnBrk="0" fontAlgn="base" latinLnBrk="0" hangingPunct="0">
+              <a:lnSpc>
+                <a:spcPct val="100000"/>
+              </a:lnSpc>
+              <a:spcBef>
+                <a:spcPct val="0"/>
+              </a:spcBef>
+              <a:spcAft>
+                <a:spcPct val="0"/>
+              </a:spcAft>
+              <a:buClrTx/>
+              <a:buSzTx/>
+              <a:buFont typeface="Wingdings" panose="05000000000000000000" pitchFamily="2" charset="2"/>
+              <a:buChar char="q"/>
+              <a:tabLst/>
             </a:pPr>
             <a:r>
-              <a:rPr lang="en-US" dirty="0"/>
-              <a:t>Implications</a:t>
-            </a:r>
-          </a:p>
-          <a:p>
-            <a:pPr marL="0" indent="0">
-              <a:buNone/>
+              <a:rPr kumimoji="0" lang="en-US" altLang="en-US" sz="2000" b="0" i="0" u="none" strike="noStrike" cap="none" normalizeH="0" baseline="0" dirty="0">
+                <a:ln>
+                  <a:noFill/>
+                </a:ln>
+                <a:solidFill>
+                  <a:schemeClr val="accent1">
+                    <a:lumMod val="75000"/>
+                  </a:schemeClr>
+                </a:solidFill>
+                <a:effectLst/>
+                <a:latin typeface="+mj-lt"/>
+              </a:rPr>
+              <a:t>Developers should prioritize learning JavaScript and its frameworks for web development roles.</a:t>
+            </a:r>
+          </a:p>
+          <a:p>
+            <a:pPr marL="342900" marR="0" lvl="0" indent="-342900" algn="l" defTabSz="914400" rtl="0" eaLnBrk="0" fontAlgn="base" latinLnBrk="0" hangingPunct="0">
+              <a:lnSpc>
+                <a:spcPct val="100000"/>
+              </a:lnSpc>
+              <a:spcBef>
+                <a:spcPct val="0"/>
+              </a:spcBef>
+              <a:spcAft>
+                <a:spcPct val="0"/>
+              </a:spcAft>
+              <a:buClrTx/>
+              <a:buSzTx/>
+              <a:buFont typeface="Wingdings" panose="05000000000000000000" pitchFamily="2" charset="2"/>
+              <a:buChar char="q"/>
+              <a:tabLst/>
             </a:pPr>
-            <a:endParaRPr lang="en-US" dirty="0"/>
-          </a:p>
-          <a:p>
-            <a:r>
-              <a:rPr lang="en-US" dirty="0"/>
-              <a:t>Implication 1</a:t>
-            </a:r>
-          </a:p>
-          <a:p>
-            <a:r>
-              <a:rPr lang="en-US" dirty="0"/>
-              <a:t>Implication 2</a:t>
-            </a:r>
-          </a:p>
-          <a:p>
-            <a:r>
-              <a:rPr lang="en-US" dirty="0"/>
-              <a:t>Implication 3</a:t>
+            <a:r>
+              <a:rPr kumimoji="0" lang="en-US" altLang="en-US" sz="2000" b="0" i="0" u="none" strike="noStrike" cap="none" normalizeH="0" baseline="0" dirty="0">
+                <a:ln>
+                  <a:noFill/>
+                </a:ln>
+                <a:solidFill>
+                  <a:schemeClr val="accent1">
+                    <a:lumMod val="75000"/>
+                  </a:schemeClr>
+                </a:solidFill>
+                <a:effectLst/>
+                <a:latin typeface="+mj-lt"/>
+              </a:rPr>
+              <a:t>Python’s popularity highlights the growing need for skills in data science, AI, and automation.</a:t>
+            </a:r>
+          </a:p>
+          <a:p>
+            <a:pPr marL="342900" marR="0" lvl="0" indent="-342900" algn="l" defTabSz="914400" rtl="0" eaLnBrk="0" fontAlgn="base" latinLnBrk="0" hangingPunct="0">
+              <a:lnSpc>
+                <a:spcPct val="100000"/>
+              </a:lnSpc>
+              <a:spcBef>
+                <a:spcPct val="0"/>
+              </a:spcBef>
+              <a:spcAft>
+                <a:spcPct val="0"/>
+              </a:spcAft>
+              <a:buClrTx/>
+              <a:buSzTx/>
+              <a:buFont typeface="Wingdings" panose="05000000000000000000" pitchFamily="2" charset="2"/>
+              <a:buChar char="q"/>
+              <a:tabLst/>
+            </a:pPr>
+            <a:r>
+              <a:rPr kumimoji="0" lang="en-US" altLang="en-US" sz="2000" b="0" i="0" u="none" strike="noStrike" cap="none" normalizeH="0" baseline="0" dirty="0">
+                <a:ln>
+                  <a:noFill/>
+                </a:ln>
+                <a:solidFill>
+                  <a:schemeClr val="accent1">
+                    <a:lumMod val="75000"/>
+                  </a:schemeClr>
+                </a:solidFill>
+                <a:effectLst/>
+                <a:latin typeface="+mj-lt"/>
+              </a:rPr>
+              <a:t>SQL’s continued relevance emphasizes the importance of database management and querying skills in software development. </a:t>
             </a:r>
           </a:p>
         </p:txBody>
@@ -10219,6 +13947,15 @@
 </file>
 
 <file path=customXml/item2.xml><?xml version="1.0" encoding="utf-8"?>
+<?mso-contentType ?>
+<FormTemplates xmlns="http://schemas.microsoft.com/sharepoint/v3/contenttype/forms">
+  <Display>DocumentLibraryForm</Display>
+  <Edit>DocumentLibraryForm</Edit>
+  <New>DocumentLibraryForm</New>
+</FormTemplates>
+</file>
+
+<file path=customXml/item3.xml><?xml version="1.0" encoding="utf-8"?>
 <ct:contentTypeSchema xmlns:ct="http://schemas.microsoft.com/office/2006/metadata/contentType" xmlns:ma="http://schemas.microsoft.com/office/2006/metadata/properties/metaAttributes" ct:_="" ma:_="" ma:contentTypeName="Document" ma:contentTypeID="0x010100EECD86F56755A646AC8AFCBCBD967F21" ma:contentTypeVersion="11" ma:contentTypeDescription="Create a new document." ma:contentTypeScope="" ma:versionID="4bc1015ece1c23b1ef2f55a62f11494f">
   <xsd:schema xmlns:xsd="http://www.w3.org/2001/XMLSchema" xmlns:xs="http://www.w3.org/2001/XMLSchema" xmlns:p="http://schemas.microsoft.com/office/2006/metadata/properties" xmlns:ns2="155be751-a274-42e8-93fb-f39d3b9bccc8" xmlns:ns3="f80a141d-92ca-4d3d-9308-f7e7b1d44ce8" targetNamespace="http://schemas.microsoft.com/office/2006/metadata/properties" ma:root="true" ma:fieldsID="efbf6837a43ed91190e40f849f23a130" ns2:_="" ns3:_="">
     <xsd:import namespace="155be751-a274-42e8-93fb-f39d3b9bccc8"/>
@@ -10429,15 +14166,6 @@
 </ct:contentTypeSchema>
 </file>
 
-<file path=customXml/item3.xml><?xml version="1.0" encoding="utf-8"?>
-<?mso-contentType ?>
-<FormTemplates xmlns="http://schemas.microsoft.com/sharepoint/v3/contenttype/forms">
-  <Display>DocumentLibraryForm</Display>
-  <Edit>DocumentLibraryForm</Edit>
-  <New>DocumentLibraryForm</New>
-</FormTemplates>
-</file>
-
 <file path=customXml/itemProps1.xml><?xml version="1.0" encoding="utf-8"?>
 <ds:datastoreItem xmlns:ds="http://schemas.openxmlformats.org/officeDocument/2006/customXml" ds:itemID="{54DA07C5-A406-4A0D-B3E6-3856C94AC7F3}">
   <ds:schemaRefs>
@@ -10448,6 +14176,14 @@
 </file>
 
 <file path=customXml/itemProps2.xml><?xml version="1.0" encoding="utf-8"?>
+<ds:datastoreItem xmlns:ds="http://schemas.openxmlformats.org/officeDocument/2006/customXml" ds:itemID="{7EFDA260-DDA0-422C-B7AE-778F653FBB36}">
+  <ds:schemaRefs>
+    <ds:schemaRef ds:uri="http://schemas.microsoft.com/sharepoint/v3/contenttype/forms"/>
+  </ds:schemaRefs>
+</ds:datastoreItem>
+</file>
+
+<file path=customXml/itemProps3.xml><?xml version="1.0" encoding="utf-8"?>
 <ds:datastoreItem xmlns:ds="http://schemas.openxmlformats.org/officeDocument/2006/customXml" ds:itemID="{887AE8FE-83F0-42D0-BB5E-14AD3FB1DE17}">
   <ds:schemaRefs>
     <ds:schemaRef ds:uri="http://schemas.microsoft.com/office/2006/metadata/contentType"/>
@@ -10464,12 +14200,4 @@
     <ds:schemaRef ds:uri="http://schemas.microsoft.com/internal/obd"/>
   </ds:schemaRefs>
 </ds:datastoreItem>
-</file>
-
-<file path=customXml/itemProps3.xml><?xml version="1.0" encoding="utf-8"?>
-<ds:datastoreItem xmlns:ds="http://schemas.openxmlformats.org/officeDocument/2006/customXml" ds:itemID="{7EFDA260-DDA0-422C-B7AE-778F653FBB36}">
-  <ds:schemaRefs>
-    <ds:schemaRef ds:uri="http://schemas.microsoft.com/sharepoint/v3/contenttype/forms"/>
-  </ds:schemaRefs>
-</ds:datastoreItem>
 </file>